--- a/Project Dataflow.pptx
+++ b/Project Dataflow.pptx
@@ -105,11 +105,12 @@
       </a:defRPr>
     </a:lvl9pPr>
   </p:defaultTextStyle>
+  <p:extLst>
+    <p:ext uri="{EFAFB233-063F-42B5-8137-9DF3F51BA10A}">
+      <p15:sldGuideLst xmlns:p15="http://schemas.microsoft.com/office/powerpoint/2012/main"/>
+    </p:ext>
+  </p:extLst>
 </p:presentation>
-</file>
-
-<file path=ppt/revisionInfo.xml><?xml version="1.0" encoding="utf-8"?>
-<p1510:revInfo xmlns:a="http://schemas.openxmlformats.org/drawingml/2006/main" xmlns:r="http://schemas.openxmlformats.org/officeDocument/2006/relationships" xmlns:p1510="http://schemas.microsoft.com/office/powerpoint/2015/10/main"/>
 </file>
 
 <file path=ppt/ink/ink1.xml><?xml version="1.0" encoding="utf-8"?>
@@ -203,7 +204,7 @@
   </inkml:definitions>
   <inkml:trace contextRef="#ctx0" brushRef="#br0">808 290 15408 0 0,'0'0'1367'0'0,"0"0"-1095"0"0,0 0-272 0 0,0 0 0 0 0,0 0 232 0 0,11 21-8 0 0,-11 0 0 0 0,0-1 0 0 0,10 22 104 0 0,-10-11 24 0 0,0 31 0 0 0,0-10 0 0 0,0 0-256 0 0,0 10-96 0 0,0-10 64 0 0,0-10-64 0 0,0 10 0 0 0,-10-11 0 0 0,10-10 0 0 0,10-10 0 0 0,-10 0 0 0 0,0-11 0 0 0,0 1 0 0 0,11-11-5239 0 0,-11 0-993 0 0</inkml:trace>
   <inkml:trace contextRef="#ctx0" brushRef="#br0" timeOffset="273.9944">663 228 15976 0 0,'0'0'447'0'0,"-10"0"105"0"0,10 0-440 0 0,0 0-112 0 0,0 0 0 0 0,-11 10 0 0 0,11-10 0 0 0,0 0 0 0 0,0 0 0 0 0,11 11 0 0 0,-11-11 96 0 0,0 0 0 0 0,0 10 0 0 0,10-10 0 0 0,0 11 304 0 0,-10-11 56 0 0,11 10 16 0 0,10-10 0 0 0,-11 10-56 0 0,11-10 0 0 0,-1 11-8 0 0,1-1 0 0 0,0-10-120 0 0,10 0-32 0 0,0 10 0 0 0,-10-10 0 0 0,10 0-192 0 0,-10 0-64 0 0,10-10 0 0 0,-11 10 0 0 0,1-10 0 0 0,10 10-72 0 0,-10-11 8 0 0,0 11 0 0 0,0-10-880 0 0,-11 0-176 0 0,11-1-32 0 0</inkml:trace>
-  <inkml:trace contextRef="#ctx0" brushRef="#br0" timeOffset="547.9962">622 996 11976 0 0,'0'0'256'0'0,"-11"0"64"0"0,11 0 0 0 0,0 0 32 0 0,0 0-288 0 0,0-11-64 0 0,0 11 0 0 0,0 0 0 0 0,0 0 704 0 0,0-10 120 0 0,11 10 24 0 0,-1 0 7 0 0,0 0 49 0 0,1-10 16 0 0,10 10 0 0 0,-1 0 0 0 0,1 0-376 0 0,10 0-80 0 0,0 0-16 0 0,0 0 0 0 0,1 0-256 0 0,-1-11-64 0 0,0 1 0 0 0,0-1-8 0 0,0 1-120 0 0,0 0 0 0 0,-10-11 64 0 0,0 10-64 0 0,10-9-896 0 0,-10 9-208 0 0,-1 1-40 0 0,-9-1-6799 0 0</inkml:trace>
+  <inkml:trace contextRef="#ctx0" brushRef="#br0" timeOffset="547.9961">622 996 11976 0 0,'0'0'256'0'0,"-11"0"64"0"0,11 0 0 0 0,0 0 32 0 0,0 0-288 0 0,0-11-64 0 0,0 11 0 0 0,0 0 0 0 0,0 0 704 0 0,0-10 120 0 0,11 10 24 0 0,-1 0 7 0 0,0 0 49 0 0,1-10 16 0 0,10 10 0 0 0,-1 0 0 0 0,1 0-376 0 0,10 0-80 0 0,0 0-16 0 0,0 0 0 0 0,1 0-256 0 0,-1-11-64 0 0,0 1 0 0 0,0-1-8 0 0,0 1-120 0 0,0 0 0 0 0,-10-11 64 0 0,0 10-64 0 0,10-9-896 0 0,-10 9-208 0 0,-1 1-40 0 0,-9-1-6799 0 0</inkml:trace>
   <inkml:trace contextRef="#ctx0" brushRef="#br0" timeOffset="967.0843">1265 695 17479 0 0,'0'0'384'0'0,"-10"0"72"0"0,-1 0 24 0 0,11 0 16 0 0,0 0-400 0 0,0 0-96 0 0,0 0 0 0 0,0 10 0 0 0,0-10 0 0 0,0 11 0 0 0,0-1-96 0 0,11 1 96 0 0,-11-11 96 0 0,0 20 64 0 0,0-9 24 0 0,0 10 0 0 0,0-1 40 0 0,0 1 0 0 0,0-11 8 0 0,0 11 0 0 0,0 0-72 0 0,0 0-24 0 0,0-11 0 0 0,0 1 0 0 0,0-1-72 0 0,0 0-64 0 0,0-10 96 0 0,0 11-96 0 0,0-11 0 0 0,0 0 0 0 0,10 0 0 0 0,0-11 0 0 0,-10 1 0 0 0,11 0 0 0 0,-1-1 0 0 0,-10-10-72 0 0,10 1-120 0 0,1-1-32 0 0,-1 10 0 0 0,1-9 0 0 0,-1-1 56 0 0,-10 0 8 0 0,10 0 0 0 0,1 11 0 0 0,-1 0 160 0 0,-10-11 0 0 0,11 21 0 0 0,-1-11 0 0 0,-10 1-96 0 0,10 10-16 0 0,-10 0 0 0 0,11 10 0 0 0,-11 1 240 0 0,10-1 56 0 0,-10 11 8 0 0,0 0 0 0 0,0-11 16 0 0,0 21 8 0 0,11-10 0 0 0,-11 0 0 0 0,0 0 16 0 0,0-1 8 0 0,0 1 0 0 0,0-10 0 0 0,0 9-240 0 0,0-9 0 0 0,10-11 0 0 0,-10 0 0 0 0,10 0-256 0 0,1 0-104 0 0,-1-11-24 0 0,-10 1-5279 0 0,10-11-1057 0 0</inkml:trace>
   <inkml:trace contextRef="#ctx0" brushRef="#br0" timeOffset="1318.9946">1669 570 15864 0 0,'0'0'352'0'0,"-11"10"63"0"0,11 0 25 0 0,0 1 8 0 0,0 10-360 0 0,0-1-88 0 0,0 1 0 0 0,0 10 0 0 0,11-10 384 0 0,-11 10 56 0 0,0 0 8 0 0,0 0 8 0 0,0 1-136 0 0,0-1-32 0 0,0 0-8 0 0,0-10 0 0 0,0-1 136 0 0,0 1 24 0 0,0 0 8 0 0,0-11 0 0 0,0 11-288 0 0,0-11-48 0 0,0-10-16 0 0,10 11 0 0 0,-10-11-96 0 0,0 0 0 0 0,0 0 0 0 0,0-11-80 0 0,10 1-80 0 0,-10-11-24 0 0,0 11 0 0 0,11-11 0 0 0,-11 0-104 0 0,10 1-16 0 0,-10-1-8 0 0,0 0 0 0 0,0-10-72 0 0,11 0-8 0 0,-11 0-8 0 0,0 10 0 0 0,10-10 144 0 0,-10 0 24 0 0,0 10 8 0 0,0 0 0 0 0,10-10 128 0 0,1 21 96 0 0,-11-11-104 0 0,10 10 40 0 0,0 1 64 0 0,1 10 0 0 0,-11-10 80 0 0,10 10-80 0 0,0-11 256 0 0,1 11 0 0 0,-1 11 0 0 0,-10-1 0 0 0,11-10 56 0 0,-1 10 8 0 0,-10 1 8 0 0,0-1 0 0 0,0 1-104 0 0,0-1-16 0 0,0 11-8 0 0,0-11 0 0 0,-10 0-104 0 0,-1 11-16 0 0,1-10-8 0 0,10 9 0 0 0,-21-9-72 0 0,11-1 0 0 0,-1 0 0 0 0,1 1 0 0 0,0-1-336 0 0,-1 1-32 0 0,11-1-8 0 0,-10-10-5111 0 0,10 0-1025 0 0</inkml:trace>
   <inkml:trace contextRef="#ctx0" brushRef="#br0" timeOffset="1669.003">1959 539 14600 0 0,'0'0'320'0'0,"0"0"64"0"0,-10 10 8 0 0,10 1 24 0 0,-10-1-328 0 0,10 1-88 0 0,-11-1 0 0 0,11 11 0 0 0,-10-11 144 0 0,10 1 15 0 0,0 9 1 0 0,0-9 0 0 0,0 9 224 0 0,0-9 56 0 0,0-1 8 0 0,0-10 0 0 0,0 11 0 0 0,0-11 0 0 0,0 0 0 0 0,10 0 0 0 0,1-11-336 0 0,-1 11-112 0 0,-10-10 72 0 0,10-1-72 0 0,1 1 80 0 0,-1 0-80 0 0,1-1 96 0 0,-11-9-96 0 0,10 20 64 0 0,0-21-64 0 0,-10 21 0 0 0,11-11 0 0 0,-11 11 0 0 0,10 0 0 0 0,-10 0 0 0 0,10 11 0 0 0,1-1 0 0 0,-11 1 0 0 0,0 9 80 0 0,10 1-80 0 0,-10 0 104 0 0,11 0-16 0 0,-11-1-8 0 0,0-9 0 0 0,10-1-80 0 0,0 11 0 0 0,-10-11 0 0 0,11 1 64 0 0,-1-11-64 0 0,0-11-136 0 0,1 1 32 0 0,-1 0-5519 0 0,0-11-1097 0 0</inkml:trace>
@@ -226,11 +227,11 @@
   <inkml:trace contextRef="#ctx0" brushRef="#br0" timeOffset="-778710.0286">18337 3623 8496 0 0,'0'0'184'0'0,"0"0"40"0"0,0 0 0 0 0,-5-6 24 0 0,5 1-248 0 0,0 5 0 0 0,0 0 0 0 0,-6-5 0 0 0,6 5 640 0 0,-5-6 72 0 0,5 6 24 0 0,0 0 0 0 0,-6 0-200 0 0,1 0-40 0 0,0 0-8 0 0,5 0 0 0 0,-6 6-200 0 0,1-6-32 0 0,0 5-16 0 0,-1 0 0 0 0,1 1-240 0 0,0-1 0 0 0,-1 6 0 0 0,1-1 0 0 0,0 1 64 0 0,-1 5-64 0 0,1 0 0 0 0,0-6 72 0 0,-1 6 8 0 0,6-5 0 0 0,-5 5 0 0 0,5-5 0 0 0,-5-1 232 0 0,5 1 40 0 0,0-6 15 0 0,0 6 1 0 0,0-6-160 0 0,5 0-32 0 0,-5 1-8 0 0,5-6 0 0 0,-5 5-32 0 0,6-5-8 0 0,-1 0 0 0 0,0 0 0 0 0,1 0 0 0 0,-1 0 0 0 0,0-5 0 0 0,1 5 0 0 0,-1-6-40 0 0,0 6-16 0 0,1-5 0 0 0,-1 5 0 0 0,-5 0-72 0 0,5 0 0 0 0,1 0 0 0 0,-6 0 64 0 0,0 5 104 0 0,0 1 24 0 0,0-1 0 0 0,0 0 0 0 0,0 1-192 0 0,-6 4 64 0 0,1 1-64 0 0,5-6 0 0 0,-5 6 0 0 0,-1 0 0 0 0,-4-1-80 0 0,4 1 80 0 0,1 0 0 0 0,-6-6 0 0 0,6 6 0 0 0,0-6 0 0 0,-1 0-88 0 0,1 1-8 0 0,0-1-8 0 0,-1-5 0 0 0,6 0-912 0 0,0 0-176 0 0,0 0-39 0 0,0 0-9 0 0</inkml:trace>
   <inkml:trace contextRef="#ctx0" brushRef="#br0" timeOffset="-778275.1365">18347 3819 12272 0 0,'0'0'352'0'0,"0"0"64"0"0,0 0-328 0 0,-5 5-88 0 0,5-5 0 0 0,0 0 0 0 0,0 0 192 0 0,0 0 16 0 0,0 0 8 0 0,0 0 0 0 0,5 0-216 0 0,-5 0 0 0 0,5 0 0 0 0,-5 0 0 0 0,0 0 256 0 0,6-5 0 0 0,-1 5 8 0 0,0 0 0 0 0,1-5 40 0 0,-1 5 8 0 0,0-6 0 0 0,0 1 0 0 0,1 0-192 0 0,-1 5-41 0 0,0-5-7 0 0,-5-1 0 0 0,0 1-72 0 0,6 5 0 0 0,-6-5 0 0 0,0-1 0 0 0,0 6 0 0 0,0-5 0 0 0,0 5-96 0 0,0-5 96 0 0,-6 5-95 0 0,6 0 95 0 0,-5-6-96 0 0,0 6 96 0 0,-1 0-288 0 0,1-5 0 0 0,0 10 0 0 0,0-5 0 0 0,-1 0 40 0 0,1 6 16 0 0,0-1 0 0 0,-1 6 0 0 0,1-1-16 0 0,0 1 0 0 0,5-1 0 0 0,-6 6 0 0 0,6-5 248 0 0,-5 5 0 0 0,5-5 0 0 0,0 5 0 0 0,5-6 96 0 0,-5 1 72 0 0,6-6 16 0 0,-1 6 0 0 0,0-6-72 0 0,1 0-16 0 0,4-5 0 0 0,-4 0-3856 0 0,4 0-776 0 0</inkml:trace>
   <inkml:trace contextRef="#ctx0" brushRef="#br0" timeOffset="-777908.1406">18469 3788 11312 0 0,'0'10'320'0'0,"0"-10"72"0"0,5 6-312 0 0,-5 4-80 0 0,0-10 0 0 0,6 11 0 0 0,-6-6 240 0 0,5 6 32 0 0,-5-6 8 0 0,0 1 0 0 0,5-1-16 0 0,-5 0 0 0 0,0 6 0 0 0,0-11 0 0 0,0 5 176 0 0,0 0 32 0 0,0-5 8 0 0,0 0 0 0 0,0 0-304 0 0,0 6-56 0 0,0-6-17 0 0,0 0 1 0 0,0 0-104 0 0,0 0-64 0 0,0 0 64 0 0,0 0-104 0 0,0 0-183 0 0,0 0-41 0 0,0 0-8 0 0,0 0 0 0 0,6-6 168 0 0,-6 1 32 0 0,5 0 8 0 0,-5-6 0 0 0,5 6 128 0 0,-5 0 0 0 0,6-6 0 0 0,-6 0 0 0 0,5 6-128 0 0,-5-6 24 0 0,5 6 8 0 0,-5-6 0 0 0,6 6 96 0 0,-6 0 0 0 0,5 5 0 0 0,0-6-72 0 0,-5 6 72 0 0,0 0 0 0 0,6 6 0 0 0,-6-6 0 0 0,5 5 264 0 0,-5 6 24 0 0,0-6 0 0 0,5 6 0 0 0,-5-1-112 0 0,0-4-16 0 0,6 4-8 0 0,-6-4 0 0 0,0 4-24 0 0,0-5 0 0 0,0 1 0 0 0,0-1 0 0 0,0-5-9 0 0,0 0-7 0 0,0 0 0 0 0,0 0 0 0 0,0 0-176 0 0,0 0-40 0 0,5 0-8 0 0,-5-5 0 0 0,0-1-407 0 0,5 1-89 0 0,-5 0-8 0 0,5-6-5328 0 0</inkml:trace>
-  <inkml:trace contextRef="#ctx0" brushRef="#br0" timeOffset="-777532.1393">18634 3782 11600 0 0,'0'0'256'0'0,"0"0"48"0"0,0 0 16 0 0,0 0 8 0 0,0 0-264 0 0,0 6-64 0 0,0-6 0 0 0,6 5 0 0 0,-6 6 344 0 0,5-6 48 0 0,-5 0 16 0 0,0 1 0 0 0,5 4-288 0 0,-5-4-56 0 0,0 5-64 0 0,6-6 88 0 0,-6 0-88 0 0,0 1 96 0 0,0 4-96 0 0,0-10 96 0 0,0 6 32 0 0,0-1 0 0 0,0-5 8 0 0,0 0 0 0 0,0 0 8 0 0,0 0 0 0 0,0 0 0 0 0,0 0 0 0 0,0 0-240 0 0,0-5-56 0 0,0-1-8 0 0,5 6 0 0 0,-5-5-264 0 0,0 0-56 0 0,0-1-16 0 0,5 1 0 0 0,-5-6-344 0 0,0 6-72 0 0,6-1-16 0 0,-6 1 0 0 0,0 0-144 0 0,0-1-32 0 0,5 1-8 0 0,-5 0-1656 0 0</inkml:trace>
+  <inkml:trace contextRef="#ctx0" brushRef="#br0" timeOffset="-777532.1392">18634 3782 11600 0 0,'0'0'256'0'0,"0"0"48"0"0,0 0 16 0 0,0 0 8 0 0,0 0-264 0 0,0 6-64 0 0,0-6 0 0 0,6 5 0 0 0,-6 6 344 0 0,5-6 48 0 0,-5 0 16 0 0,0 1 0 0 0,5 4-288 0 0,-5-4-56 0 0,0 5-64 0 0,6-6 88 0 0,-6 0-88 0 0,0 1 96 0 0,0 4-96 0 0,0-10 96 0 0,0 6 32 0 0,0-1 0 0 0,0-5 8 0 0,0 0 0 0 0,0 0 8 0 0,0 0 0 0 0,0 0 0 0 0,0 0 0 0 0,0 0-240 0 0,0-5-56 0 0,0-1-8 0 0,5 6 0 0 0,-5-5-264 0 0,0 0-56 0 0,0-1-16 0 0,5 1 0 0 0,-5-6-344 0 0,0 6-72 0 0,6-1-16 0 0,-6 1 0 0 0,0 0-144 0 0,0-1-32 0 0,5 1-8 0 0,-5 0-1656 0 0</inkml:trace>
   <inkml:trace contextRef="#ctx0" brushRef="#br0" timeOffset="-776892.1369">18709 3814 6848 0 0,'-6'6'152'0'0,"6"-1"32"0"0,0 0 8 0 0,0-5 0 0 0,-5 6-192 0 0,5-1 0 0 0,0 1 0 0 0,0-6 0 0 0,0 0 168 0 0,0 5 0 0 0,0-5 0 0 0,0 0-2296 0 0,0 0-464 0 0</inkml:trace>
   <inkml:trace contextRef="#ctx0" brushRef="#br0" timeOffset="-776365.0939">18698 3638 14192 0 0,'0'0'312'0'0,"0"0"64"0"0,0 0 8 0 0,0 6 24 0 0,0-1-328 0 0,0 0-80 0 0,0 1 0 0 0,0 10 0 0 0,0 0 232 0 0,0 0 32 0 0,0 5 7 0 0,0 0 1 0 0,5 0-112 0 0,-5 1-16 0 0,0 4-8 0 0,0-5 0 0 0,0 6-32 0 0,0-6-8 0 0,0 0 0 0 0,0-5 0 0 0,0 6 0 0 0,0-12-8 0 0,0 6 0 0 0,0-5 0 0 0,0-6-88 0 0,0 0 0 0 0,0 1 72 0 0,0-6-72 0 0,0 0-472 0 0,0 0-128 0 0,0-6-24 0 0</inkml:trace>
   <inkml:trace contextRef="#ctx0" brushRef="#br0" timeOffset="-776194.1408">18634 3814 13328 0 0,'6'0'288'0'0,"-6"0"64"0"0,5 0 16 0 0,0 0 16 0 0,1 6-312 0 0,-1-6-72 0 0,6 5 0 0 0,-6-5 0 0 0,6 5 240 0 0,-1-5 32 0 0,1 0 8 0 0,0 0 0 0 0,-1 6-280 0 0,1-1-96 0 0,0-10 0 0 0</inkml:trace>
-  <inkml:trace contextRef="#ctx0" brushRef="#br0" timeOffset="-775841.1347">18825 3862 14600 0 0,'0'0'320'0'0,"0"0"64"0"0,0 0 8 0 0,0 0 24 0 0,0 0-328 0 0,0 6-88 0 0,0-6 0 0 0,0 5 0 0 0,0-5 64 0 0,0 0 0 0 0,6 0 0 0 0,-6 0-1 0 0,0 0-63 0 0,0 0 0 0 0,0 0-79 0 0,5 0 79 0 0,-5 5 215 0 0,0-5 89 0 0,0 6 16 0 0,0-1 8 0 0,0 0 80 0 0,5 6 8 0 0,-5-6 8 0 0,0 6 0 0 0,0 0-240 0 0,5-1-56 0 0,-5-4 0 0 0,6 4-8 0 0,-6 1-48 0 0,5-6-8 0 0,-5 0 0 0 0,0 1 0 0 0,5-1-64 0 0,-5 0 96 0 0,6-5-96 0 0,-1 0 96 0 0,-5 0-96 0 0,5-5 80 0 0,-5 0-80 0 0,6-1 80 0 0,-6-4-80 0 0,5 5 0 0 0,-5-6 0 0 0,0 0 0 0 0,5 6-216 0 0,-5-6-80 0 0,0 1-24 0 0,0-6 0 0 0,0 5 80 0 0,0 0 16 0 0,0 1 0 0 0,0-1 0 0 0,0-5 48 0 0,0 5 16 0 0,0 6 0 0 0,0-6 0 0 0,0 1 160 0 0,0-1 96 0 0,0 6-16 0 0,0-1 0 0 0,0 6-80 0 0,6-5 0 0 0,-6 5 0 0 0,0 0 64 0 0,0 0-1248 0 0,0 0-255 0 0,0 5-57 0 0,5 1-8 0 0</inkml:trace>
+  <inkml:trace contextRef="#ctx0" brushRef="#br0" timeOffset="-775841.1346">18825 3862 14600 0 0,'0'0'320'0'0,"0"0"64"0"0,0 0 8 0 0,0 0 24 0 0,0 0-328 0 0,0 6-88 0 0,0-6 0 0 0,0 5 0 0 0,0-5 64 0 0,0 0 0 0 0,6 0 0 0 0,-6 0-1 0 0,0 0-63 0 0,0 0 0 0 0,0 0-79 0 0,5 0 79 0 0,-5 5 215 0 0,0-5 89 0 0,0 6 16 0 0,0-1 8 0 0,0 0 80 0 0,5 6 8 0 0,-5-6 8 0 0,0 6 0 0 0,0 0-240 0 0,5-1-56 0 0,-5-4 0 0 0,6 4-8 0 0,-6 1-48 0 0,5-6-8 0 0,-5 0 0 0 0,0 1 0 0 0,5-1-64 0 0,-5 0 96 0 0,6-5-96 0 0,-1 0 96 0 0,-5 0-96 0 0,5-5 80 0 0,-5 0-80 0 0,6-1 80 0 0,-6-4-80 0 0,5 5 0 0 0,-5-6 0 0 0,0 0 0 0 0,5 6-216 0 0,-5-6-80 0 0,0 1-24 0 0,0-6 0 0 0,0 5 80 0 0,0 0 16 0 0,0 1 0 0 0,0-1 0 0 0,0-5 48 0 0,0 5 16 0 0,0 6 0 0 0,0-6 0 0 0,0 1 160 0 0,0-1 96 0 0,0 6-16 0 0,0-1 0 0 0,0 6-80 0 0,6-5 0 0 0,-6 5 0 0 0,0 0 64 0 0,0 0-1248 0 0,0 0-255 0 0,0 5-57 0 0,5 1-8 0 0</inkml:trace>
   <inkml:trace contextRef="#ctx0" brushRef="#br0" timeOffset="-775489.1394">19017 3820 13968 0 0,'0'0'392'0'0,"0"0"96"0"0,0 0-392 0 0,0 0-96 0 0,-5 0 0 0 0,5 0 0 0 0,0 0 168 0 0,0 0 16 0 0,0 0 0 0 0,0 0 0 0 0,0-6-184 0 0,0 6 0 0 0,0 0 0 0 0,0 0-96 0 0,-6 6 96 0 0,6-1 0 0 0,-5-5-72 0 0,0 11 72 0 0,5-6 0 0 0,-6 6 0 0 0,1-1 0 0 0,5 1 0 0 0,-5-1 128 0 0,5-4 56 0 0,-6 4 8 0 0,6-4 8 0 0,0-1-112 0 0,0 0-24 0 0,0 1-64 0 0,0-6 95 0 0,0 0-95 0 0,0 0 0 0 0,6 0-71 0 0,-6 0 71 0 0,5-6-120 0 0,-5 1 24 0 0,5 0 8 0 0,1-6 0 0 0,-6 6-376 0 0,5-1-80 0 0,-5-4-8 0 0,5-1-8 0 0,-5 1-48 0 0,6 4-16 0 0,-6 1 0 0 0,0-6 0 0 0,5 6 392 0 0,-5 5 72 0 0,0-5 24 0 0,0 5 0 0 0,0 0 328 0 0,0 0 64 0 0,0 0 8 0 0,0 0 8 0 0,0 5 368 0 0,0 0 80 0 0,0 6 16 0 0,0-6 0 0 0,5 6-352 0 0,-5-1-72 0 0,0-4-16 0 0,0 4 0 0 0,6-4-296 0 0,-6-1-184 0 0,5 0 24 0 0,-5 1 8 0 0,5-6-408 0 0,1 0-80 0 0,-6-6-24 0 0,5 1 0 0 0</inkml:trace>
   <inkml:trace contextRef="#ctx0" brushRef="#br0" timeOffset="-775290.14">19080 3591 16208 0 0,'0'0'351'0'0,"0"5"81"0"0,0 1 16 0 0,0 4 8 0 0,6 1-360 0 0,-6 5-96 0 0,5 5 0 0 0,-5 0 0 0 0,5 1 64 0 0,1 4-64 0 0,-6 1 96 0 0,5 5-32 0 0,-5-6-64 0 0,5 1 0 0 0,-5-1 0 0 0,5-4 0 0 0,1-1 0 0 0,-6-5-128 0 0,5 0 32 0 0,0-6-4711 0 0,1-4-953 0 0</inkml:trace>
   <inkml:trace contextRef="#ctx0" brushRef="#br0" timeOffset="-804389.1435">13580 4048 9040 0 0,'-10'0'256'0'0,"10"0"64"0"0,0 0-256 0 0,0 0-64 0 0,0 0 0 0 0,0 0 0 0 0,0 0-64 0 0,0 0-32 0 0,0 0 0 0 0,-11 0 0 0 0,11 0-88 0 0,0 0-16 0 0,0 0-8 0 0,0 0-2152 0 0,0 0-424 0 0</inkml:trace>
@@ -240,12 +241,12 @@
   <inkml:trace contextRef="#ctx0" brushRef="#br0" timeOffset="-786670.1377">15206 4064 14688 0 0,'0'0'320'0'0,"0"0"72"0"0,0 5 16 0 0,0 1 0 0 0,0-1-328 0 0,0 0-80 0 0,0 1 0 0 0,0 4 0 0 0,0-4 351 0 0,0-1 65 0 0,0 6 0 0 0,5-6 8 0 0,-5 0-104 0 0,6 0-32 0 0,-6 1 0 0 0,0-6 0 0 0,0 0-288 0 0,0 0 0 0 0,0 0 0 0 0,0-6-5103 0 0,0 1-1009 0 0</inkml:trace>
   <inkml:trace contextRef="#ctx0" brushRef="#br0" timeOffset="-786518.9737">15201 3878 17391 0 0,'0'0'384'0'0,"0"5"72"0"0,0-5 24 0 0,-6 6 8 0 0,12-1-392 0 0,-6 6-96 0 0,0-11 0 0 0,0 5 0 0 0,5 1-240 0 0,-5-1-72 0 0,5 0-8 0 0,-5-5-4639 0 0,6 6-921 0 0</inkml:trace>
   <inkml:trace contextRef="#ctx0" brushRef="#br0" timeOffset="-786269.822">15350 3852 14136 0 0,'0'0'312'0'0,"-5"0"64"0"0,5 5 8 0 0,0 1 16 0 0,-6 4-320 0 0,6-4-80 0 0,0 4 0 0 0,0 1 0 0 0,0-1 192 0 0,0 6 16 0 0,0-5 8 0 0,0 5-1 0 0,0 5-215 0 0,0-5 64 0 0,0 0-64 0 0,0 0 0 0 0,0 0 88 0 0,0 0-24 0 0,0 0-64 0 0,0-6 96 0 0,6 1-96 0 0,-6 0 88 0 0,0-6-88 0 0,0 0 80 0 0,0 1-184 0 0,0-6-40 0 0,0 0-8 0 0,0 0-4295 0 0,0 0-857 0 0</inkml:trace>
-  <inkml:trace contextRef="#ctx0" brushRef="#br0" timeOffset="-786112.1091">15291 3958 13848 0 0,'0'0'304'0'0,"0"0"64"0"0,0 0 16 0 0,0 0 0 0 0,0 0-304 0 0,0 0-80 0 0,0 0 0 0 0,0 0 0 0 0,0 6 360 0 0,5-1 56 0 0,6-5 15 0 0,-6 0 1 0 0,6 6-200 0 0,-6-6-40 0 0,6 0 0 0 0,5 0-4863 0 0,-6-6-977 0 0</inkml:trace>
+  <inkml:trace contextRef="#ctx0" brushRef="#br0" timeOffset="-786112.109">15291 3958 13848 0 0,'0'0'304'0'0,"0"0"64"0"0,0 0 16 0 0,0 0 0 0 0,0 0-304 0 0,0 0-80 0 0,0 0 0 0 0,0 0 0 0 0,0 6 360 0 0,5-1 56 0 0,6-5 15 0 0,-6 0 1 0 0,6 6-200 0 0,-6-6-40 0 0,6 0 0 0 0,5 0-4863 0 0,-6-6-977 0 0</inkml:trace>
   <inkml:trace contextRef="#ctx0" brushRef="#br0" timeOffset="-785895.1417">15515 3793 14912 0 0,'-6'11'328'0'0,"6"-6"72"0"0,-5 0 16 0 0,-1 1-1 0 0,6 4-335 0 0,0 1-80 0 0,0 0 0 0 0,0-1 0 0 0,0 6 0 0 0,6 0 0 0 0,-6 0 0 0 0,0 0 0 0 0,0 0 0 0 0,0 0 0 0 0,-6 0 0 0 0,6-6 64 0 0,0 1 64 0 0,0 5 0 0 0,0-5 8 0 0,6-6 0 0 0,-6 5-136 0 0,5-4-128 0 0,-5-1 32 0 0,0 0 0 0 0,0-5-671 0 0,6 0-129 0 0,-6 0-24 0 0</inkml:trace>
   <inkml:trace contextRef="#ctx0" brushRef="#br0" timeOffset="-785641.1403">15525 4037 12352 0 0,'0'0'272'0'0,"0"6"56"0"0,0-1 16 0 0,0 0 0 0 0,0 1-280 0 0,6-6-64 0 0,-1 10 0 0 0,-5-10 0 0 0,5 6 536 0 0,1-6 88 0 0,-1 5 16 0 0,0-5 8 0 0,6 0-185 0 0,-6-5-39 0 0,0-1-8 0 0,1 1 0 0 0,4 0-320 0 0,-4-1-96 0 0,-1-4 0 0 0,6 4 0 0 0,-11-4-144 0 0,5-1-64 0 0,0 1-16 0 0,1 4 0 0 0,-6 1-64 0 0,5-6-8 0 0,-5 6-7 0 0,0 0-1 0 0,0-1-88 0 0,0 1-24 0 0,-5 0 0 0 0,5 5 0 0 0,-6-6-272 0 0,1 6-56 0 0,0 0-16 0 0,-1 6 0 0 0,1-1 256 0 0,0 6 56 0 0,-1-1 0 0 0,1 1 8 0 0,-6 5 568 0 0,11 0 104 0 0,-5 0 24 0 0,0 0 8 0 0,5 0 1080 0 0,0 0 224 0 0,5-6 32 0 0,-5 1 15 0 0,5 0-599 0 0,1-1-120 0 0,4-5-32 0 0,1 1 0 0 0,0-6-576 0 0,5 0-128 0 0,0-6-16 0 0,-1-4-5671 0 0,7-1-1129 0 0</inkml:trace>
   <inkml:trace contextRef="#ctx0" brushRef="#br0" timeOffset="-780667.133">15015 3533 12440 0 0,'0'0'272'0'0,"0"0"56"0"0,0 0 16 0 0,6 5 8 0 0,-6-5-288 0 0,5 6-64 0 0,-5-1 0 0 0,5 6 0 0 0,0-6 152 0 0,1 6 8 0 0,4-1 8 0 0,1 6 0 0 0,0-5-16 0 0,-1 10-8 0 0,6-5 0 0 0,-5 11 0 0 0,0-1-72 0 0,4 1-8 0 0,-4 5-64 0 0,5 5 96 0 0,0-5-32 0 0,-5 10 0 0 0,5-5-64 0 0,0 6 96 0 0,-1-1-96 0 0,1 1 0 0 0,0 5 0 0 0,0 5 0 0 0,0-5 0 0 0,6 10 0 0 0,-6 6 0 0 0,-1 0 0 0 0,1 10 0 0 0,6 11 136 0 0,-1-5-24 0 0,0 5-8 0 0,0 5-16 0 0,1 1-8 0 0,4-1 0 0 0,1 6 0 0 0,-6-11-8 0 0,6 5 0 0 0,-6-5 0 0 0,0 0-1 0 0,1-11 321 0 0,-1 1 64 0 0,0-6 16 0 0,0 0 0 0 0,1-5 64 0 0,-1-1 8 0 0,0 1 8 0 0,-5 0 0 0 0,5-6-176 0 0,1 6-40 0 0,-6-5-8 0 0,5-1 0 0 0,0-5-168 0 0,-5 0-40 0 0,5 0-8 0 0,1-5 0 0 0,-6-5-328 0 0,-1-6-64 0 0,1-5-8 0 0,6 0-8351 0 0</inkml:trace>
   <inkml:trace contextRef="#ctx0" brushRef="#br0" timeOffset="-784731.1363">16509 3751 7792 0 0,'0'0'224'0'0,"0"0"40"0"0,0 0-264 0 0,5 0 0 0 0,-5 0 0 0 0,5 0 0 0 0,1-6 96 0 0,-6 6-96 0 0,5-5 96 0 0,-5 5-96 0 0,0-5 464 0 0,5 5 40 0 0,-5 0 8 0 0,0-6 0 0 0,0 1 256 0 0,0 5 48 0 0,0 0 16 0 0,0 0 0 0 0,0-5-208 0 0,0 5-40 0 0,-5-6-8 0 0,5 6 0 0 0,-5 0-97 0 0,5 0-31 0 0,-6 0 0 0 0,1 6 0 0 0,5-6-328 0 0,-5 5-120 0 0,-1-5 72 0 0,1 5-72 0 0,-6 1 96 0 0,6 4-32 0 0,0 1 0 0 0,-6 0 0 0 0,6 5-64 0 0,-6 0 0 0 0,0-1 0 0 0,6 7 64 0 0,0-6 16 0 0,-1 5 0 0 0,1 0 0 0 0,5-5 0 0 0,0 6 80 0 0,0-6 24 0 0,0-6 0 0 0,0 1 0 0 0,5-1-40 0 0,1 1-8 0 0,-1-6 0 0 0,6-5 0 0 0,-1 6-296 0 0,1-6-64 0 0,0 0-16 0 0,-1-6-7543 0 0</inkml:trace>
-  <inkml:trace contextRef="#ctx0" brushRef="#br0" timeOffset="-784481.0709">16615 3910 17423 0 0,'-5'6'384'0'0,"0"-1"72"0"0,-1 0 24 0 0,1 1 8 0 0,0-1-392 0 0,5-5-96 0 0,-6 5 0 0 0,6 1 0 0 0,0-1 160 0 0,6 0 0 0 0,-6 1 8 0 0,5-1 0 0 0,0 0-168 0 0,-5-5 0 0 0,6 6 0 0 0,-1-6 64 0 0,0 0 0 0 0,6 0 8 0 0,-6 0 0 0 0,0-6 0 0 0,6 1 0 0 0,-6 0 0 0 0,6-1 0 0 0,-6-4 0 0 0,1-1-72 0 0,-1 0 0 0 0,0 1-96 0 0,1-1 96 0 0,-6 0-320 0 0,5 1 0 0 0,-5-1 0 0 0,0 0 0 0 0,0 6 0 0 0,-5 0 0 0 0,-1-1 0 0 0,1 1 0 0 0,0 0 8 0 0,-1-1 0 0 0,1 6 0 0 0,-6 0 0 0 0,6 0 96 0 0,0 0 25 0 0,-6 0-1 0 0,6 11 0 0 0,5-6 192 0 0,-6 1 88 0 0,1-1-8 0 0,5 6 0 0 0,0-6-160 0 0,0 6-32 0 0,5-6-8 0 0,1 0-4128 0 0,-6 1-824 0 0</inkml:trace>
+  <inkml:trace contextRef="#ctx0" brushRef="#br0" timeOffset="-784481.0708">16615 3910 17423 0 0,'-5'6'384'0'0,"0"-1"72"0"0,-1 0 24 0 0,1 1 8 0 0,0-1-392 0 0,5-5-96 0 0,-6 5 0 0 0,6 1 0 0 0,0-1 160 0 0,6 0 0 0 0,-6 1 8 0 0,5-1 0 0 0,0 0-168 0 0,-5-5 0 0 0,6 6 0 0 0,-1-6 64 0 0,0 0 0 0 0,6 0 8 0 0,-6 0 0 0 0,0-6 0 0 0,6 1 0 0 0,-6 0 0 0 0,6-1 0 0 0,-6-4 0 0 0,1-1-72 0 0,-1 0 0 0 0,0 1-96 0 0,1-1 96 0 0,-6 0-320 0 0,5 1 0 0 0,-5-1 0 0 0,0 0 0 0 0,0 6 0 0 0,-5 0 0 0 0,-1-1 0 0 0,1 1 0 0 0,0 0 8 0 0,-1-1 0 0 0,1 6 0 0 0,-6 0 0 0 0,6 0 96 0 0,0 0 25 0 0,-6 0-1 0 0,6 11 0 0 0,5-6 192 0 0,-6 1 88 0 0,1-1-8 0 0,5 6 0 0 0,0-6-160 0 0,0 6-32 0 0,5-6-8 0 0,1 0-4128 0 0,-6 1-824 0 0</inkml:trace>
   <inkml:trace contextRef="#ctx0" brushRef="#br0" timeOffset="-784148.1288">16774 3846 15632 0 0,'0'0'344'0'0,"0"0"72"0"0,0 11 7 0 0,0-6 25 0 0,0 6-360 0 0,0-6-88 0 0,0 6 0 0 0,5-6 0 0 0,-5 0 256 0 0,0 6 40 0 0,0-6 8 0 0,0 1 0 0 0,0-1-144 0 0,0 0-24 0 0,0 1-8 0 0,0-6 0 0 0,0 0 88 0 0,0 0 8 0 0,0 0 8 0 0,0 0 0 0 0,0 0-232 0 0,0 0 64 0 0,6 0-64 0 0,-6 0 0 0 0,5-6-208 0 0,-5 1-64 0 0,5-6-16 0 0,1 6 0 0 0,-1 0-128 0 0,-5-1-32 0 0,5 1-8 0 0,-5 0 0 0 0,6-1 88 0 0,-6 6 16 0 0,0 0 9 0 0,5 0-1 0 0,-5 6 280 0 0,5-1 64 0 0,-5-5 0 0 0,6 11 0 0 0,-6-6 264 0 0,0 6 72 0 0,0-1 15 0 0,0-4 1 0 0,0 4 24 0 0,5 1 8 0 0,-5-6 0 0 0,0 0 0 0 0,0 6 24 0 0,0-6 8 0 0,0-5 0 0 0,5 6 0 0 0,-5-6-272 0 0,5 0-48 0 0,-5-6-16 0 0,6 6-5551 0 0,4-10-1105 0 0</inkml:trace>
   <inkml:trace contextRef="#ctx0" brushRef="#br0" timeOffset="-783935.1363">17008 3634 18719 0 0,'-5'11'528'0'0,"0"-6"120"0"0,5 6-520 0 0,-6-1-128 0 0,6 12 0 0 0,0-6 0 0 0,0-1 256 0 0,0 12 32 0 0,0-6 0 0 0,-5 1 0 0 0,5 4-136 0 0,-6 1-24 0 0,6-6-8 0 0,0 0 0 0 0,-5 0-16 0 0,5-5 0 0 0,0 0 0 0 0,0 0 0 0 0,0-5-104 0 0,0-6 0 0 0,0 1 0 0 0,0-1 0 0 0,5 0-1184 0 0,-5 0-224 0 0,0-5-56 0 0,0 0-8 0 0</inkml:trace>
   <inkml:trace contextRef="#ctx0" brushRef="#br0" timeOffset="-783793.1359">16902 3804 17567 0 0,'-6'11'384'0'0,"6"-11"88"0"0,0 0 8 0 0,6 5 8 0 0,-1 1-392 0 0,0-1-96 0 0,6 6 0 0 0,-6-1 0 0 0,11 1 192 0 0,-5-6 8 0 0,-1 1 8 0 0,6-1 0 0 0,-5 0-360 0 0,5-5-72 0 0,0 6-8 0 0</inkml:trace>
@@ -395,7 +396,7 @@
   <inkml:trace contextRef="#ctx0" brushRef="#br0" timeOffset="-995853.0161">3243 4496 18687 0 0,'0'0'416'0'0,"0"-6"80"0"0,0 6 16 0 0,0 0 8 0 0,0 0-416 0 0,6-6-104 0 0,6 0 0 0 0,-6 0 0 0 0,6 6 0 0 0,6-6-120 0 0,0 0 24 0 0,0-1 8 0 0,7 7 24 0 0,-1-6 0 0 0,0 6 0 0 0,0-6 0 0 0,6 6 64 0 0,0 0 0 0 0,6 0 64 0 0,6 0-64 0 0,-6 0 0 0 0,0-6-104 0 0,6 6 8 0 0,0-6 8 0 0,0 0 88 0 0,1 0 0 0 0,-1 0 64 0 0,0 0-64 0 0,0-6-104 0 0,0 0-56 0 0,6 0-16 0 0,-6 0 0 0 0,6 0 176 0 0,-6 0-88 0 0,0-6 88 0 0,7 0-64 0 0,-1 6 64 0 0,0-6 0 0 0,0 0 80 0 0,0 0-80 0 0,0 0 192 0 0,0 0 0 0 0,0 6-8 0 0,0-6 0 0 0,-5 6-32 0 0,5 0-8 0 0,0-1 0 0 0,-6 7 0 0 0,6-6-48 0 0,-6 6-16 0 0,0 0 0 0 0,0 6 0 0 0,0-6-80 0 0,0 6 0 0 0,1-6 0 0 0,-1 0 64 0 0,0 6-64 0 0,-6-6 0 0 0,6 0 0 0 0,-6-6 64 0 0,6 6-64 0 0,-12 0 0 0 0,6-6-96 0 0,-6 6 96 0 0,0 0-240 0 0,0-6 16 0 0,1 6 0 0 0,-7-6-5231 0 0,0 6-1041 0 0</inkml:trace>
   <inkml:trace contextRef="#ctx0" brushRef="#br0" timeOffset="-995268.1642">3388 5703 19551 0 0,'-12'0'432'0'0,"6"0"88"0"0,6 0 24 0 0,-6 0 0 0 0,6 0-440 0 0,0 0-104 0 0,0 0 0 0 0,0 0 0 0 0,6 0-96 0 0,6 0-32 0 0,-6 0-16 0 0,6 0 0 0 0,6 0 144 0 0,0 6 0 0 0,0 0 0 0 0,6 0 0 0 0,0 0 0 0 0,0 6 0 0 0,12-6 0 0 0,1 6 0 0 0,-7-6-64 0 0,12 6 64 0 0,-6-6-96 0 0,6 6 96 0 0,0-6-80 0 0,0 6 80 0 0,0-6-64 0 0,0 0 64 0 0,0 0 0 0 0,1 0 0 0 0,-1-6 0 0 0,6 6 0 0 0,-6-6 0 0 0,0 0 0 0 0,0 6 0 0 0,-6-6 64 0 0,6 0-160 0 0,0 0-24 0 0,-6 0-8 0 0,1 0 0 0 0,-7 0 128 0 0,0 0-72 0 0,-6 6 72 0 0,6-6-64 0 0,-6 6 64 0 0,0 1 0 0 0,0-1 64 0 0,-6 0-64 0 0,6 0 0 0 0,-6 0-64 0 0,0 0 0 0 0,0 0 0 0 0,0 0-120 0 0,0 0-16 0 0,0 0-8 0 0,-6 6-5047 0 0,6-12-1017 0 0</inkml:trace>
   <inkml:trace contextRef="#ctx0" brushRef="#br0" timeOffset="-853726.8729">7566 6389 15048 0 0,'0'0'424'0'0,"-6"6"96"0"0,6-6-416 0 0,0 0-104 0 0,0 0 0 0 0,0 0 0 0 0,0 0 224 0 0,0 0 15 0 0,0 0 9 0 0,0 0 0 0 0,0 0-112 0 0,6 0-16 0 0,0 0-8 0 0,0-6 0 0 0,6 6-32 0 0,0-6-8 0 0,0 0 0 0 0,6 6 0 0 0,0-6-8 0 0,1 0-64 0 0,-1 0 96 0 0,6 0-32 0 0,0 0-64 0 0,-6-1 0 0 0,6 1 0 0 0,-6 6 64 0 0,6-6-64 0 0,0 0 0 0 0,0 0 0 0 0,0 0 0 0 0,0 6 0 0 0,0-6 0 0 0,0 6 0 0 0,0-6 0 0 0,0 6 0 0 0,0 0 0 0 0,0 0 0 0 0,0 0 0 0 0,6 0 0 0 0,-5 0 0 0 0,5 6 0 0 0,0-6 0 0 0,-6 0 0 0 0,6 0 0 0 0,-6 0 0 0 0,0 0 0 0 0,0-6 0 0 0,6 6-96 0 0,-6 0 16 0 0,0-6 8 0 0,6 6 0 0 0,-12-6 0 0 0,6 6 0 0 0,-6 0 0 0 0,0-6 72 0 0,0 0 0 0 0,0 6 0 0 0,-6-6-64 0 0,6 6 64 0 0,-6-6 0 0 0,-6 0 0 0 0,7 6 0 0 0,-1-6 128 0 0,-6 6-16 0 0,0-6 0 0 0,0 6 0 0 0,0 0-112 0 0,-6 0 0 0 0,6-6 0 0 0,-6 6 0 0 0,0 0 168 0 0,0 0 88 0 0,0 0 24 0 0,0 0 0 0 0,0 0 48 0 0,-6 6 16 0 0,6 0 0 0 0,-6-6 0 0 0,0 6-216 0 0,6 0-48 0 0,-6-6-8 0 0,0 6 0 0 0,0 0-72 0 0,-7 6 0 0 0,7-6 0 0 0,0 6 64 0 0,0-6-64 0 0,-6 6 0 0 0,6 0 0 0 0,0 7 0 0 0,-6-7 0 0 0,6 6 0 0 0,-6 6 80 0 0,6 0-80 0 0,0 6 192 0 0,-6-6-24 0 0,6 12 0 0 0,0-6 0 0 0,0 12-168 0 0,0 0 64 0 0,0 0-64 0 0,0 0 0 0 0,0 6 64 0 0,-6 0-64 0 0,6 1 64 0 0,0 5-64 0 0,0-6 0 0 0,-6 6 64 0 0,6-6-64 0 0,0 6 0 0 0,0-6 152 0 0,-6 6-8 0 0,6-6 0 0 0,0 1 0 0 0,0-7 32 0 0,0 6 8 0 0,0-6 0 0 0,6 6 0 0 0,-6-6-56 0 0,0 0 0 0 0,0-6-8 0 0,6 0 0 0 0,-6 6-32 0 0,6-6-8 0 0,-6-6 0 0 0,6 1 0 0 0,-6 5-80 0 0,6-12 0 0 0,0 0 0 0 0,0 0 64 0 0,-6-6-64 0 0,6 6 0 0 0,-6-6 0 0 0,6 0 0 0 0,0 0 0 0 0,-6 0 0 0 0,6 0 0 0 0,-6-6 0 0 0,0 6-80 0 0,6-6 80 0 0,-6 0-104 0 0,0 0 40 0 0,0 0 64 0 0,0-6 0 0 0,0 6 0 0 0,0-6-64 0 0,0 6 64 0 0,-6-6 0 0 0,6 0 0 0 0,-6 6 0 0 0,0-6 0 0 0,0 0-80 0 0,0 6 80 0 0,0-6-80 0 0,0 0-8 0 0,-6 0 0 0 0,6 0 0 0 0,-1 6 0 0 0,-5-6 88 0 0,0 0 0 0 0,0 7 0 0 0,0-7 0 0 0,-6 6 0 0 0,6 0 112 0 0,-6 0-16 0 0,0 0 0 0 0,-6 0-96 0 0,6 0 0 0 0,0 0 0 0 0,-6 0 0 0 0,6 0 0 0 0,0 0 0 0 0,-6 0 0 0 0,6 0 0 0 0,-6-6 0 0 0,6 0-128 0 0,0 6 24 0 0,-1-12 8 0 0,7 6 96 0 0,-6-6 0 0 0,6 0 0 0 0,0 0 0 0 0,0-6-200 0 0,0 6-72 0 0,6-6-16 0 0,0-6-5711 0 0,0 0-1145 0 0</inkml:trace>
-  <inkml:trace contextRef="#ctx0" brushRef="#br0" timeOffset="-852412.1495">7813 6479 11144 0 0,'0'0'240'0'0,"0"0"48"0"0,0 0 16 0 0,0 0 16 0 0,0 0-256 0 0,0 0-64 0 0,0 0 0 0 0,0 0 0 0 0,0 0 416 0 0,0-6 72 0 0,0 6 16 0 0,0 0 0 0 0,-6 0-48 0 0,6 0-8 0 0,0 0 0 0 0,0 0 0 0 0,0 0-232 0 0,0 0-57 0 0,0 0 1 0 0,0 6-8 0 0,0-6-152 0 0,0 0 0 0 0,0 0 64 0 0,-6 6-64 0 0,6-6 0 0 0,0 6 64 0 0,0-6-64 0 0,0 0 0 0 0,0 6 0 0 0,6-6 0 0 0,-6 0 0 0 0,0 0 0 0 0,0 0 0 0 0,0 0 0 0 0,6 6 0 0 0,-6-6 0 0 0,0 0 0 0 0,6 0 0 0 0,-6 0 0 0 0,0 0 0 0 0,0 0 0 0 0,7 0 0 0 0,-1 0 0 0 0,-6 6 0 0 0,0-6 0 0 0,6 0 0 0 0,-6 0 72 0 0,0 0-72 0 0,6 0 240 0 0,-6 6 0 0 0,0-6 0 0 0,0 6 0 0 0,6-6-240 0 0,-6 6 0 0 0,0 0 0 0 0,0-6 0 0 0,0 0 64 0 0,0 6 8 0 0,-6 0 8 0 0,6 0 0 0 0,0-6-80 0 0,0 6 64 0 0,-6 0-64 0 0,6-6 64 0 0,0 0-64 0 0,0 6 0 0 0,0 0 72 0 0,0-6-72 0 0,-6 0 0 0 0,6 0 0 0 0,0 0 0 0 0,0 7 0 0 0,0-7 0 0 0,0 0 0 0 0,0 0 0 0 0,0 0 0 0 0,0 0-128 0 0,0 0 0 0 0,0 0-8 0 0,0 0 0 0 0,6 6 8 0 0,-6-6 0 0 0,0 0 0 0 0,6 0 0 0 0,-6 0 24 0 0,0 0 8 0 0,0 0 0 0 0,6 0 0 0 0,-6 6 96 0 0,6-6-88 0 0,-6 0 88 0 0,0 0-80 0 0,0 0 80 0 0,6 6 0 0 0,-6-6 0 0 0,0 0 0 0 0,0 0 0 0 0,0 6-80 0 0,0 0 80 0 0,0-6-80 0 0,0 6-112 0 0,0 0-15 0 0,0-6-9 0 0,0 6-4088 0 0,0 0-816 0 0</inkml:trace>
+  <inkml:trace contextRef="#ctx0" brushRef="#br0" timeOffset="-852412.1494">7813 6479 11144 0 0,'0'0'240'0'0,"0"0"48"0"0,0 0 16 0 0,0 0 16 0 0,0 0-256 0 0,0 0-64 0 0,0 0 0 0 0,0 0 0 0 0,0 0 416 0 0,0-6 72 0 0,0 6 16 0 0,0 0 0 0 0,-6 0-48 0 0,6 0-8 0 0,0 0 0 0 0,0 0 0 0 0,0 0-232 0 0,0 0-57 0 0,0 0 1 0 0,0 6-8 0 0,0-6-152 0 0,0 0 0 0 0,0 0 64 0 0,-6 6-64 0 0,6-6 0 0 0,0 6 64 0 0,0-6-64 0 0,0 0 0 0 0,0 6 0 0 0,6-6 0 0 0,-6 0 0 0 0,0 0 0 0 0,0 0 0 0 0,0 0 0 0 0,6 6 0 0 0,-6-6 0 0 0,0 0 0 0 0,6 0 0 0 0,-6 0 0 0 0,0 0 0 0 0,0 0 0 0 0,7 0 0 0 0,-1 0 0 0 0,-6 6 0 0 0,0-6 0 0 0,6 0 0 0 0,-6 0 72 0 0,0 0-72 0 0,6 0 240 0 0,-6 6 0 0 0,0-6 0 0 0,0 6 0 0 0,6-6-240 0 0,-6 6 0 0 0,0 0 0 0 0,0-6 0 0 0,0 0 64 0 0,0 6 8 0 0,-6 0 8 0 0,6 0 0 0 0,0-6-80 0 0,0 6 64 0 0,-6 0-64 0 0,6-6 64 0 0,0 0-64 0 0,0 6 0 0 0,0 0 72 0 0,0-6-72 0 0,-6 0 0 0 0,6 0 0 0 0,0 0 0 0 0,0 7 0 0 0,0-7 0 0 0,0 0 0 0 0,0 0 0 0 0,0 0 0 0 0,0 0-128 0 0,0 0 0 0 0,0 0-8 0 0,0 0 0 0 0,6 6 8 0 0,-6-6 0 0 0,0 0 0 0 0,6 0 0 0 0,-6 0 24 0 0,0 0 8 0 0,0 0 0 0 0,6 0 0 0 0,-6 6 96 0 0,6-6-88 0 0,-6 0 88 0 0,0 0-80 0 0,0 0 80 0 0,6 6 0 0 0,-6-6 0 0 0,0 0 0 0 0,0 0 0 0 0,0 6-80 0 0,0 0 80 0 0,0-6-80 0 0,0 6-112 0 0,0 0-15 0 0,0-6-9 0 0,0 6-4088 0 0,0 0-816 0 0</inkml:trace>
   <inkml:trace contextRef="#ctx0" brushRef="#br0" timeOffset="-852005.1487">7904 6521 7104 0 0,'0'0'200'0'0,"0"0"48"0"0,0 0-248 0 0,0 0 0 0 0,0 0 0 0 0,0 0 0 0 0,0 0 544 0 0,0 0 56 0 0,0 0 8 0 0,0 6 8 0 0,-6 0-136 0 0,6 0-24 0 0,0 0-8 0 0,-6 0 0 0 0,6 0-200 0 0,0 0-48 0 0,0 6-8 0 0,0-5 0 0 0,0-1 96 0 0,0 6 8 0 0,0-6 8 0 0,6 0 0 0 0,-6 0-80 0 0,0 0-24 0 0,6-6 0 0 0,-6 6 0 0 0,6-6 104 0 0,0 0 16 0 0,-6 0 8 0 0,6-6 0 0 0,-6 6-168 0 0,6-6-40 0 0,-6 0-8 0 0,6 6 0 0 0,-6-12 15 0 0,6 6 9 0 0,-6 0 0 0 0,0-7 0 0 0,0 7-72 0 0,0 0-64 0 0,0-6 72 0 0,0 6-72 0 0,-6 0 0 0 0,6 0-104 0 0,-6-6 8 0 0,6 6 0 0 0,-6 0-120 0 0,0 6-15 0 0,0-6-9 0 0,6 6 0 0 0,-6-6-176 0 0,0 6-32 0 0,0 6 0 0 0,0-6-8 0 0,6 6-576 0 0,-6 0-120 0 0,-1 0-16 0 0,7 6-3240 0 0</inkml:trace>
   <inkml:trace contextRef="#ctx0" brushRef="#br0" timeOffset="-851715.1486">7963 6509 11832 0 0,'0'0'256'0'0,"0"0"64"0"0,0 0 0 0 0,-6 0 16 0 0,6 0-272 0 0,6-6-64 0 0,-6 6 0 0 0,0 0 0 0 0,0 0 384 0 0,0 0 64 0 0,0 0 16 0 0,0 0 0 0 0,0 0-88 0 0,0 0-24 0 0,0 6 0 0 0,0-6 0 0 0,6 6-201 0 0,-6 0-47 0 0,6 1-8 0 0,-6-1 0 0 0,0-6-96 0 0,0 0 0 0 0,0 0 0 0 0,6 6 0 0 0,-6-6-64 0 0,0 0-40 0 0,0 0-8 0 0,0 0 1 0 0,0 0-193 0 0,0 0-40 0 0,0 0-8 0 0,0 0 0 0 0,0 0 80 0 0,0 0 16 0 0,0 0 0 0 0,0 0 0 0 0,0 0-72 0 0,6 0-16 0 0,1 6 0 0 0,-7 0 0 0 0,6 0 216 0 0,-6 0 48 0 0,0 0 8 0 0,6 0 0 0 0,-6 0 72 0 0,6 0 0 0 0,-6 0 0 0 0,0-6 0 0 0,6 6 0 0 0,-6-6 0 0 0,0 0 0 0 0,0 0-3288 0 0,0 0-640 0 0</inkml:trace>
   <inkml:trace contextRef="#ctx0" brushRef="#br0" timeOffset="-851434.1503">8071 6509 14600 0 0,'0'12'320'0'0,"0"-6"64"0"0,0 1 8 0 0,0-1 24 0 0,0 0-328 0 0,0 0-88 0 0,6 6 0 0 0,-6-6 0 0 0,0 0 120 0 0,7 0 7 0 0,-7 0 1 0 0,0 0 0 0 0,0 0 152 0 0,6 0 32 0 0,-6-6 8 0 0,0 0 0 0 0,0 0-208 0 0,0 6-40 0 0,0-6-8 0 0,0 0 0 0 0,0 0-64 0 0,0 0 0 0 0,0-6 0 0 0,6 0 0 0 0,-6 0 0 0 0,0 0-88 0 0,6 0 24 0 0,-6 0 0 0 0,0 0-192 0 0,0 0-40 0 0,0 0-8 0 0,0-6 0 0 0,0 6 120 0 0,0 0 24 0 0,0 6 9 0 0,0-7-1 0 0,0 1-56 0 0,6 0-16 0 0,-6 6 0 0 0,0 0-3960 0 0,0 0-792 0 0</inkml:trace>
@@ -428,22 +429,22 @@
   <inkml:trace contextRef="#ctx0" brushRef="#br0" timeOffset="-494634.3272">16677 7369 20479 0 0,'-11'-22'576'0'0,"11"22"136"0"0,0 0-568 0 0,0 0-144 0 0,0-11 0 0 0,0 11 0 0 0,0 0 0 0 0,11 0-96 0 0,11 0 8 0 0,1 0 8 0 0,10 0-16 0 0,0 0-8 0 0,11 0 0 0 0,0 11 0 0 0,11-22 104 0 0,12 11 0 0 0,-1 11 0 0 0,0-11-72 0 0,0 11 72 0 0,1-11 0 0 0,-1 0 0 0 0,11 11 0 0 0,-10 0 80 0 0,-12 0-16 0 0,0-11-64 0 0,0 0 96 0 0,-22 23-208 0 0,0-12-48 0 0,1-11 0 0 0,-12 11-5455 0 0,-11 0-1089 0 0</inkml:trace>
   <inkml:trace contextRef="#ctx0" brushRef="#br0" timeOffset="-494376.9794">16765 7978 21743 0 0,'0'0'480'0'0,"0"0"96"0"0,0 0 16 0 0,0 0 16 0 0,11 0-480 0 0,0 0-128 0 0,0-12 0 0 0,22 12 0 0 0,1-11-336 0 0,-1 0-88 0 0,11 11-24 0 0,0 0 0 0 0,0 0 104 0 0,11 0 24 0 0,-10 0 0 0 0,10 11 0 0 0,-11 0-448 0 0,11 1-96 0 0,-11-1-8 0 0</inkml:trace>
   <inkml:trace contextRef="#ctx0" brushRef="#br0" timeOffset="-493862.3068">18169 7590 16727 0 0,'0'0'368'0'0,"0"0"80"0"0,-11 0 8 0 0,11 0 16 0 0,0 0-376 0 0,0 0-96 0 0,0 0 0 0 0,-11 11 0 0 0,11 0 0 0 0,11 0 80 0 0,-11 0-80 0 0,0 12 80 0 0,11-1 88 0 0,-11 0 24 0 0,11 0 0 0 0,-11 0 0 0 0,0 0 128 0 0,0 11 32 0 0,0 0 8 0 0,-11 12 0 0 0,0-12-48 0 0,0 0-16 0 0,0 11 0 0 0,-12-11 0 0 0,1 0-200 0 0,0 1-32 0 0,-11-1-64 0 0,11 0 88 0 0,-11 0-504 0 0,11 0-104 0 0,-1-11-24 0 0,1 11-7839 0 0</inkml:trace>
-  <inkml:trace contextRef="#ctx0" brushRef="#br0" timeOffset="-209929.0645">11798 7331 4000 0 0,'21'-11'88'0'0,"-11"11"16"0"0,0 0 8 0 0,1 0 0 0 0,10 0-112 0 0,-11-10 0 0 0,0 10 0 0 0,1 10 0 0 0,-1-10 160 0 0,0 0 16 0 0,1 0 0 0 0,-1-10 0 0 0,1 10-40 0 0,-1-11-8 0 0,0 11 0 0 0,1-10 0 0 0,-11-11 0 0 0,10 11-8 0 0,-10 0 0 0 0,0-1 0 0 0,10-10-40 0 0,-10 1-8 0 0,0-1 0 0 0,0 0 0 0 0,11 0-72 0 0,-11-10 0 0 0,0-10 0 0 0,0-1-2576 0 0</inkml:trace>
+  <inkml:trace contextRef="#ctx0" brushRef="#br0" timeOffset="-209929.0644">11798 7331 4000 0 0,'21'-11'88'0'0,"-11"11"16"0"0,0 0 8 0 0,1 0 0 0 0,10 0-112 0 0,-11-10 0 0 0,0 10 0 0 0,1 10 0 0 0,-1-10 160 0 0,0 0 16 0 0,1 0 0 0 0,-1-10 0 0 0,1 10-40 0 0,-1-11-8 0 0,0 11 0 0 0,1-10 0 0 0,-11-11 0 0 0,10 11-8 0 0,-10 0 0 0 0,0-1 0 0 0,10-10-40 0 0,-10 1-8 0 0,0-1 0 0 0,0 0 0 0 0,11 0-72 0 0,-11-10 0 0 0,0-10 0 0 0,0-1-2576 0 0</inkml:trace>
   <inkml:trace contextRef="#ctx0" brushRef="#br0" timeOffset="-102922.3593">4707 3070 18631 0 0,'-42'-32'528'0'0,"22"12"112"0"0,-1-1-512 0 0,-10 10-128 0 0,10-10 0 0 0,0 11 0 0 0,11 10-288 0 0,-1 0-96 0 0,1 0-8 0 0</inkml:trace>
   <inkml:trace contextRef="#ctx0" brushRef="#br0" timeOffset="-86672.3568">6272 2395 13048 0 0,'0'0'368'0'0,"-11"0"80"0"0,1 11-352 0 0,0-1-96 0 0,-1 0 0 0 0,11 1 0 0 0,0 9 184 0 0,0-9 16 0 0,0 10 8 0 0,11-11-4064 0 0,-11 11-816 0 0</inkml:trace>
   <inkml:trace contextRef="#ctx0" brushRef="#br0" timeOffset="7562.0881">964 2208 16328 0 0,'0'0'351'0'0,"0"0"81"0"0,0 0 16 0 0,0 0 16 0 0,0 0-368 0 0,0 0-96 0 0,0 0 0 0 0,0 0 0 0 0,0 0 320 0 0,0 0 56 0 0,11 10 8 0 0,-11-10 0 0 0,20 0-160 0 0,-9 10-32 0 0,9-20-8 0 0,1 10 0 0 0,0 0 0 0 0,10 0 0 0 0,0-10 0 0 0,0 10 0 0 0,0-11-88 0 0,0 1-24 0 0,-10 10 0 0 0,10-11 0 0 0,0 1-264 0 0,-10 10-48 0 0,0-11-16 0 0,-11 1-5303 0 0,11 10-1065 0 0</inkml:trace>
   <inkml:trace contextRef="#ctx0" brushRef="#br0" timeOffset="7813.0022">1275 2021 17407 0 0,'0'0'496'0'0,"0"0"104"0"0,0 0-480 0 0,0 0-120 0 0,0 0 0 0 0,0 0 0 0 0,11 0 72 0 0,-1 0-8 0 0,11 0 0 0 0,-11 10 0 0 0,11-10-64 0 0,0 0 64 0 0,-11 0-64 0 0,11 0 64 0 0,0 0 160 0 0,-11 11 24 0 0,11-11 8 0 0,-11 0 0 0 0,11 10-256 0 0,-21-10 0 0 0,21 11 0 0 0,-21-11 0 0 0,10 10 96 0 0,1 0-24 0 0,-11 1-8 0 0,0 10 0 0 0,0-11-64 0 0,0 0 0 0 0,-11 11 0 0 0,11 0 64 0 0,-10 0-64 0 0,-11-11 0 0 0,21 11-96 0 0,-21-1 96 0 0,11-9-72 0 0,-1 10 72 0 0,-9-1 0 0 0,9 1 0 0 0,1-10 0 0 0,0-1 0 0 0,-1 0 0 0 0,1 1 0 0 0,10-1-72 0 0,-11 0 72 0 0,11 1-104 0 0,0-11 40 0 0,11 0-464 0 0,-11 0-88 0 0,10 0-24 0 0</inkml:trace>
   <inkml:trace contextRef="#ctx0" brushRef="#br0" timeOffset="8244.0092">1845 1980 18055 0 0,'0'0'392'0'0,"0"10"88"0"0,0-10 8 0 0,0 11 24 0 0,0-1-408 0 0,0 1-104 0 0,0-1 0 0 0,0 0 0 0 0,0 11 0 0 0,0-11 0 0 0,0 22 0 0 0,0-12 0 0 0,0 1 0 0 0,0 10 0 0 0,-10-10 0 0 0,10 0 0 0 0,0-1 96 0 0,0 1-8 0 0,0 0 0 0 0,0-11 0 0 0,0 1 88 0 0,0-1 16 0 0,0-10 8 0 0,-11 0 0 0 0,11 0-200 0 0,0 0 0 0 0,0 0 0 0 0,0 0 0 0 0,0 0 0 0 0,0-10 0 0 0,11-1 0 0 0,-11 1 0 0 0,0-11 0 0 0,0 0-88 0 0,10 1 8 0 0,-10-1 0 0 0,0 0-40 0 0,0-10-8 0 0,10 10 0 0 0,-10 1 0 0 0,11-1 40 0 0,-11 0 8 0 0,10 0 0 0 0,1 1 0 0 0,-11-1 80 0 0,10 0 0 0 0,0 11 0 0 0,1-1 0 0 0,-1 1 0 0 0,1 0 0 0 0,-11 10 0 0 0,10 0 0 0 0,0-11 0 0 0,1 22 0 0 0,-11-11 0 0 0,10 0 0 0 0,1 10 0 0 0,-11 0 0 0 0,0 1 0 0 0,0-1 0 0 0,0 11 0 0 0,0-11 0 0 0,-11 1 0 0 0,11 9 0 0 0,-10 1 0 0 0,-1-11 88 0 0,11 11-24 0 0,-10-10 0 0 0,0 9-64 0 0,-1 1-88 0 0,1-11 24 0 0,10 1 0 0 0,-11-1-336 0 0,11 0-64 0 0,-10 1-16 0 0,10-11-7063 0 0</inkml:trace>
   <inkml:trace contextRef="#ctx0" brushRef="#br0" timeOffset="8539.0128">2198 1918 17191 0 0,'0'0'376'0'0,"-11"11"72"0"0,11-1 24 0 0,0 11 16 0 0,0 0-392 0 0,0-1-96 0 0,0 1 0 0 0,0 0 0 0 0,0 0 288 0 0,0-1 40 0 0,-10 1 8 0 0,10 0 0 0 0,0 0-72 0 0,0-1-8 0 0,-11-9-8 0 0,11-1 0 0 0,0 0 48 0 0,0 1 16 0 0,0-11 0 0 0,0 0 0 0 0,0 0-216 0 0,0 0-32 0 0,0-11-64 0 0,0 1 88 0 0,11 0-224 0 0,-11-11-48 0 0,10 0-8 0 0,-10 0 0 0 0,11 1-384 0 0,-11-1-88 0 0,10 0-8 0 0,0 0-8 0 0,-10 11-40 0 0,11-11-8 0 0,-11 11 0 0 0,10 0 0 0 0,-10-1 305 0 0,11 11 55 0 0,-1 0 16 0 0,-10 0 0 0 0,10 0 352 0 0,-10 11 0 0 0,11-11 120 0 0,-11 10-32 0 0,0 0 224 0 0,10 1 40 0 0,-10-1 16 0 0,11 0-1 0 0,-11 1-39 0 0,0-1-8 0 0,10 1 0 0 0,-10-1 0 0 0,0-10-320 0 0,0 0 0 0 0,0 0 0 0 0,0-10-7231 0 0</inkml:trace>
-  <inkml:trace contextRef="#ctx0" brushRef="#br0" timeOffset="8783.9991">2540 1981 16807 0 0,'0'0'480'0'0,"0"0"96"0"0,0 11-456 0 0,-11-1-120 0 0,11 11 0 0 0,0-11 0 0 0,0 1 424 0 0,0-1 64 0 0,-10 0 16 0 0,10 11 0 0 0,0-10-184 0 0,0-1-32 0 0,-11 11 0 0 0,11-21-8 0 0,0 10-32 0 0,-10 0-8 0 0,10-10 0 0 0,0 0 0 0 0,0-10-488 0 0,10 0-96 0 0,-10-1-16 0 0,11-9-8119 0 0</inkml:trace>
+  <inkml:trace contextRef="#ctx0" brushRef="#br0" timeOffset="8783.999">2540 1981 16807 0 0,'0'0'480'0'0,"0"0"96"0"0,0 11-456 0 0,-11-1-120 0 0,11 11 0 0 0,0-11 0 0 0,0 1 424 0 0,0-1 64 0 0,-10 0 16 0 0,10 11 0 0 0,0-10-184 0 0,0-1-32 0 0,-11 11 0 0 0,11-21-8 0 0,0 10-32 0 0,-10 0-8 0 0,10-10 0 0 0,0 0 0 0 0,0-10-488 0 0,10 0-96 0 0,-10-1-16 0 0,11-9-8119 0 0</inkml:trace>
   <inkml:trace contextRef="#ctx0" brushRef="#br0" timeOffset="8938.999">2478 1732 18631 0 0,'-11'21'528'0'0,"1"-11"112"0"0,0 1-512 0 0,10-1-128 0 0,0 1 0 0 0,-11 9 0 0 0,11-9 0 0 0,0-1 0 0 0,0 11 0 0 0,0-11 0 0 0,11 11-216 0 0,-11-11-96 0 0,0 11-16 0 0,10-11-4799 0 0,-10 1-961 0 0</inkml:trace>
   <inkml:trace contextRef="#ctx0" brushRef="#br0" timeOffset="9138.7016">2747 1929 18287 0 0,'-10'11'400'0'0,"-1"-1"80"0"0,11 0 24 0 0,-10 1 8 0 0,10-1-408 0 0,-11 1-104 0 0,11-1 0 0 0,-10 0 0 0 0,10 1 456 0 0,0-1 72 0 0,0 1 16 0 0,0-1 0 0 0,0 0-360 0 0,10 1-72 0 0,-10-1-16 0 0,11-10 0 0 0,-1 11-96 0 0,1-11 72 0 0,-1 0-72 0 0,11 0 64 0 0,-11-11-232 0 0,11 1-56 0 0,-10-1 0 0 0,-1 1-5775 0 0,11 0-1153 0 0</inkml:trace>
   <inkml:trace contextRef="#ctx0" brushRef="#br0" timeOffset="9442.0125">2924 1950 19791 0 0,'-11'21'560'0'0,"11"-11"128"0"0,0-10-552 0 0,-10 11-136 0 0,10-1 0 0 0,0-10 0 0 0,0 0 288 0 0,10 0 24 0 0,-10 0 8 0 0,0 0 0 0 0,11 0-256 0 0,-1 0-64 0 0,1 0 0 0 0,-1-10 0 0 0,0 10 0 0 0,1-11 0 0 0,-1 11 0 0 0,1-10 0 0 0,-1 0 0 0 0,-10-11 0 0 0,10 10 0 0 0,1 1 0 0 0,-11 0-64 0 0,10-1-32 0 0,-10 1 0 0 0,0 0 0 0 0,0-1-192 0 0,-10 1-32 0 0,10 10-16 0 0,-11-11 0 0 0,11 11 208 0 0,-10 0 48 0 0,0 0 8 0 0,-1 0 0 0 0,-10 11 72 0 0,11-1 0 0 0,0 1 80 0 0,-1-1-80 0 0,-10 11 160 0 0,11-1-8 0 0,0 1-8 0 0,-1 0 0 0 0,1 0 400 0 0,-1 0 72 0 0,11-1 24 0 0,0 1 0 0 0,0-11-248 0 0,11 11-40 0 0,-11-10-16 0 0,10-1 0 0 0,1-10-336 0 0,9 0 0 0 0,1-10 0 0 0,0-11-6656 0 0,10 0-1367 0 0</inkml:trace>
   <inkml:trace contextRef="#ctx0" brushRef="#br0" timeOffset="11212.0018">228 280 13376 0 0,'-21'-10'384'0'0,"11"10"72"0"0,10-10-360 0 0,-10 10-96 0 0,-1-11 0 0 0,1 1 0 0 0,0 10 344 0 0,10-10 48 0 0,-11-1 16 0 0,11 11 0 0 0,-10-10-192 0 0,10 10-40 0 0,0 0-9 0 0,0 0 1 0 0,0 0 8 0 0,0 0 0 0 0,0 0 0 0 0,0 0 0 0 0,0 21 48 0 0,10-11 0 0 0,-10 21 8 0 0,0 10 0 0 0,0 1 48 0 0,11 20 8 0 0,-11 0 0 0 0,0 11 0 0 0,0 10-120 0 0,0 0-16 0 0,10 10-8 0 0,-10 11 0 0 0,0-11-64 0 0,10 11-16 0 0,-10 10 0 0 0,11 0 0 0 0,-1 0-64 0 0,0 0 0 0 0,-10 10 0 0 0,11-10 0 0 0,-1 0 0 0 0,1-10 0 0 0,9 0 0 0 0,-9-11 0 0 0,9-20 0 0 0,-20 10 0 0 0,21-21 0 0 0,-11 0 0 0 0,1 0 0 0 0,-1-10 0 0 0,1-21 64 0 0,-1 0-64 0 0,0 0 0 0 0,1-10 0 0 0,-1 0 0 0 0,0-11 0 0 0,1 11 0 0 0,-1-21 0 0 0,0 10 0 0 0,1 1 0 0 0,-1-11 0 0 0,1 0 0 0 0,-1 0 0 0 0,0 10 0 0 0,1-10 0 0 0,-1 0 0 0 0,11-10 0 0 0,-11 10 0 0 0,11 0 0 0 0,-11-11 0 0 0,11 1 0 0 0,10 0 0 0 0,-10 10 72 0 0,10-11 24 0 0,10 1 8 0 0,-9-1 0 0 0,19 11 8 0 0,-9-10 0 0 0,20 10 0 0 0,-10-10 0 0 0,10 10-32 0 0,0 0-8 0 0,11 0 0 0 0,-1 0 0 0 0,11 0-8 0 0,-10 0 0 0 0,10-11 0 0 0,0 11 0 0 0,10 0 40 0 0,-10 0 8 0 0,0-10 0 0 0,10 10 0 0 0,-10-10-32 0 0,11 10-8 0 0,-12 0 0 0 0,1-11 0 0 0,0 11 48 0 0,0 0 8 0 0,0-10 0 0 0,-10 10 0 0 0,-1-10-128 0 0,11 10 0 0 0,-10 0 0 0 0,-11 0 0 0 0,11 0 80 0 0,-1 0-8 0 0,-10 0 0 0 0,11 0 0 0 0,-21-11 128 0 0,10 11 24 0 0,0-10 8 0 0,0-1 0 0 0,-10 1-136 0 0,10 0-24 0 0,-10-1-8 0 0,0 1 0 0 0,-10 0 32 0 0,9-11 0 0 0,1 10 0 0 0,-10-9 0 0 0,-1 9-96 0 0,1-9 0 0 0,-11 9 72 0 0,10 1-72 0 0,-10-11 96 0 0,-10 0-24 0 0,10 11 0 0 0,-10-11 0 0 0,0 11-8 0 0,-1-11-64 0 0,1 0 96 0 0,-10 1-32 0 0,-1-1 96 0 0,-10 0 8 0 0,10 1 8 0 0,-10-12 0 0 0,11 12-176 0 0,-11-11 0 0 0,-11 0 0 0 0,11-1 0 0 0,0-9 0 0 0,-10-1 72 0 0,10 1-72 0 0,-10 0 0 0 0,-1-11 0 0 0,1-11 0 0 0,-1 1 0 0 0,1 0-72 0 0,0 0-88 0 0,-1 0-8 0 0,-9-11-8 0 0,9 1 0 0 0,1-1-16 0 0,-11 0-8 0 0,0 11 0 0 0,1-10 0 0 0,-1 9 136 0 0,0-9 64 0 0,0-1-64 0 0,1 11 64 0 0,-11 0-96 0 0,10 10 32 0 0,0-10 0 0 0,0 10 0 0 0,1 0 64 0 0,-1 0 0 0 0,0 0 0 0 0,11 1 0 0 0,-11 9 0 0 0,11 11 72 0 0,-1 0-8 0 0,-9 0-64 0 0,9 10 64 0 0,11-10-64 0 0,-10 21 0 0 0,0-11 0 0 0,-1 11 0 0 0,11-11 0 0 0,-10 10 0 0 0,-1 1 0 0 0,1 0 0 0 0,10-1 64 0 0,-10 11-64 0 0,-1-10 0 0 0,1 10 96 0 0,0-10-96 0 0,-11 10 96 0 0,10 0-96 0 0,1 0 64 0 0,-11-11-64 0 0,-10 11 0 0 0,11 0 0 0 0,-1-10 0 0 0,0 10 0 0 0,0 0 64 0 0,1 0-64 0 0,-1-10 0 0 0,-10 10 0 0 0,10 0 0 0 0,-10 0 0 0 0,0-11 0 0 0,0 11 0 0 0,0 0 0 0 0,-11-10 0 0 0,1 10 0 0 0,10-11 80 0 0,-11 11-80 0 0,1-10 64 0 0,-11 0-64 0 0,10 10 0 0 0,-9-11 0 0 0,-1 1 0 0 0,0 10 0 0 0,-10-10 0 0 0,-1-1 0 0 0,1 11 0 0 0,0-10 0 0 0,-11 10 0 0 0,1 0 0 0 0,10-11 0 0 0,-11 11 64 0 0,1 0 0 0 0,-1 0 0 0 0,0 0 0 0 0,-10 0-64 0 0,11 0 0 0 0,-1 0 0 0 0,-10 0 64 0 0,11 0-64 0 0,-11 0 0 0 0,0 11 0 0 0,10-11 0 0 0,-10 10 0 0 0,0-10 0 0 0,11 21 0 0 0,-11-11 0 0 0,0 1-88 0 0,10 9 24 0 0,-9-9 0 0 0,9 10 0 0 0,0-1 64 0 0,1 1 0 0 0,-11 0 0 0 0,21-1 0 0 0,-11 1 0 0 0,21 0 0 0 0,0 0 0 0 0,1-11-64 0 0,9 11-32 0 0,11-11 0 0 0,0 0 0 0 0,10 1 0 0 0,0-11-984 0 0,11 10-200 0 0,10-10-32 0 0</inkml:trace>
-  <inkml:trace contextRef="#ctx0" brushRef="#br0" timeOffset="11978.9986">1576 2820 14568 0 0,'0'0'320'0'0,"0"0"64"0"0,0 0 8 0 0,0 0 24 0 0,0 0-328 0 0,-10 0-88 0 0,10-10 0 0 0,0 10 0 0 0,0 0 96 0 0,0 0 0 0 0,0 0-1 0 0,0 0 1 0 0,0 0 288 0 0,-11 10 56 0 0,11 11 8 0 0,-10 0 8 0 0,10 0-200 0 0,0-1-32 0 0,-11 11-16 0 0,11 11 0 0 0,-10-11 0 0 0,10 10 0 0 0,0 1 0 0 0,-10-1 0 0 0,10-9 24 0 0,0-1 8 0 0,-11 0 0 0 0,11 0 0 0 0,0-10 16 0 0,0-1 8 0 0,0-9 0 0 0,0-1 0 0 0,0 0-384 0 0,0-10-72 0 0,0 0-24 0 0,0 0-5543 0 0,11 0-1105 0 0</inkml:trace>
+  <inkml:trace contextRef="#ctx0" brushRef="#br0" timeOffset="11978.9985">1576 2820 14568 0 0,'0'0'320'0'0,"0"0"64"0"0,0 0 8 0 0,0 0 24 0 0,0 0-328 0 0,-10 0-88 0 0,10-10 0 0 0,0 10 0 0 0,0 0 96 0 0,0 0 0 0 0,0 0-1 0 0,0 0 1 0 0,0 0 288 0 0,-11 10 56 0 0,11 11 8 0 0,-10 0 8 0 0,10 0-200 0 0,0-1-32 0 0,-11 11-16 0 0,11 11 0 0 0,-10-11 0 0 0,10 10 0 0 0,0 1 0 0 0,-10-1 0 0 0,10-9 24 0 0,0-1 8 0 0,-11 0 0 0 0,11 0 0 0 0,0-10 16 0 0,0-1 8 0 0,0-9 0 0 0,0-1 0 0 0,0 0-384 0 0,0-10-72 0 0,0 0-24 0 0,0 0-5543 0 0,11 0-1105 0 0</inkml:trace>
   <inkml:trace contextRef="#ctx0" brushRef="#br0" timeOffset="12419.215">1649 2810 14568 0 0,'0'0'320'0'0,"-10"0"64"0"0,10 10 8 0 0,-11 1 24 0 0,1-1-328 0 0,10 0-88 0 0,-10 1 0 0 0,-1-1 0 0 0,11 11 0 0 0,-10 0 64 0 0,10-1-64 0 0,-11 1 64 0 0,1 10 159 0 0,10 11 25 0 0,-10-1 8 0 0,-1 1 0 0 0,11 10 56 0 0,-10 0 8 0 0,0-1 8 0 0,10 12 0 0 0,0-1-32 0 0,-11 10-8 0 0,11-9 0 0 0,-10-1 0 0 0,10-10-24 0 0,0 10-8 0 0,0-10 0 0 0,-11-11 0 0 0,11 1-80 0 0,0-11-16 0 0,0 0-8 0 0,0-10 0 0 0,11-11-296 0 0,-11 1-56 0 0,10-11-16 0 0,-10-11-8143 0 0</inkml:trace>
   <inkml:trace contextRef="#ctx0" brushRef="#br0" timeOffset="14225.0028">1255 3660 9936 0 0,'0'0'216'0'0,"-11"11"40"0"0,11 9 16 0 0,0 1 16 0 0,0-11-288 0 0,0 1 0 0 0,11 9 0 0 0,-11 1 0 0 0,10-10 184 0 0,0 9-24 0 0,-10 11 0 0 0,11-20 0 0 0,-1 20 304 0 0,0 0 56 0 0,-10 10 16 0 0,11-9 0 0 0,-1-1 48 0 0,-10 0 16 0 0,11 10 0 0 0,-11-10 0 0 0,10 0-81 0 0,-10 1-7 0 0,0-1-8 0 0,0 0 0 0 0,10-21 64 0 0,-10 11 8 0 0,0-11 8 0 0,11 1 0 0 0,-1-11-280 0 0,11 0-56 0 0,-11 0-16 0 0,21-11 0 0 0,-10 1-160 0 0,10-11-72 0 0,0 0 64 0 0,11-10-64 0 0,-1 0 0 0 0,-10 0 64 0 0,11 0-64 0 0,-1 0 0 0 0,1-11 0 0 0,-11 11 0 0 0,11-10-72 0 0,-11 10-5687 0 0,0-11-1145 0 0</inkml:trace>
-  <inkml:trace contextRef="#ctx0" brushRef="#br0" timeOffset="14877.9979">3971 2023 10912 0 0,'0'0'240'0'0,"0"0"48"0"0,0 0 16 0 0,0 0 0 0 0,0 0-240 0 0,0 0-64 0 0,0 0 0 0 0,0 0 0 0 0,0 0 512 0 0,0 0 96 0 0,0 0 24 0 0,0 0 0 0 0,0 0-120 0 0,0 0-16 0 0,0 0-8 0 0,0 0-1 0 0,11 10-167 0 0,-11-10-40 0 0,10 0-8 0 0,0 11 0 0 0,1-11-24 0 0,-1 10-8 0 0,0 0 0 0 0,1 1 0 0 0,-1-1-56 0 0,11 1-16 0 0,0-1 0 0 0,-1 0 0 0 0,1 1 0 0 0,10 9 0 0 0,0-9 0 0 0,0-1 0 0 0,11 11-16 0 0,-1-11-8 0 0,1 1 0 0 0,-1-1 0 0 0,11-10-48 0 0,0 10-16 0 0,0-10 0 0 0,0 0 0 0 0,10-10-80 0 0,0 10 64 0 0,-10 0-64 0 0,0-10 64 0 0,10-1 32 0 0,-10 1 0 0 0,10-11 0 0 0,-10 0 0 0 0,10 11 64 0 0,-10-11 8 0 0,10 1 8 0 0,-10-1 0 0 0,0 0-176 0 0,0 0 0 0 0,10 1 0 0 0,-10-1 0 0 0,10 10 0 0 0,-10-9 72 0 0,10-1-72 0 0,-10-10 0 0 0,0 10 80 0 0,0 0-80 0 0,10 1 64 0 0,-10-1-64 0 0,10-10 72 0 0,0 10-72 0 0,-10 11 80 0 0,0-11-80 0 0,0 0 152 0 0,10 11-24 0 0,-10-11 0 0 0,0 11 0 0 0,-1-1-40 0 0,1 1-16 0 0,0-1 0 0 0,-10 1 0 0 0,-1 0-8 0 0,1-1-64 0 0,-1 1 96 0 0,1 0-32 0 0,-11 10 80 0 0,0-11 16 0 0,0 11 0 0 0,0-10 0 0 0,-10-1-160 0 0,-1 11-152 0 0,1 0 32 0 0,0 0 8 0 0,-11-10 112 0 0,1 10 120 0 0,-1 0-24 0 0,0 0-8 0 0,11 0 72 0 0,-21 0 24 0 0,10 0 0 0 0,1 0 0 0 0,-11 0-184 0 0,10 0 0 0 0,1 0 0 0 0,-1 0 0 0 0,-10 10 0 0 0,10-10 0 0 0,1 0 0 0 0,-11 0 0 0 0,10 0 0 0 0,0 11 0 0 0,-10-11 0 0 0,11 0 0 0 0,-1 10 0 0 0,-10-10 0 0 0,11 0 0 0 0,-1 0 0 0 0,-10 0 0 0 0,0 0 0 0 0,0 0 0 0 0,0 0 0 0 0,10-10-184 0 0,-10 10-72 0 0,11-11-8 0 0,-11 11-6184 0 0,10-10-1231 0 0</inkml:trace>
+  <inkml:trace contextRef="#ctx0" brushRef="#br0" timeOffset="14877.9978">3971 2023 10912 0 0,'0'0'240'0'0,"0"0"48"0"0,0 0 16 0 0,0 0 0 0 0,0 0-240 0 0,0 0-64 0 0,0 0 0 0 0,0 0 0 0 0,0 0 512 0 0,0 0 96 0 0,0 0 24 0 0,0 0 0 0 0,0 0-120 0 0,0 0-16 0 0,0 0-8 0 0,0 0-1 0 0,11 10-167 0 0,-11-10-40 0 0,10 0-8 0 0,0 11 0 0 0,1-11-24 0 0,-1 10-8 0 0,0 0 0 0 0,1 1 0 0 0,-1-1-56 0 0,11 1-16 0 0,0-1 0 0 0,-1 0 0 0 0,1 1 0 0 0,10 9 0 0 0,0-9 0 0 0,0-1 0 0 0,11 11-16 0 0,-1-11-8 0 0,1 1 0 0 0,-1-1 0 0 0,11-10-48 0 0,0 10-16 0 0,0-10 0 0 0,0 0 0 0 0,10-10-80 0 0,0 10 64 0 0,-10 0-64 0 0,0-10 64 0 0,10-1 32 0 0,-10 1 0 0 0,10-11 0 0 0,-10 0 0 0 0,10 11 64 0 0,-10-11 8 0 0,10 1 8 0 0,-10-1 0 0 0,0 0-176 0 0,0 0 0 0 0,10 1 0 0 0,-10-1 0 0 0,10 10 0 0 0,-10-9 72 0 0,10-1-72 0 0,-10-10 0 0 0,0 10 80 0 0,0 0-80 0 0,10 1 64 0 0,-10-1-64 0 0,10-10 72 0 0,0 10-72 0 0,-10 11 80 0 0,0-11-80 0 0,0 0 152 0 0,10 11-24 0 0,-10-11 0 0 0,0 11 0 0 0,-1-1-40 0 0,1 1-16 0 0,0-1 0 0 0,-10 1 0 0 0,-1 0-8 0 0,1-1-64 0 0,-1 1 96 0 0,1 0-32 0 0,-11 10 80 0 0,0-11 16 0 0,0 11 0 0 0,0-10 0 0 0,-10-1-160 0 0,-1 11-152 0 0,1 0 32 0 0,0 0 8 0 0,-11-10 112 0 0,1 10 120 0 0,-1 0-24 0 0,0 0-8 0 0,11 0 72 0 0,-21 0 24 0 0,10 0 0 0 0,1 0 0 0 0,-11 0-184 0 0,10 0 0 0 0,1 0 0 0 0,-1 0 0 0 0,-10 10 0 0 0,10-10 0 0 0,1 0 0 0 0,-11 0 0 0 0,10 0 0 0 0,0 11 0 0 0,-10-11 0 0 0,11 0 0 0 0,-1 10 0 0 0,-10-10 0 0 0,11 0 0 0 0,-1 0 0 0 0,-10 0 0 0 0,0 0 0 0 0,0 0 0 0 0,0 0 0 0 0,10-10-184 0 0,-10 10-72 0 0,11-11-8 0 0,-11 11-6184 0 0,10-10-1231 0 0</inkml:trace>
   <inkml:trace contextRef="#ctx0" brushRef="#br0" timeOffset="15242.0014">6947 1204 16927 0 0,'-21'0'480'0'0,"11"0"104"0"0,-1-11-464 0 0,11 11-120 0 0,0 0 0 0 0,0 0 0 0 0,0 0 72 0 0,0 0-8 0 0,0 11 0 0 0,11-11 0 0 0,-1 10-64 0 0,11-10-112 0 0,-1 10 24 0 0,1 1 8 0 0,0-1 80 0 0,0 11 0 0 0,-1-11 0 0 0,11 1-64 0 0,1 9 64 0 0,-12 1 0 0 0,11-11 0 0 0,-10 11 0 0 0,0-10 96 0 0,10 9-8 0 0,-10 1-8 0 0,-1 0 0 0 0,1-11-80 0 0,0 11 96 0 0,-11-11-96 0 0,11 11 96 0 0,-11-11 64 0 0,1 11 24 0 0,-1 0 0 0 0,-10-11 0 0 0,10 11 128 0 0,-10 10 24 0 0,0-10 8 0 0,0 10 0 0 0,-10 0 8 0 0,0 0 0 0 0,-11 0 0 0 0,11 0 0 0 0,-11 1-232 0 0,-10 9-48 0 0,10-10-8 0 0,-10 0 0 0 0,0 0-64 0 0,0 1 64 0 0,0 9-64 0 0,0-20 64 0 0,10 10 96 0 0,-21 0 24 0 0,22-10 0 0 0,-1-1 0 0 0,0-9-272 0 0,11-1-48 0 0,-1 1-16 0 0,1-11-5952 0 0,10 0-1191 0 0</inkml:trace>
   <inkml:trace contextRef="#ctx0" brushRef="#br0" timeOffset="16768.0004">8180 1193 8552 0 0,'0'0'184'0'0,"0"0"40"0"0,0 0 0 0 0,0 0 32 0 0,0 0-256 0 0,0 0 0 0 0,0 0 0 0 0,0 0 0 0 0,0 0 304 0 0,0 0 16 0 0,0 0 0 0 0,0 0 0 0 0,0 0 184 0 0,0 0 40 0 0,0 0 0 0 0,0 0 8 0 0,0 0 120 0 0,0 0 16 0 0,0 0 8 0 0,0 0 0 0 0,0 11-216 0 0,0-1-49 0 0,0-10-7 0 0,10 10 0 0 0,1 1-248 0 0,-11-1-48 0 0,10 0-16 0 0,0-10 0 0 0,-10 11-112 0 0,0-1 88 0 0,11-10-88 0 0,-11 11 80 0 0,0-1-16 0 0,10-10-64 0 0,-10 10 96 0 0,0 1-32 0 0,0-11 48 0 0,0 10 8 0 0,-10-10 0 0 0,10 10 0 0 0,-11-10-48 0 0,11 11-8 0 0,0-11 0 0 0,-10 0 0 0 0,10 0-64 0 0,-10 0-88 0 0,10 0 24 0 0,0 0 0 0 0,0 0-184 0 0,-11 0-32 0 0,11 0-8 0 0,0 0 0 0 0,0 0 0 0 0,0 0 0 0 0,0-11 0 0 0,0 11 0 0 0,0-10 288 0 0,0 10 0 0 0,-10 0 0 0 0,10 0 0 0 0,0 0 128 0 0,0-10-16 0 0,0 10-8 0 0,0 0 0 0 0,0 0 128 0 0,0 0 24 0 0,0 0 8 0 0,0 10 0 0 0,0 0 120 0 0,-10 1 32 0 0,10 20 0 0 0,0 0 0 0 0,0 0-120 0 0,0 21-16 0 0,-11 0-8 0 0,11 10 0 0 0,0 0-80 0 0,-10 11-24 0 0,10-1 0 0 0,-11 1 0 0 0,1 0 40 0 0,10 10 8 0 0,-10-11 0 0 0,-1 1 0 0 0,11-1-48 0 0,-10 1-8 0 0,0-11 0 0 0,10 0 0 0 0,-11 1-96 0 0,11-12-64 0 0,0-9 80 0 0,0-1-80 0 0,11 1 0 0 0,-11-1 0 0 0,0-20 0 0 0,10 10 0 0 0,0-10 0 0 0,1 0 0 0 0,-11-1 0 0 0,10 1 0 0 0,0-10 0 0 0,1-1 0 0 0,-11 0-96 0 0,10 1 96 0 0,1-1-80 0 0,-1 0 80 0 0,0 1-64 0 0,11-11 64 0 0,-11 10-64 0 0,11-10 64 0 0,-11 10-64 0 0,11-10 64 0 0,10 11-64 0 0,-10-11 64 0 0,10 0-64 0 0,0 0 64 0 0,0 0 0 0 0,11 0-64 0 0,10 0 64 0 0,-11 0 0 0 0,21 10 0 0 0,1 1-80 0 0,9-1 80 0 0,-10 0 0 0 0,1 1 0 0 0,-1-1 0 0 0,10 11 0 0 0,1-11 0 0 0,-11 11 0 0 0,0-11 0 0 0,0 11 0 0 0,1-11 0 0 0,-11 1 0 0 0,-1-1 0 0 0,1 0 0 0 0,-10 1 72 0 0,-1-1 8 0 0,1-10 0 0 0,-11 0 0 0 0,0 11 0 0 0,0-11 16 0 0,-10 0 8 0 0,-1 0 0 0 0,1 0 0 0 0,-11-11 40 0 0,11 11 8 0 0,-10-10 0 0 0,-1-1 0 0 0,0 11-48 0 0,11-20-8 0 0,-21 9 0 0 0,21-9 0 0 0,-21-11 16 0 0,10 10 0 0 0,1-10 0 0 0,-1 0 0 0 0,0-11-112 0 0,1 1 0 0 0,-11-1 64 0 0,10 1-64 0 0,0-22 0 0 0,1 12 0 0 0,-11-12 0 0 0,10 1 0 0 0,0 10 0 0 0,-10-10 0 0 0,0-11 0 0 0,11 1 0 0 0,-11 10 0 0 0,0-11 0 0 0,0 11 0 0 0,0-11 0 0 0,-11 11-64 0 0,11-11-40 0 0,-10 1-8 0 0,0 10 0 0 0,-1-11 112 0 0,1 11-96 0 0,0 0 96 0 0,-11-1-96 0 0,11 1 96 0 0,-1 10 0 0 0,1 1 0 0 0,-11-1 0 0 0,11 21 0 0 0,-1-1 0 0 0,1 1 0 0 0,0 11 0 0 0,-1-1 0 0 0,-10 0 0 0 0,11 11 0 0 0,0-1 0 0 0,-1 1 0 0 0,1 0 80 0 0,-11-1-16 0 0,11 11 0 0 0,0-10-64 0 0,-11 10 64 0 0,0-10-64 0 0,0 10 64 0 0,-10 0-64 0 0,10-11 0 0 0,-10 11 0 0 0,0 0 0 0 0,0 0 0 0 0,-10 0 0 0 0,-1 0 0 0 0,1 0 0 0 0,-11 11 0 0 0,0-11 0 0 0,-10 10 0 0 0,10 0 0 0 0,-10 1 0 0 0,0-1 0 0 0,-1 0 0 0 0,1 1 0 0 0,0 9 0 0 0,0-9 0 0 0,0-1 0 0 0,-1 11 0 0 0,12-11 0 0 0,-1 1 64 0 0,10-11-64 0 0,-10 10 0 0 0,21-10 0 0 0,0 10 0 0 0,0-10 0 0 0,10 0 0 0 0,11-10-1088 0 0,0 0-216 0 0,-1 10-40 0 0,11-11 0 0 0</inkml:trace>
   <inkml:trace contextRef="#ctx0" brushRef="#br0" timeOffset="17844.0028">8460 1649 13792 0 0,'0'0'304'0'0,"0"0"64"0"0,-11 0 16 0 0,11 11 0 0 0,0-1-312 0 0,0-10-72 0 0,0 0 0 0 0,0 0 0 0 0,0 10 192 0 0,0 1 16 0 0,0 10 8 0 0,0-11 0 0 0,11 0-40 0 0,-11 11-9 0 0,0 10 1 0 0,10-10 0 0 0,-10 0 152 0 0,0 10 24 0 0,0-11 8 0 0,0 1 0 0 0,0 10-120 0 0,0-10-16 0 0,-10 0-8 0 0,10-1 0 0 0,0-9-112 0 0,-11 10-32 0 0,11-11 0 0 0,0 0 0 0 0,0 1-64 0 0,0-1 0 0 0,0-10 0 0 0,0 0 0 0 0,0 0-104 0 0,0 0-64 0 0,0 0-16 0 0,11-10 0 0 0,-11-11-344 0 0,10 11-72 0 0,-10-11-8 0 0,0 0-7 0 0,11 0-553 0 0,-11 1-112 0 0,0-1-16 0 0,10 0-8 0 0</inkml:trace>
@@ -476,18 +477,18 @@
   <inkml:trace contextRef="#ctx0" brushRef="#br0" timeOffset="32554.1754">3287 11644 15664 0 0,'0'0'344'0'0,"0"0"71"0"0,0 10 9 0 0,-10-10 24 0 0,10 10-360 0 0,0-10-88 0 0,0 0 0 0 0,-11 11 0 0 0,11-11 128 0 0,0 0 16 0 0,0 10 0 0 0,0 0 0 0 0,0 1-56 0 0,0-1-16 0 0,0 1 0 0 0,0-1 0 0 0,0 11 240 0 0,0 0 40 0 0,0-1 16 0 0,0 1 0 0 0,0 0-64 0 0,0 10-16 0 0,0-21 0 0 0,0 11 0 0 0,0 0-112 0 0,0-11-24 0 0,0 1-8 0 0,0-1 0 0 0,0 0-72 0 0,0-10-8 0 0,0 0-64 0 0,11 0 96 0 0,-11 0-96 0 0,10-10 0 0 0,0 0-96 0 0,1-11 96 0 0,-1 0-96 0 0,1 0 32 0 0,-1-10 64 0 0,0 0-104 0 0,1 0-128 0 0,10 0-24 0 0,-11 0-8 0 0,0 10 0 0 0,1-10-24 0 0,-1 10-8 0 0,0 0 0 0 0,1 11 0 0 0,-1-1 144 0 0,-10 1 32 0 0,11 10 8 0 0,-1 10 0 0 0,-10-10 208 0 0,10 21 32 0 0,-10 0 16 0 0,11 0 0 0 0,-11-1 144 0 0,0 12 32 0 0,0-12 8 0 0,0 12 0 0 0,0-12-32 0 0,0 11-8 0 0,0-10 0 0 0,10-10 0 0 0,-10 9-64 0 0,0-9-24 0 0,0-1 0 0 0,0-10 0 0 0,0 0-464 0 0,11 0-96 0 0,-11 0-24 0 0,10-10-8199 0 0</inkml:trace>
   <inkml:trace contextRef="#ctx0" brushRef="#br0" timeOffset="33112.0001">4013 11550 6416 0 0,'0'0'136'0'0,"0"0"32"0"0,0 0 8 0 0,0 0 16 0 0,0 0-192 0 0,0 0 0 0 0,0 0 0 0 0,0 0 0 0 0,0 0 368 0 0,0 0 40 0 0,0 0 8 0 0,0 0 0 0 0,0 0 80 0 0,0 0 16 0 0,0 0 8 0 0,0 11 0 0 0,0-11 16 0 0,0 0 0 0 0,0 10 0 0 0,-11-10 0 0 0,11 10 160 0 0,0 1 32 0 0,0 9 8 0 0,0-9 0 0 0,0 9-184 0 0,0-9-33 0 0,-10 10-7 0 0,10-1 0 0 0,0 1-72 0 0,0 0-24 0 0,0-11 0 0 0,0 11 0 0 0,-11-11-8 0 0,11 11-8 0 0,0-11 0 0 0,0 1 0 0 0,0-11-304 0 0,0 0-96 0 0,0 0 64 0 0,0-11-64 0 0,11 1-456 0 0,-11 0-120 0 0,10-11-32 0 0,-10 0 0 0 0</inkml:trace>
   <inkml:trace contextRef="#ctx0" brushRef="#br0" timeOffset="33227.0028">4065 11145 18255 0 0,'-11'11'400'0'0,"1"-11"80"0"0,10 10 24 0 0,-11 0 8 0 0,11 1-408 0 0,-10-1-104 0 0,10 1 0 0 0,0 9 0 0 0,0-9 0 0 0,0 9 88 0 0,10-9-88 0 0,-10-1 80 0 0,0 1-640 0 0,0-1-128 0 0,11 0-24 0 0,-11 1-4311 0 0,10-1-857 0 0</inkml:trace>
-  <inkml:trace contextRef="#ctx0" brushRef="#br0" timeOffset="33471.0111">4355 11332 16927 0 0,'0'0'376'0'0,"0"0"72"0"0,-10 11 24 0 0,-1-11 0 0 0,1 10-376 0 0,0-10-96 0 0,10 11 0 0 0,-11-1 0 0 0,-9 0 672 0 0,9 11 128 0 0,1-11 16 0 0,-11 11 8 0 0,11 10-456 0 0,-1-10-88 0 0,-10 10-24 0 0,11-10 0 0 0,0 10-8 0 0,10 0-8 0 0,-11 0 0 0 0,11-10 0 0 0,0 0-64 0 0,11-1-16 0 0,-11 1 0 0 0,10 0 0 0 0,0-11-160 0 0,11 1 0 0 0,-10-1 0 0 0,9-10 0 0 0,-9-10-240 0 0,10-1-8 0 0,-1 1 0 0 0,1-11 0 0 0,0-10-968 0 0,0 0-200 0 0,-11 10-40 0 0,11-10-6543 0 0</inkml:trace>
+  <inkml:trace contextRef="#ctx0" brushRef="#br0" timeOffset="33471.011">4355 11332 16927 0 0,'0'0'376'0'0,"0"0"72"0"0,-10 11 24 0 0,-1-11 0 0 0,1 10-376 0 0,0-10-96 0 0,10 11 0 0 0,-11-1 0 0 0,-9 0 672 0 0,9 11 128 0 0,1-11 16 0 0,-11 11 8 0 0,11 10-456 0 0,-1-10-88 0 0,-10 10-24 0 0,11-10 0 0 0,0 10-8 0 0,10 0-8 0 0,-11 0 0 0 0,11-10 0 0 0,0 0-64 0 0,11-1-16 0 0,-11 1 0 0 0,10 0 0 0 0,0-11-160 0 0,11 1 0 0 0,-10-1 0 0 0,9-10 0 0 0,-9-10-240 0 0,10-1-8 0 0,-1 1 0 0 0,1-11 0 0 0,0-10-968 0 0,0 0-200 0 0,-11 10-40 0 0,11-10-6543 0 0</inkml:trace>
   <inkml:trace contextRef="#ctx0" brushRef="#br0" timeOffset="33742.0012">4531 11363 16008 0 0,'0'0'352'0'0,"0"0"63"0"0,0 10 25 0 0,-10 1 16 0 0,10-11-360 0 0,-10 21-96 0 0,10-11 0 0 0,-11 0 0 0 0,1 11 480 0 0,-1-11 72 0 0,11 11 24 0 0,-10 0 0 0 0,0 0 0 0 0,-1-1 8 0 0,1 1 0 0 0,-1 0 0 0 0,11-11-96 0 0,-10 1-16 0 0,10-1-8 0 0,0 0 0 0 0,0 1-280 0 0,0-11-56 0 0,0 0-16 0 0,0-11 0 0 0,10 1-112 0 0,1 0-104 0 0,-11-1 16 0 0,10-10 8 0 0,1 1-192 0 0,-1-1-40 0 0,0 0-8 0 0,1 0 0 0 0,-11 1-80 0 0,10-1-16 0 0,1 0-8 0 0,-1 1 0 0 0,0 9-32 0 0,1 11-8 0 0,-11-10 0 0 0,10 20 0 0 0,0-10 264 0 0,-10 11 48 0 0,11-1 16 0 0,-11 11 0 0 0,0-1 264 0 0,10 1 48 0 0,-10 0 16 0 0,11 0 0 0 0,-11 10 24 0 0,0-11 8 0 0,10 1 0 0 0,-10 0 0 0 0,0 0-40 0 0,10-11-8 0 0,-10 0 0 0 0,11-10 0 0 0,-11 0-176 0 0,10 0-96 0 0,1-10 16 0 0,-1-11-5583 0 0,0-10-1113 0 0</inkml:trace>
   <inkml:trace contextRef="#ctx0" brushRef="#br0" timeOffset="33963.008">4780 10773 15464 0 0,'-11'-11'336'0'0,"11"11"72"0"0,0 0 7 0 0,0 0 33 0 0,0 11-360 0 0,-10-11-88 0 0,10 20 0 0 0,0-9 0 0 0,0 9 568 0 0,0 12 96 0 0,-11-1 16 0 0,22 10 8 0 0,-22 1-136 0 0,11 9-24 0 0,0-9-8 0 0,0 10 0 0 0,0 10-192 0 0,0-10-40 0 0,0 0 0 0 0,0-1-8 0 0,11-9-280 0 0,-11-1-128 0 0,0-9 16 0 0,0-1 0 0 0,10 0-1120 0 0,-10-21-224 0 0,0 11-48 0 0</inkml:trace>
   <inkml:trace contextRef="#ctx0" brushRef="#br0" timeOffset="34339.0004">4645 11280 17287 0 0,'-11'11'488'0'0,"11"-1"112"0"0,11 0-480 0 0,-11 1-120 0 0,0-1 0 0 0,10-10 0 0 0,0 10 88 0 0,11-10-8 0 0,-11 11 0 0 0,1-11 0 0 0,10 0-432 0 0,-11 0-80 0 0,0 0-16 0 0,11 0-8 0 0,0 0-279 0 0,-11 0-49 0 0,11 0-16 0 0,-11 10 0 0 0,11-10 88 0 0,-11 0 8 0 0,1 0 8 0 0,-1 0 0 0 0,11 0 344 0 0,-21 0 64 0 0,10 0 8 0 0,1 0 8 0 0,-1 0 272 0 0,-10 0 0 0 0,10 11 0 0 0,-10-1 0 0 0,0 0 632 0 0,11 1 72 0 0,-11-1 24 0 0,0 11 0 0 0,0-11 608 0 0,10 11 120 0 0,-10 0 23 0 0,0 0 9 0 0,10-1-400 0 0,-10 1-88 0 0,11 0-8 0 0,-11-11-8 0 0,10 1-120 0 0,-10-1-32 0 0,10 0 0 0 0,-10-10 0 0 0,11 0-576 0 0,-11 0-112 0 0,10 0-24 0 0,1 0-8 0 0,-11-10-112 0 0,0 0 0 0 0,10-1 0 0 0,-10 1 0 0 0,0-11 0 0 0,0 11-104 0 0,0-11 16 0 0,0 0 8 0 0,0 11-88 0 0,-10-11-24 0 0,10 11 0 0 0,-11-1 0 0 0,1 1-8 0 0,10-1-8 0 0,-11-9 0 0 0,1 20 0 0 0,10-11 112 0 0,-10 11 32 0 0,10 0 0 0 0,0 0 0 0 0,0 0 64 0 0,0 0-64 0 0,0 0 64 0 0,0 11-64 0 0,0-11-176 0 0,0 10-32 0 0,0-10-8 0 0,0 0 0 0 0,0 10-376 0 0,10-10-80 0 0,0 0-8 0 0,-10 0-8 0 0,11 0-1176 0 0,-1-10-239 0 0,-10 0-41 0 0</inkml:trace>
   <inkml:trace contextRef="#ctx0" brushRef="#br0" timeOffset="34606.0044">5184 11332 15408 0 0,'11'10'336'0'0,"-11"1"72"0"0,10-1 7 0 0,-10 1 25 0 0,0-1-352 0 0,10 11-88 0 0,-10 0 0 0 0,0-1 0 0 0,11 1 1032 0 0,-11 0 192 0 0,0 0 40 0 0,0-1 8 0 0,10 1-600 0 0,-10 0-128 0 0,0 0-16 0 0,0-11-8 0 0,0 0 24 0 0,0-10 0 0 0,10 11 0 0 0,-10-11 0 0 0,0 0-400 0 0,0-11-80 0 0,0 1-64 0 0,11-11 96 0 0,-1 0-296 0 0,-10 1-56 0 0,11-11-16 0 0,-1 10 0 0 0,-10-10-280 0 0,10 0-56 0 0,1 10-16 0 0,-1-10 0 0 0,0 10 48 0 0,-10-10 16 0 0,11 10 0 0 0,-1 11 0 0 0,0-11 272 0 0,-10 10 48 0 0,11 1 16 0 0,-11 10 0 0 0,10 0 288 0 0,1 0 56 0 0,-11 0 8 0 0,10 10 8 0 0,-10 1 200 0 0,10-11 40 0 0,-10 10 8 0 0,11 1 0 0 0,-11-1-272 0 0,0 0-48 0 0,0 1-64 0 0,0-1 88 0 0,10-10-336 0 0,-10 10-64 0 0,10 1-8 0 0,-10-11-8 0 0,11 0-248 0 0,-11 0-40 0 0,10 0-16 0 0,-10 0 0 0 0,11 0-320 0 0,-11-11-64 0 0,10 1-7 0 0</inkml:trace>
   <inkml:trace contextRef="#ctx0" brushRef="#br0" timeOffset="34895.0035">5640 11218 9416 0 0,'0'0'200'0'0,"0"0"48"0"0,0 0 8 0 0,-10-10 16 0 0,10 10-272 0 0,0 0 0 0 0,0 0 0 0 0,0 0 0 0 0,-11 0 1152 0 0,1 0 168 0 0,10 0 40 0 0,-11 10 8 0 0,1-10-401 0 0,10 11-71 0 0,-10-1-24 0 0,10 1 0 0 0,-11-1-112 0 0,1 11-24 0 0,10-11-8 0 0,-10 11 0 0 0,10 0-344 0 0,-11-1-64 0 0,11 1-8 0 0,0 0-8 0 0,0-11-200 0 0,0 11-40 0 0,0-10 0 0 0,0-1-64 0 0,0-10-152 0 0,11 10-80 0 0,-1-20-24 0 0,-10 10-8991 0 0</inkml:trace>
-  <inkml:trace contextRef="#ctx0" brushRef="#br0" timeOffset="36296.0137">798 12960 11488 0 0,'0'0'256'0'0,"0"0"48"0"0,0 0 16 0 0,0 0 0 0 0,0 0-256 0 0,0 11-64 0 0,0-11 0 0 0,0 0 0 0 0,0 0 352 0 0,0 0 64 0 0,-10 10 16 0 0,10-10 0 0 0,0 10 80 0 0,0 1 24 0 0,0 9 0 0 0,10-9-1 0 0,-10 9 65 0 0,0 1 8 0 0,0 10 8 0 0,0 11 0 0 0,11-1-256 0 0,-11 1-48 0 0,0-1-16 0 0,0 11 0 0 0,0 0-112 0 0,-11 0-24 0 0,11 10-8 0 0,0-10 0 0 0,0 10-24 0 0,0 0-8 0 0,-10 0 0 0 0,0 1 0 0 0,10 9-48 0 0,-11 1-8 0 0,11-21 0 0 0,-10-1 0 0 0,10 12 16 0 0,0-22 0 0 0,-10 0 0 0 0,10 11 0 0 0,0-10 56 0 0,-11-11 16 0 0,11 0 0 0 0,0-10 0 0 0,0-1-152 0 0,0 1 0 0 0,11 0 64 0 0,-11-11-64 0 0,0 1 0 0 0,10-1 0 0 0,0 0 0 0 0,1-10 0 0 0,-11 0 0 0 0,10 11-72 0 0,11-11 72 0 0,-11 0-64 0 0,0-11 64 0 0,11 11 0 0 0,-10-10 0 0 0,9 0 0 0 0,1 10 0 0 0,0-21 0 0 0,0 11 0 0 0,-1-1 0 0 0,1 1 0 0 0,10-1 64 0 0,0 1-64 0 0,0 0 0 0 0,11-11 64 0 0,-1 11-64 0 0,1-1 64 0 0,10 1-64 0 0,0 0 72 0 0,-11-1-72 0 0,11 1 96 0 0,0-1-96 0 0,10 1 80 0 0,-10 10-80 0 0,0 0 64 0 0,0 0-64 0 0,-11-10 0 0 0,1 10 64 0 0,-1 0-64 0 0,-10 0 0 0 0,11 0 88 0 0,-22-11-24 0 0,11 11-64 0 0,-10 0 96 0 0,0 0 48 0 0,0 0 8 0 0,-11-10 0 0 0,0 10 0 0 0,1 0-8 0 0,-1-10 0 0 0,1 10 0 0 0,-11 0 0 0 0,0 0-48 0 0,0-11-16 0 0,10 11 0 0 0,-10-10 0 0 0,0-1-80 0 0,0 1 0 0 0,-10 0 0 0 0,10-11 64 0 0,0 0-64 0 0,-11 1 0 0 0,11-12 0 0 0,0 1 0 0 0,0 0 0 0 0,-10-10 0 0 0,10-1-72 0 0,0-10 72 0 0,0 1 0 0 0,0-1 0 0 0,0-10 0 0 0,0-1 0 0 0,0 1 0 0 0,10 0-80 0 0,-10 0 16 0 0,0 0 0 0 0,11-1 64 0 0,-11 1-80 0 0,0 0 80 0 0,10 0-80 0 0,0 0 80 0 0,-10 10-104 0 0,11 0 40 0 0,-11 10 64 0 0,10 1 0 0 0,-10 10 0 0 0,0 0 0 0 0,10 10 0 0 0,-10 0 0 0 0,0 1 0 0 0,0 9 0 0 0,-10 1 0 0 0,10 10 0 0 0,-10-11 0 0 0,-1 1 96 0 0,11 10-32 0 0,-20 0 32 0 0,9 0 0 0 0,-10 0 0 0 0,11 10 0 0 0,-11-10-96 0 0,1 11 64 0 0,-12-11-64 0 0,12 10 64 0 0,-22 1-64 0 0,11-1 0 0 0,-10 0 0 0 0,-1 1 0 0 0,-10-1 0 0 0,0 0 0 0 0,1 1 0 0 0,-1-1 0 0 0,0 11 0 0 0,-10-11 96 0 0,10 11-96 0 0,-10-11 96 0 0,-1 11 8 0 0,1-11 8 0 0,0 11 0 0 0,10 0 0 0 0,-10 0 40 0 0,10-1 8 0 0,10-9 0 0 0,-9 9 0 0 0,19 1-80 0 0,1-10-16 0 0,11-1 0 0 0,-1 11 0 0 0,11-21-64 0 0,10 0 0 0 0,0 0 0 0 0,0 0 0 0 0,10 0-816 0 0,0-11-176 0 0,11 1-40 0 0,10-11-5400 0 0,-10 0-1087 0 0</inkml:trace>
+  <inkml:trace contextRef="#ctx0" brushRef="#br0" timeOffset="36296.0136">798 12960 11488 0 0,'0'0'256'0'0,"0"0"48"0"0,0 0 16 0 0,0 0 0 0 0,0 0-256 0 0,0 11-64 0 0,0-11 0 0 0,0 0 0 0 0,0 0 352 0 0,0 0 64 0 0,-10 10 16 0 0,10-10 0 0 0,0 10 80 0 0,0 1 24 0 0,0 9 0 0 0,10-9-1 0 0,-10 9 65 0 0,0 1 8 0 0,0 10 8 0 0,0 11 0 0 0,11-1-256 0 0,-11 1-48 0 0,0-1-16 0 0,0 11 0 0 0,0 0-112 0 0,-11 0-24 0 0,11 10-8 0 0,0-10 0 0 0,0 10-24 0 0,0 0-8 0 0,-10 0 0 0 0,0 1 0 0 0,10 9-48 0 0,-11 1-8 0 0,11-21 0 0 0,-10-1 0 0 0,10 12 16 0 0,0-22 0 0 0,-10 0 0 0 0,10 11 0 0 0,0-10 56 0 0,-11-11 16 0 0,11 0 0 0 0,0-10 0 0 0,0-1-152 0 0,0 1 0 0 0,11 0 64 0 0,-11-11-64 0 0,0 1 0 0 0,10-1 0 0 0,0 0 0 0 0,1-10 0 0 0,-11 0 0 0 0,10 11-72 0 0,11-11 72 0 0,-11 0-64 0 0,0-11 64 0 0,11 11 0 0 0,-10-10 0 0 0,9 0 0 0 0,1 10 0 0 0,0-21 0 0 0,0 11 0 0 0,-1-1 0 0 0,1 1 0 0 0,10-1 64 0 0,0 1-64 0 0,0 0 0 0 0,11-11 64 0 0,-1 11-64 0 0,1-1 64 0 0,10 1-64 0 0,0 0 72 0 0,-11-1-72 0 0,11 1 96 0 0,0-1-96 0 0,10 1 80 0 0,-10 10-80 0 0,0 0 64 0 0,0 0-64 0 0,-11-10 0 0 0,1 10 64 0 0,-1 0-64 0 0,-10 0 0 0 0,11 0 88 0 0,-22-11-24 0 0,11 11-64 0 0,-10 0 96 0 0,0 0 48 0 0,0 0 8 0 0,-11-10 0 0 0,0 10 0 0 0,1 0-8 0 0,-1-10 0 0 0,1 10 0 0 0,-11 0 0 0 0,0 0-48 0 0,0-11-16 0 0,10 11 0 0 0,-10-10 0 0 0,0-1-80 0 0,0 1 0 0 0,-10 0 0 0 0,10-11 64 0 0,0 0-64 0 0,-11 1 0 0 0,11-12 0 0 0,0 1 0 0 0,0 0 0 0 0,-10-10 0 0 0,10-1-72 0 0,0-10 72 0 0,0 1 0 0 0,0-1 0 0 0,0-10 0 0 0,0-1 0 0 0,0 1 0 0 0,10 0-80 0 0,-10 0 16 0 0,0 0 0 0 0,11-1 64 0 0,-11 1-80 0 0,0 0 80 0 0,10 0-80 0 0,0 0 80 0 0,-10 10-104 0 0,11 0 40 0 0,-11 10 64 0 0,10 1 0 0 0,-10 10 0 0 0,0 0 0 0 0,10 10 0 0 0,-10 0 0 0 0,0 1 0 0 0,0 9 0 0 0,-10 1 0 0 0,10 10 0 0 0,-10-11 0 0 0,-1 1 96 0 0,11 10-32 0 0,-20 0 32 0 0,9 0 0 0 0,-10 0 0 0 0,11 10 0 0 0,-11-10-96 0 0,1 11 64 0 0,-12-11-64 0 0,12 10 64 0 0,-22 1-64 0 0,11-1 0 0 0,-10 0 0 0 0,-1 1 0 0 0,-10-1 0 0 0,0 0 0 0 0,1 1 0 0 0,-1-1 0 0 0,0 11 0 0 0,-10-11 96 0 0,10 11-96 0 0,-10-11 96 0 0,-1 11 8 0 0,1-11 8 0 0,0 11 0 0 0,10 0 0 0 0,-10 0 40 0 0,10-1 8 0 0,10-9 0 0 0,-9 9 0 0 0,19 1-80 0 0,1-10-16 0 0,11-1 0 0 0,-1 11 0 0 0,11-21-64 0 0,10 0 0 0 0,0 0 0 0 0,0 0 0 0 0,10 0-816 0 0,0-11-176 0 0,11 1-40 0 0,10-11-5400 0 0,-10 0-1087 0 0</inkml:trace>
   <inkml:trace contextRef="#ctx0" brushRef="#br0" timeOffset="37211.0028">2758 12960 15864 0 0,'0'0'352'0'0,"-10"0"63"0"0,10 0 25 0 0,-10 0 8 0 0,-1 0-360 0 0,11 0-88 0 0,0 0 0 0 0,0 0 0 0 0,0 0 64 0 0,0 0-64 0 0,0 0 96 0 0,-10 0-32 0 0,10 0 32 0 0,0 0 0 0 0,0 0 0 0 0,-11 11 0 0 0,1-11 352 0 0,10 10 80 0 0,-10 0 16 0 0,-1 11 0 0 0,11 0-168 0 0,-10 0-32 0 0,10 10-8 0 0,0 10 0 0 0,-10 1-216 0 0,10 10-48 0 0,0-1-8 0 0,0 12 0 0 0,-11-1 16 0 0,11 10 0 0 0,0-9 0 0 0,-10 9 0 0 0,0-10-80 0 0,10 11 0 0 0,-11-11-96 0 0,11 0 96 0 0,-10 1 0 0 0,10-1 104 0 0,0-10 0 0 0,0-11 0 0 0,-11 1 8 0 0,11-1 0 0 0,0-10 0 0 0,0 0 0 0 0,11-10-112 0 0,-11 0 0 0 0,0-11 64 0 0,10 1-64 0 0,1-1 0 0 0,-1 0 0 0 0,0 1 0 0 0,1-11-80 0 0,-1 0 0 0 0,11-11 0 0 0,-1 1 0 0 0,1 10 0 0 0,0-10 80 0 0,0-1 0 0 0,10 1 0 0 0,0 0-64 0 0,0-1 64 0 0,11 11 0 0 0,-1-10 0 0 0,11-1 0 0 0,-11 1 64 0 0,11 0-64 0 0,-10-1 64 0 0,10 1-64 0 0,10 10 88 0 0,-10-10-24 0 0,10-1 0 0 0,0 1 0 0 0,-10-1-64 0 0,10 1 80 0 0,-10-11-80 0 0,0 11 80 0 0,0 0-80 0 0,0-11 96 0 0,-1-10-96 0 0,1 10 96 0 0,-10 11-96 0 0,-1-1 0 0 0,1-9 0 0 0,-11-1 64 0 0,0 10 0 0 0,-10 1-64 0 0,10-11 96 0 0,-10 11-32 0 0,-1 0 64 0 0,1-1 0 0 0,-11 1 8 0 0,1-1 0 0 0,-1 1 56 0 0,0 10 0 0 0,-10-10 8 0 0,11 10 0 0 0,-11-11-40 0 0,0 11 0 0 0,0-10-8 0 0,0 0 0 0 0,0-1-48 0 0,0 1-8 0 0,0-11 0 0 0,0 0 0 0 0,0 11-96 0 0,0-11 64 0 0,-11-10-64 0 0,11 10 0 0 0,0-10 0 0 0,0-10 0 0 0,-10 10 0 0 0,10-11 0 0 0,0-10 72 0 0,-10 11-72 0 0,10-1 64 0 0,0-9-64 0 0,0-1 0 0 0,-11 0-72 0 0,11 0 0 0 0,-10-10 0 0 0,10 10 72 0 0,-10 0 96 0 0,10 0-16 0 0,-11 0-8 0 0,11 11-232 0 0,-10-11-40 0 0,0 11-16 0 0,-1-1 0 0 0,1 1 88 0 0,-1-1 24 0 0,-9 11 0 0 0,9 10 0 0 0,1-10 104 0 0,-11 10-72 0 0,11 1 72 0 0,-11 9-64 0 0,-10-9 64 0 0,10 9 0 0 0,-20 1 0 0 0,-1 0 0 0 0,1 10 0 0 0,-1-11 0 0 0,-10 11 0 0 0,1 0 0 0 0,-22 11-152 0 0,11-1-8 0 0,-11 0-8 0 0,1 1 0 0 0,9 9 168 0 0,-9 1 64 0 0,20 0 0 0 0,-10 0 0 0 0,10-1 208 0 0,-10 11 40 0 0,20-10 8 0 0,1 0 0 0 0,10 10-96 0 0,-11-10-24 0 0,21 10 0 0 0,-10-10 0 0 0,10 10-416 0 0,1-11-80 0 0,9 12-24 0 0,1-12 0 0 0,0 1-224 0 0,10 0-56 0 0,-11 0-8 0 0,11-11-5736 0 0,0 0-1151 0 0</inkml:trace>
-  <inkml:trace contextRef="#ctx0" brushRef="#br0" timeOffset="38182.0079">4779 12763 14896 0 0,'0'0'416'0'0,"0"0"104"0"0,-10 10-416 0 0,10-20-104 0 0,0 10 0 0 0,0 0 0 0 0,0 0 0 0 0,-10 0 0 0 0,10 0-96 0 0,0 0 96 0 0,0 0 160 0 0,0 0 96 0 0,-11 10 7 0 0,-9-10 9 0 0,20 0 160 0 0,-11 10 32 0 0,-10 1 8 0 0,21-1 0 0 0,-10 11-32 0 0,0 0-8 0 0,-1 10 0 0 0,1 0 0 0 0,0 10-152 0 0,10 1-32 0 0,-11 20-8 0 0,1 0 0 0 0,10 0-240 0 0,-10 1 0 0 0,10 20 0 0 0,0-11 0 0 0,-11 1 0 0 0,11-1-104 0 0,0 1 8 0 0,11-11 0 0 0,-11 11 240 0 0,0-22 48 0 0,10-9 16 0 0,0-1 0 0 0,1-10-56 0 0,-1 1-16 0 0,11-12 0 0 0,-1 1 0 0 0,1-21-136 0 0,0 10 80 0 0,10 1-80 0 0,0-11 64 0 0,0 0-64 0 0,11 0 0 0 0,10-11 0 0 0,-11 1 0 0 0,11 0 0 0 0,10-1 0 0 0,0-9 0 0 0,-10 9 0 0 0,21 1 0 0 0,-11-11 0 0 0,0 11-72 0 0,0-11 72 0 0,0 21 0 0 0,1-10 0 0 0,-1-1 0 0 0,-10 1 0 0 0,0 0 0 0 0,-11 10 0 0 0,1-11 0 0 0,-11 11 0 0 0,10-10 0 0 0,-10 10 0 0 0,-10-11 0 0 0,10 11 72 0 0,-10-10 24 0 0,-11 10 0 0 0,11-10 0 0 0,0 10 0 0 0,-11-11-24 0 0,0 11 0 0 0,11-10 0 0 0,-11 0 0 0 0,-10-1-72 0 0,11 1 64 0 0,-1-1-64 0 0,1 1 64 0 0,-11 0-64 0 0,10-11 0 0 0,-10 11 0 0 0,10-11 64 0 0,-10-10-64 0 0,0 10 64 0 0,11-10-64 0 0,-1 0 64 0 0,-10-11-64 0 0,10 1 0 0 0,-10-1 0 0 0,11 1 64 0 0,-11-11-64 0 0,10 0 0 0 0,0-10 0 0 0,-10 0 0 0 0,11 0 0 0 0,-11-1-88 0 0,10 12 24 0 0,-10-12 0 0 0,0 1-8 0 0,11 0 0 0 0,-11 10 0 0 0,0 0 0 0 0,0 1 72 0 0,0 9-96 0 0,-11 1 96 0 0,11 9-96 0 0,-10 1 96 0 0,10 0 88 0 0,-11 11-24 0 0,1-1 0 0 0,10 10-64 0 0,-10 1 80 0 0,-1 0-80 0 0,-9-1 80 0 0,9 1 0 0 0,-9 0 0 0 0,-1 10 0 0 0,0 0 0 0 0,-10 0-80 0 0,10-11 80 0 0,-10 11-80 0 0,-10 0 80 0 0,10 0 8 0 0,-11 11 0 0 0,1-11 0 0 0,-11 0 0 0 0,0 0-224 0 0,0 10-48 0 0,-10 0-8 0 0,0-10 0 0 0,-1 11 192 0 0,-9-1 0 0 0,10 0 0 0 0,0 1 0 0 0,-11 10 128 0 0,11-11 56 0 0,0 11 8 0 0,-1-11 8 0 0,11 11-64 0 0,1-1-8 0 0,9-9-8 0 0,1 10 0 0 0,10-11-32 0 0,0 0-8 0 0,-1 1 0 0 0,22-1 0 0 0,0-10-824 0 0,-1 0-168 0 0,22-10-32 0 0,-11-1-8 0 0</inkml:trace>
+  <inkml:trace contextRef="#ctx0" brushRef="#br0" timeOffset="38182.0078">4779 12763 14896 0 0,'0'0'416'0'0,"0"0"104"0"0,-10 10-416 0 0,10-20-104 0 0,0 10 0 0 0,0 0 0 0 0,0 0 0 0 0,-10 0 0 0 0,10 0-96 0 0,0 0 96 0 0,0 0 160 0 0,0 0 96 0 0,-11 10 7 0 0,-9-10 9 0 0,20 0 160 0 0,-11 10 32 0 0,-10 1 8 0 0,21-1 0 0 0,-10 11-32 0 0,0 0-8 0 0,-1 10 0 0 0,1 0 0 0 0,0 10-152 0 0,10 1-32 0 0,-11 20-8 0 0,1 0 0 0 0,10 0-240 0 0,-10 1 0 0 0,10 20 0 0 0,0-11 0 0 0,-11 1 0 0 0,11-1-104 0 0,0 1 8 0 0,11-11 0 0 0,-11 11 240 0 0,0-22 48 0 0,10-9 16 0 0,0-1 0 0 0,1-10-56 0 0,-1 1-16 0 0,11-12 0 0 0,-1 1 0 0 0,1-21-136 0 0,0 10 80 0 0,10 1-80 0 0,0-11 64 0 0,0 0-64 0 0,11 0 0 0 0,10-11 0 0 0,-11 1 0 0 0,11 0 0 0 0,10-1 0 0 0,0-9 0 0 0,-10 9 0 0 0,21 1 0 0 0,-11-11 0 0 0,0 11-72 0 0,0-11 72 0 0,0 21 0 0 0,1-10 0 0 0,-1-1 0 0 0,-10 1 0 0 0,0 0 0 0 0,-11 10 0 0 0,1-11 0 0 0,-11 11 0 0 0,10-10 0 0 0,-10 10 0 0 0,-10-11 0 0 0,10 11 72 0 0,-10-10 24 0 0,-11 10 0 0 0,11-10 0 0 0,0 10 0 0 0,-11-11-24 0 0,0 11 0 0 0,11-10 0 0 0,-11 0 0 0 0,-10-1-72 0 0,11 1 64 0 0,-1-1-64 0 0,1 1 64 0 0,-11 0-64 0 0,10-11 0 0 0,-10 11 0 0 0,10-11 64 0 0,-10-10-64 0 0,0 10 64 0 0,11-10-64 0 0,-1 0 64 0 0,-10-11-64 0 0,10 1 0 0 0,-10-1 0 0 0,11 1 64 0 0,-11-11-64 0 0,10 0 0 0 0,0-10 0 0 0,-10 0 0 0 0,11 0 0 0 0,-11-1-88 0 0,10 12 24 0 0,-10-12 0 0 0,0 1-8 0 0,11 0 0 0 0,-11 10 0 0 0,0 0 0 0 0,0 1 72 0 0,0 9-96 0 0,-11 1 96 0 0,11 9-96 0 0,-10 1 96 0 0,10 0 88 0 0,-11 11-24 0 0,1-1 0 0 0,10 10-64 0 0,-10 1 80 0 0,-1 0-80 0 0,-9-1 80 0 0,9 1 0 0 0,-9 0 0 0 0,-1 10 0 0 0,0 0 0 0 0,-10 0-80 0 0,10-11 80 0 0,-10 11-80 0 0,-10 0 80 0 0,10 0 8 0 0,-11 11 0 0 0,1-11 0 0 0,-11 0 0 0 0,0 0-224 0 0,0 10-48 0 0,-10 0-8 0 0,0-10 0 0 0,-1 11 192 0 0,-9-1 0 0 0,10 0 0 0 0,0 1 0 0 0,-11 10 128 0 0,11-11 56 0 0,0 11 8 0 0,-1-11 8 0 0,11 11-64 0 0,1-1-8 0 0,9-9-8 0 0,1 10 0 0 0,10-11-32 0 0,0 0-8 0 0,-1 1 0 0 0,22-1 0 0 0,0-10-824 0 0,-1 0-168 0 0,22-10-32 0 0,-11-1-8 0 0</inkml:trace>
   <inkml:trace contextRef="#ctx0" brushRef="#br0" timeOffset="38863.0022">6594 12431 14600 0 0,'0'0'320'0'0,"0"0"64"0"0,0 0 8 0 0,-11 11 24 0 0,11-11-328 0 0,0 0-88 0 0,0 0 0 0 0,0 0 0 0 0,0 0 0 0 0,0 0-88 0 0,0 0 24 0 0,0 0 0 0 0,0 0-248 0 0,11 0-40 0 0,-11 0-16 0 0,0 0 0 0 0,0 0-48 0 0,0 0-16 0 0,0 0 0 0 0,0 0 0 0 0,0 10 128 0 0,0 1 24 0 0,0-11 8 0 0,0 10 0 0 0,0-10 56 0 0,0 10 16 0 0,-11 1 0 0 0,11-1 0 0 0,0 1 120 0 0,0-1 80 0 0,0-10-96 0 0,0 10 96 0 0,0 1 0 0 0,0-11 0 0 0,0 10 0 0 0,0 1 0 0 0,0-11 112 0 0,0 0 0 0 0,0 0 0 0 0,0 0 0 0 0,0 0-112 0 0,0 10 0 0 0,0-10 0 0 0,0 0-4472 0 0</inkml:trace>
   <inkml:trace contextRef="#ctx0" brushRef="#br0" timeOffset="40529.0042">6635 12400 12464 0 0,'0'0'272'0'0,"-10"0"56"0"0,-1 11 16 0 0,11-11 8 0 0,0 10-280 0 0,0 0-72 0 0,0 1 0 0 0,0-1 0 0 0,0 11 96 0 0,0 0 0 0 0,11-1 0 0 0,-11 1 0 0 0,0 10-16 0 0,10 11 0 0 0,-10-1 0 0 0,0 1 0 0 0,0-1 8 0 0,0 1 0 0 0,0 9 0 0 0,0 1 0 0 0,0 10-88 0 0,-10-10 80 0 0,10 10-80 0 0,0 1 80 0 0,0-12 112 0 0,-11 1 32 0 0,11 11 0 0 0,0-22 0 0 0,-10 11 24 0 0,10 0 8 0 0,0-11-1 0 0,0-10 1 0 0,0 11-96 0 0,0-11-8 0 0,10-10-8 0 0,-10 10 0 0 0,0-11-144 0 0,11-9 0 0 0,-11 9 0 0 0,10-9 0 0 0,-10-1 0 0 0,11 1 0 0 0,-11-11 0 0 0,10 0 0 0 0,0 10-72 0 0,-10-10 72 0 0,11 0-64 0 0,-1 0 64 0 0,-10 0-72 0 0,10 0 72 0 0,-10-10-80 0 0,11 10 80 0 0,-1 0 0 0 0,-10-11 0 0 0,11 11 0 0 0,-11 0 0 0 0,10-10 0 0 0,0 10 0 0 0,1 0 0 0 0,-1 0 0 0 0,0-11 0 0 0,11 11-72 0 0,-11 0 72 0 0,11 0 0 0 0,10-10 0 0 0,0 10-80 0 0,1 10 80 0 0,-1-10 0 0 0,10 0 0 0 0,11 11 0 0 0,-11-11 80 0 0,11 10-16 0 0,0 1-64 0 0,10-1 96 0 0,1 0-32 0 0,-1 1 0 0 0,0-1 56 0 0,0 0 8 0 0,1 1 8 0 0,-1-11 0 0 0,0 10-136 0 0,0 1 0 0 0,0-11-104 0 0,-10 0 40 0 0,0 0 64 0 0,0 0 0 0 0,-11 0 64 0 0,1 0-64 0 0,-1-11 0 0 0,-9 11 72 0 0,-1-10-72 0 0,-11 10 0 0 0,11-11 64 0 0,-10 1-64 0 0,0 10 0 0 0,-11-10 0 0 0,11-1 64 0 0,-11-9-64 0 0,-10 9 0 0 0,11 1 0 0 0,-1-11 88 0 0,-10 11-88 0 0,0-11 80 0 0,0 0-80 0 0,11-10 120 0 0,-11 10-24 0 0,0-10-8 0 0,0 0 0 0 0,0 0 32 0 0,10 0 8 0 0,-10 0 0 0 0,0-11 0 0 0,0 1-32 0 0,-10 0-8 0 0,10-1 0 0 0,-11-10 0 0 0,11 0-24 0 0,-10 1-64 0 0,10-1 96 0 0,-11 0-32 0 0,11 10-64 0 0,-10-9 64 0 0,0-1-64 0 0,10 0 64 0 0,-11 0 8 0 0,1 0 0 0 0,0 0 0 0 0,-1 1 0 0 0,1 9-72 0 0,-1-10 96 0 0,1 11-96 0 0,0 10 96 0 0,-11-11-96 0 0,11 1 64 0 0,-1 10-64 0 0,1 0 64 0 0,-11-1-64 0 0,11 1 80 0 0,-11 11-80 0 0,0-1 80 0 0,1 0-80 0 0,9 0 96 0 0,-20 1-96 0 0,10-1 96 0 0,1 11-96 0 0,-1-1 0 0 0,-10 1 0 0 0,0-1 0 0 0,0 11 0 0 0,-1-10 0 0 0,-9 10-96 0 0,10 0 96 0 0,-11 0 0 0 0,11 0 0 0 0,-10 10 0 0 0,-1-10 0 0 0,-10 21 0 0 0,1-21 0 0 0,-1 21 0 0 0,0-11 0 0 0,0 1 176 0 0,0 9 48 0 0,0-9 0 0 0,0 9 8 0 0,1 1 88 0 0,-12 0 24 0 0,12-11 0 0 0,-1 11 0 0 0,10-11 8 0 0,-10 1 0 0 0,11-11 0 0 0,10 10 0 0 0,-11 1-240 0 0,11-11-48 0 0,0 0 0 0 0,10 0-64 0 0,-10 0-224 0 0,10 0-104 0 0,11 0-24 0 0,-11 0-9151 0 0</inkml:trace>
-  <inkml:trace contextRef="#ctx0" brushRef="#br0" timeOffset="52827.0051">8895 12006 12528 0 0,'0'0'272'0'0,"0"0"56"0"0,0 0 16 0 0,0 0 8 0 0,0 0-280 0 0,0 0-72 0 0,0 0 0 0 0,0 0 0 0 0,0 10 528 0 0,0 11 88 0 0,0 0 24 0 0,0-1 0 0 0,0 22-137 0 0,0 10-23 0 0,0 0-8 0 0,0-1 0 0 0,0 12-88 0 0,-10 9-24 0 0,0 1 0 0 0,10 10 0 0 0,-11-11-72 0 0,1 1-8 0 0,-1 10-8 0 0,-9-10 0 0 0,9-1-8 0 0,11 1 0 0 0,-10-11 0 0 0,0 0 0 0 0,-1-10-24 0 0,1 0-8 0 0,-1 0 0 0 0,11 0 0 0 0,-10-11-128 0 0,10-10-24 0 0,0 11-8 0 0,0-11 0 0 0,0-10-72 0 0,0 10 0 0 0,0-11 0 0 0,0 1 64 0 0,0-10-64 0 0,10-1 0 0 0,-10 0 0 0 0,0 1 0 0 0,11-1 0 0 0,-11 0 0 0 0,10-10 0 0 0,1 11 0 0 0,-11-11 0 0 0,10 10 0 0 0,0-10 0 0 0,-10 0 0 0 0,11 0 0 0 0,9 10 0 0 0,-9-20 0 0 0,-1 10 0 0 0,11 0 0 0 0,0 0 0 0 0,-11-10 0 0 0,21-1 0 0 0,0 1 0 0 0,0 10 0 0 0,11-10 0 0 0,-1-1 0 0 0,11 1 0 0 0,0 0 0 0 0,0 10 0 0 0,0 10 0 0 0,0-10 0 0 0,-1 10 0 0 0,12 1 0 0 0,-1-1 0 0 0,-10 0 0 0 0,0 1 0 0 0,-11-1 0 0 0,1 0 0 0 0,-1 1 160 0 0,1 10 72 0 0,-22-11 16 0 0,11 0 0 0 0,1-10-48 0 0,-12 11-8 0 0,1-1 0 0 0,0-10 0 0 0,-11 0 152 0 0,11 0 24 0 0,-11 0 8 0 0,1 0 0 0 0,-1-10-216 0 0,0 10-48 0 0,1-11-8 0 0,-1-9 0 0 0,0 9-104 0 0,1-20 88 0 0,-11 10-88 0 0,10-10 80 0 0,-10 0-80 0 0,11-10 0 0 0,-1-1 0 0 0,0 1 0 0 0,-10-11 0 0 0,0 10 0 0 0,11-9 0 0 0,-11-1 0 0 0,0 0 0 0 0,0 0-88 0 0,0 0 88 0 0,0-10-64 0 0,0 10 64 0 0,0 0 0 0 0,0 0-72 0 0,0-10 72 0 0,-11 10 0 0 0,11 0-72 0 0,0 1 72 0 0,-10-12 0 0 0,10 22-128 0 0,0-11 32 0 0,0 11 8 0 0,-10-1 0 0 0,10 1 88 0 0,-11 9-96 0 0,11-9 96 0 0,-10 20-96 0 0,10-10 96 0 0,-11 10 0 0 0,11 1-72 0 0,-10-1 72 0 0,10 0 0 0 0,-10 11 0 0 0,-1-1 0 0 0,1-9 0 0 0,0 9 0 0 0,-1 1 0 0 0,1 10 0 0 0,0-10 0 0 0,-1-1 0 0 0,1 1 0 0 0,-1-1 0 0 0,1 1 0 0 0,0 0 0 0 0,-11-1 0 0 0,11 1 0 0 0,-11 0 0 0 0,10-1 0 0 0,-9 1 0 0 0,-1 10 0 0 0,0-11 0 0 0,0 1 0 0 0,-10 10 0 0 0,0-10 0 0 0,-10 10 0 0 0,-1-11 64 0 0,1 22-64 0 0,-11-11 0 0 0,10 0 64 0 0,-9 10-64 0 0,-12 0 0 0 0,12 1 72 0 0,-1-1-72 0 0,-11 11 64 0 0,1 0-64 0 0,10-1 64 0 0,11 1-64 0 0,-1 0 0 0 0,1-11 0 0 0,20 1 0 0 0,-10-11 0 0 0,21 0-880 0 0,-1 0-160 0 0,1-21-32 0 0</inkml:trace>
+  <inkml:trace contextRef="#ctx0" brushRef="#br0" timeOffset="52827.005">8895 12006 12528 0 0,'0'0'272'0'0,"0"0"56"0"0,0 0 16 0 0,0 0 8 0 0,0 0-280 0 0,0 0-72 0 0,0 0 0 0 0,0 0 0 0 0,0 10 528 0 0,0 11 88 0 0,0 0 24 0 0,0-1 0 0 0,0 22-137 0 0,0 10-23 0 0,0 0-8 0 0,0-1 0 0 0,0 12-88 0 0,-10 9-24 0 0,0 1 0 0 0,10 10 0 0 0,-11-11-72 0 0,1 1-8 0 0,-1 10-8 0 0,-9-10 0 0 0,9-1-8 0 0,11 1 0 0 0,-10-11 0 0 0,0 0 0 0 0,-1-10-24 0 0,1 0-8 0 0,-1 0 0 0 0,11 0 0 0 0,-10-11-128 0 0,10-10-24 0 0,0 11-8 0 0,0-11 0 0 0,0-10-72 0 0,0 10 0 0 0,0-11 0 0 0,0 1 64 0 0,0-10-64 0 0,10-1 0 0 0,-10 0 0 0 0,0 1 0 0 0,11-1 0 0 0,-11 0 0 0 0,10-10 0 0 0,1 11 0 0 0,-11-11 0 0 0,10 10 0 0 0,0-10 0 0 0,-10 0 0 0 0,11 0 0 0 0,9 10 0 0 0,-9-20 0 0 0,-1 10 0 0 0,11 0 0 0 0,0 0 0 0 0,-11-10 0 0 0,21-1 0 0 0,0 1 0 0 0,0 10 0 0 0,11-10 0 0 0,-1-1 0 0 0,11 1 0 0 0,0 0 0 0 0,0 10 0 0 0,0 10 0 0 0,0-10 0 0 0,-1 10 0 0 0,12 1 0 0 0,-1-1 0 0 0,-10 0 0 0 0,0 1 0 0 0,-11-1 0 0 0,1 0 0 0 0,-1 1 160 0 0,1 10 72 0 0,-22-11 16 0 0,11 0 0 0 0,1-10-48 0 0,-12 11-8 0 0,1-1 0 0 0,0-10 0 0 0,-11 0 152 0 0,11 0 24 0 0,-11 0 8 0 0,1 0 0 0 0,-1-10-216 0 0,0 10-48 0 0,1-11-8 0 0,-1-9 0 0 0,0 9-104 0 0,1-20 88 0 0,-11 10-88 0 0,10-10 80 0 0,-10 0-80 0 0,11-10 0 0 0,-1-1 0 0 0,0 1 0 0 0,-10-11 0 0 0,0 10 0 0 0,11-9 0 0 0,-11-1 0 0 0,0 0 0 0 0,0 0-88 0 0,0 0 88 0 0,0-10-64 0 0,0 10 64 0 0,0 0 0 0 0,0 0-72 0 0,0-10 72 0 0,-11 10 0 0 0,11 0-72 0 0,0 1 72 0 0,-10-12 0 0 0,10 22-128 0 0,0-11 32 0 0,0 11 8 0 0,-10-1 0 0 0,10 1 88 0 0,-11 9-96 0 0,11-9 96 0 0,-10 20-96 0 0,10-10 96 0 0,-11 10 0 0 0,11 1-72 0 0,-10-1 72 0 0,10 0 0 0 0,-10 11 0 0 0,-1-1 0 0 0,1-9 0 0 0,0 9 0 0 0,-1 1 0 0 0,1 10 0 0 0,0-10 0 0 0,-1-1 0 0 0,1 1 0 0 0,-1-1 0 0 0,1 1 0 0 0,0 0 0 0 0,-11-1 0 0 0,11 1 0 0 0,-11 0 0 0 0,10-1 0 0 0,-9 1 0 0 0,-1 10 0 0 0,0-11 0 0 0,0 1 0 0 0,-10 10 0 0 0,0-10 0 0 0,-10 10 0 0 0,-1-11 64 0 0,1 22-64 0 0,-11-11 0 0 0,10 0 64 0 0,-9 10-64 0 0,-12 0 0 0 0,12 1 72 0 0,-1-1-72 0 0,-11 11 64 0 0,1 0-64 0 0,10-1 64 0 0,11 1-64 0 0,-1 0 0 0 0,1-11 0 0 0,20 1 0 0 0,-10-11 0 0 0,21 0-880 0 0,-1 0-160 0 0,1-21-32 0 0</inkml:trace>
   <inkml:trace contextRef="#ctx0" brushRef="#br0" timeOffset="53832.0041">1369 13395 12816 0 0,'-21'10'280'0'0,"21"-10"56"0"0,-10 0 16 0 0,10 0 8 0 0,0 0-288 0 0,0 0-72 0 0,0 0 0 0 0,-11 11 0 0 0,11-1 280 0 0,0-10 40 0 0,0 0 0 0 0,0 0 8 0 0,0 11-24 0 0,0-1-8 0 0,0 0 0 0 0,0 1-1 0 0,11-1 265 0 0,-11 0 48 0 0,0 11 16 0 0,0 0 0 0 0,0 10-136 0 0,10 0-24 0 0,-10 0-8 0 0,-10 0 0 0 0,10 0-40 0 0,0 11 0 0 0,-11-1-8 0 0,11-10 0 0 0,-10 11-288 0 0,10-11-56 0 0,-11 0-64 0 0,11-10 88 0 0,0 10-88 0 0,0-21-136 0 0,11 1 32 0 0,-11-1-5944 0 0,21 0-1183 0 0</inkml:trace>
   <inkml:trace contextRef="#ctx0" brushRef="#br0" timeOffset="54388.0047">3297 13292 20239 0 0,'-20'0'448'0'0,"9"0"88"0"0,11-10 16 0 0,0 10 24 0 0,0 0-464 0 0,0 0-112 0 0,11-11 0 0 0,9 1 0 0 0,-9-1-128 0 0,9-9-56 0 0,1-1-8 0 0,10 11 0 0 0,-10-11-64 0 0,10 10-8 0 0,-10 1-8 0 0,0 0 0 0 0,-1-1 168 0 0,1 11 32 0 0,-11 0 8 0 0,1 11 0 0 0,-1-1 64 0 0,1 11 0 0 0,-11 0 0 0 0,0-1 0 0 0,-11 11 88 0 0,1 1-24 0 0,-1-1 0 0 0,1 10 0 0 0,-11 1-64 0 0,1-1 64 0 0,-1 1-64 0 0,0-1 64 0 0,0 0-64 0 0,1 1 0 0 0,-1-11 0 0 0,0-10 0 0 0,0 10 0 0 0,11-10 0 0 0,0-1 0 0 0,10-9 0 0 0,0-1 64 0 0,0 11 0 0 0,10-11 0 0 0,0 1 0 0 0,11-1 32 0 0,0 0 8 0 0,10 1 0 0 0,0-1 0 0 0,0 0 88 0 0,11 1 8 0 0,-1-11 8 0 0,-10 0 0 0 0,11 0-136 0 0,10-11-72 0 0,-11 11 80 0 0,11-10-80 0 0,-11-11-352 0 0,1 1-128 0 0,10-1-16 0 0</inkml:trace>
   <inkml:trace contextRef="#ctx0" brushRef="#br0" timeOffset="54946.0053">5122 12939 15520 0 0,'0'0'344'0'0,"0"0"72"0"0,10 0 7 0 0,-10 0 9 0 0,11 0-344 0 0,10 0-88 0 0,-1-10 0 0 0,-9 10 0 0 0,20 0 256 0 0,-11 0 40 0 0,1 0 8 0 0,10 10 0 0 0,0-10-208 0 0,-10 0-32 0 0,0 11-64 0 0,0-1 88 0 0,-11 1-88 0 0,11-1 0 0 0,-11 0 0 0 0,0 11 0 0 0,-10-11 96 0 0,0 11 0 0 0,0 0 0 0 0,-10 10 0 0 0,0-10-96 0 0,-1 10 64 0 0,1 0-64 0 0,0-10 64 0 0,-11-1 32 0 0,10 1 8 0 0,1 0 0 0 0,0 0 0 0 0,-1-11 144 0 0,11 0 24 0 0,0 1 8 0 0,0-11 0 0 0,0 10-216 0 0,0-10-64 0 0,11 0 0 0 0,-1 0 0 0 0,11 0 0 0 0,-11-10 0 0 0,11 10 0 0 0,-11 0 0 0 0,11 0 0 0 0,-11 10-96 0 0,11-10 24 0 0,0 0 8 0 0,-11 10 64 0 0,1 11 0 0 0,-1-11 0 0 0,0 11 0 0 0,1 0 0 0 0,-11 0 88 0 0,0 10-24 0 0,-11 0 0 0 0,1 10-64 0 0,0-10 96 0 0,-1 1-96 0 0,1-1 96 0 0,-11 0-96 0 0,0-11 64 0 0,1 1-64 0 0,-1 0 64 0 0,11 0-64 0 0,-11-11-112 0 0,10 0 24 0 0,1-10-5471 0 0,0 0-1097 0 0</inkml:trace>
@@ -503,10 +504,10 @@
   <inkml:trace contextRef="#ctx0" brushRef="#br0" timeOffset="62001.0043">1545 14577 7544 0 0,'-10'-21'160'0'0,"10"21"40"0"0,-10-10 8 0 0,10 10 8 0 0,-11-11-216 0 0,11 1 0 0 0,-10 0 0 0 0,10 10 0 0 0,0-11 456 0 0,0 1 56 0 0,-11 0 0 0 0,11-1 8 0 0,0 11-136 0 0,0-10-24 0 0,-10 0-8 0 0,10-11 0 0 0,0 10-352 0 0,0 1 0 0 0,0 0 0 0 0,0-1 0 0 0,0-9-240 0 0,0 9-48 0 0,0 1 0 0 0,0 10-8 0 0,0-10 144 0 0,0-1 32 0 0,0 11 8 0 0,0 0 0 0 0,0 0 176 0 0,0 0 40 0 0,0 0 8 0 0,0 0 0 0 0,0 0 336 0 0,0 0 64 0 0,0 0 8 0 0,0 0 8 0 0,0 0 80 0 0,0 0 24 0 0,0 0 0 0 0,0 0 0 0 0,0 0-224 0 0,0 0-48 0 0,0 0-8 0 0,0 0-1 0 0,-10 0-183 0 0,10 0-40 0 0,0 0 0 0 0,0 0-8 0 0,-11-10-120 0 0,11 10 72 0 0,0 10-72 0 0,0 1 64 0 0,0-11-64 0 0,0 10 80 0 0,0 0-80 0 0,0 11 80 0 0,0 10 48 0 0,0 0 16 0 0,0-10 0 0 0,0 10 0 0 0,0 10 16 0 0,11 1 8 0 0,-11-1 0 0 0,10 11 0 0 0,-10 0-56 0 0,0 10-16 0 0,10 1 0 0 0,1-12 0 0 0,-11 1-96 0 0,0-10 0 0 0,10-1 64 0 0,-10 1-64 0 0,0-1 64 0 0,0-10-64 0 0,0 0 88 0 0,0 11-88 0 0,0-22 88 0 0,0 1-88 0 0,0 0 80 0 0,-10 0-80 0 0,10-1 168 0 0,0-9-8 0 0,0 10-8 0 0,-11-11 0 0 0,11 0-80 0 0,0 1-8 0 0,-10-1-64 0 0,10-10 96 0 0,0 10-16 0 0,0 1-8 0 0,0-11 0 0 0,0 0 0 0 0,0 0-72 0 0,0 10 96 0 0,0-10-96 0 0,0 0 96 0 0,0 10-96 0 0,0-10 64 0 0,0 0-64 0 0,0 11 64 0 0,0-11-64 0 0,0 10 0 0 0,0-10 0 0 0,0 0 0 0 0,0 0 0 0 0,0 0 0 0 0,0 0 0 0 0,10 11 0 0 0,-10-11 0 0 0,0 0 0 0 0,0 0 0 0 0,0 0 64 0 0,0 0-64 0 0,0 0 96 0 0,0 0-96 0 0,0 0 96 0 0,0 0-24 0 0,0 0 0 0 0,0 0 0 0 0,0 0 0 0 0,0 0 80 0 0,0 0 8 0 0,0 0 8 0 0,0 0 0 0 0,0 0-168 0 0,0 0 0 0 0,0 0 0 0 0,0 0 0 0 0,0 0 0 0 0,0 0 0 0 0,0 0 0 0 0,0 10 0 0 0,0-10 0 0 0,0 0 0 0 0,0 0 0 0 0,0 0 0 0 0,0 0 0 0 0,0 0 0 0 0,0 0 0 0 0,0 0 0 0 0,0 0 0 0 0,0 0 0 0 0,0 0 0 0 0,0 0 0 0 0,0 0 0 0 0,0 0 0 0 0,0 0 0 0 0,0 0 0 0 0,0 0 0 0 0,0 0 0 0 0,0 0 0 0 0,0 10 0 0 0,0-10 88 0 0,0 0-24 0 0,0 0 0 0 0,11 11 0 0 0,-11-11-64 0 0,0 0 0 0 0,0 0 0 0 0,0 0 0 0 0,0 0 0 0 0,10 10 64 0 0,-10-10-64 0 0,0 0 64 0 0,0 0-64 0 0,0 0 0 0 0,11 0 0 0 0,-11 10 0 0 0,10-10 0 0 0,-10 0 0 0 0,10 0 0 0 0,-10 0 0 0 0,11 0 0 0 0,-1 0 0 0 0,0 0 0 0 0,1 0 0 0 0,-1 0 0 0 0,1 0 0 0 0,-1 0 0 0 0,0 0 0 0 0,1 0 0 0 0,9 0 0 0 0,-9 0 0 0 0,9 0 0 0 0,1 0 0 0 0,0 0 0 0 0,0 0 0 0 0,-1 0 0 0 0,1 0 0 0 0,0 0 0 0 0,10 0 0 0 0,-10 0 0 0 0,10 0 0 0 0,0 0 0 0 0,0 0 0 0 0,0 0-88 0 0,11-10 88 0 0,-1 10 0 0 0,1 0 64 0 0,-11 0-64 0 0,10 0 0 0 0,1-10 0 0 0,9 10 0 0 0,-9 0-64 0 0,-1-11 64 0 0,11 11 0 0 0,0-10 0 0 0,0 10 0 0 0,0-10 0 0 0,0-1 0 0 0,10 11 0 0 0,-10-10 64 0 0,10-1-64 0 0,0 11 0 0 0,0-10-88 0 0,0 10 88 0 0,-10 0 0 0 0,21 0 0 0 0,-21-10-64 0 0,20 10 64 0 0,-10 0 0 0 0,11 10 0 0 0,-11-10 0 0 0,11 0 0 0 0,-1 10 0 0 0,-9-10 0 0 0,20 0 0 0 0,-11 0 0 0 0,1 11 0 0 0,10-11 0 0 0,-11 10 0 0 0,11-10 0 0 0,0 0 0 0 0,0 0 0 0 0,10 0 0 0 0,-10-10 0 0 0,11 10 0 0 0,-1 0 0 0 0,0-11 0 0 0,1 11 0 0 0,-1-10 0 0 0,0 0 0 0 0,11 10 0 0 0,-11-11 0 0 0,1 1 0 0 0,9 10 0 0 0,-9-10 0 0 0,-1-1 0 0 0,11 11 0 0 0,-11 0 0 0 0,0-10 0 0 0,0 0 0 0 0,1 10 0 0 0,-1 0 0 0 0,0-11 0 0 0,1 11 0 0 0,-1 0 0 0 0,0 0 0 0 0,-10 0-104 0 0,11 0 40 0 0,-1-10 64 0 0,-10 10 0 0 0,10 0 0 0 0,-10 0 0 0 0,0 0 0 0 0,10 0 0 0 0,-10 0 0 0 0,-10 0 0 0 0,10-11 0 0 0,-11 11 0 0 0,1-10 0 0 0,0 10 0 0 0,-1 0 0 0 0,1-10 0 0 0,-11 10 0 0 0,0-11 0 0 0,-10 11 0 0 0,10-10 96 0 0,-10 10-32 0 0,-11 0 0 0 0,11-10-64 0 0,0 10 0 0 0,-10-11 0 0 0,-11 11 0 0 0,10 0 0 0 0,-10-10 96 0 0,0 10-16 0 0,0 0-8 0 0,1 0 8 0 0,-12-11 0 0 0,1 11 0 0 0,10 0 0 0 0,-10 0-80 0 0,0-10 64 0 0,-1 10-64 0 0,-9 0 64 0 0,9-10-64 0 0,1 10 80 0 0,-10 0-80 0 0,-1-11 80 0 0,0 11-80 0 0,1-10 64 0 0,-11 10-64 0 0,0 0 64 0 0,10 0 0 0 0,-10-10 0 0 0,0 10 0 0 0,0 0 0 0 0,0 0 32 0 0,0-11 0 0 0,-10 11 0 0 0,-1 0 0 0 0,11-10 0 0 0,0 10 8 0 0,-10-10 0 0 0,0 10 0 0 0,10 0-24 0 0,-11-11-8 0 0,11 11 0 0 0,-10-10 0 0 0,10 10-72 0 0,-11 0 0 0 0,11 0 72 0 0,-10-11-72 0 0,0 11 0 0 0,10 0 0 0 0,0 0 0 0 0,0 0 0 0 0,0 0 0 0 0,0 0 0 0 0,0 0 0 0 0,0-10 0 0 0,0 10 0 0 0,0 0 0 0 0,0 0 0 0 0,0 0 0 0 0,0-10 0 0 0,10 10-64 0 0,0 0 64 0 0,1-11 0 0 0,-1 11 0 0 0,1 0-64 0 0,-1-10 64 0 0,0 10 0 0 0,1 0 0 0 0,-1-10-80 0 0,0 10 80 0 0,1 0 0 0 0,-1 0 0 0 0,11 0 0 0 0,-11 0 0 0 0,1-11 0 0 0,-1 11 0 0 0,0 0 0 0 0,11 0 0 0 0,-11 0 0 0 0,1 0 0 0 0,-1-10 0 0 0,1 20 0 0 0,9-10 0 0 0,-9-10 0 0 0,-1 10 0 0 0,0 0-80 0 0,1 0 80 0 0,10 0 0 0 0,-11 0 0 0 0,11 0 0 0 0,-11 0 64 0 0,0 0-64 0 0,11 0 0 0 0,-11-11-64 0 0,11 11 64 0 0,-10 0 0 0 0,-1 0 0 0 0,11-10 0 0 0,-11 10 0 0 0,0 0 0 0 0,1 0 0 0 0,-1 0 0 0 0,1 0 0 0 0,-1-10 0 0 0,0 10 0 0 0,1-11 0 0 0,-1 11 0 0 0,-10-10 0 0 0,10 10 0 0 0,-10-10 0 0 0,11 10 0 0 0,-11-11 0 0 0,10 1 0 0 0,-10 10 0 0 0,0-10 64 0 0,10 10-64 0 0,-10-11 0 0 0,0-10 0 0 0,11 11 0 0 0,-11 0 0 0 0,0-1 0 0 0,10-20 0 0 0,-10 11 0 0 0,0-12 0 0 0,11 12 0 0 0,-11-11 0 0 0,0-1 0 0 0,0 1 0 0 0,10-10 0 0 0,-10 20 0 0 0,0-20 0 0 0,-10-1 0 0 0,10 1-104 0 0,0-1 40 0 0,0 11 64 0 0,0-10-96 0 0,-11-1 96 0 0,11 1-80 0 0,0 10 80 0 0,-10 0-96 0 0,10-11 96 0 0,0 1-104 0 0,-11 10 40 0 0,11-1 64 0 0,-10 1 0 0 0,10-10 0 0 0,-10 10-64 0 0,10-11 64 0 0,-11 11-64 0 0,11 0 64 0 0,-10 0-64 0 0,10 0 64 0 0,-10 10-80 0 0,10 0 80 0 0,-11 1-80 0 0,11 9 80 0 0,-10-9-96 0 0,10 9 96 0 0,-10 1-96 0 0,-1-1 24 0 0,11 1 0 0 0,-10 10 0 0 0,10 0 0 0 0,-11 0-136 0 0,11 0-24 0 0,-10 0-8 0 0,0 0-5767 0 0,-1 10-1153 0 0</inkml:trace>
   <inkml:trace contextRef="#ctx0" brushRef="#br0" timeOffset="63309.0775">4873 15479 9072 0 0,'0'0'192'0'0,"0"0"48"0"0,0 0 8 0 0,0 0 8 0 0,0 0-256 0 0,0 0 0 0 0,0 0 0 0 0,0 0 0 0 0,0 0 336 0 0,0 0 16 0 0,0 0 0 0 0,0 0 0 0 0,0 0-232 0 0,0 0-48 0 0,0 0-8 0 0,0 0 0 0 0,0 0-64 0 0,0 0 0 0 0,0-10 0 0 0,0 10 0 0 0,0 0 0 0 0,0-10 144 0 0,0 10-24 0 0,0 0-8 0 0,0 0 16 0 0,11 0 0 0 0,-11-11 0 0 0,0 11 0 0 0,0 0 280 0 0,0 0 56 0 0,0 0 16 0 0,0 0 0 0 0,0 0-64 0 0,0 0 0 0 0,0 0-8 0 0,0 11 0 0 0,10-1-104 0 0,-10 0-17 0 0,0 11-7 0 0,0 10 0 0 0,11 0-32 0 0,-11 0-8 0 0,0 11 0 0 0,0-1 0 0 0,0 11-112 0 0,0-10-32 0 0,0 10 0 0 0,0-1 0 0 0,-11-9-8 0 0,11 10-8 0 0,-10-11 0 0 0,10 1 0 0 0,-11-1 152 0 0,11 1 32 0 0,0-1 8 0 0,-10-10 0 0 0,10 11-152 0 0,-11-22-32 0 0,11 11-8 0 0,0-10 0 0 0,0 10-80 0 0,0-10 0 0 0,0-11 0 0 0,0 11 64 0 0,0-11-64 0 0,0 1 0 0 0,0-1 0 0 0,0 1-88 0 0,11-11-312 0 0,-11 10-64 0 0,0-10-16 0 0,0 0-4647 0 0,0 0-937 0 0</inkml:trace>
   <inkml:trace contextRef="#ctx0" brushRef="#br0" timeOffset="64826.0123">4355 16516 10680 0 0,'0'0'232'0'0,"0"0"56"0"0,-10 11 0 0 0,-1-1 16 0 0,1 0-240 0 0,-1-10-64 0 0,1 11 0 0 0,10-1 0 0 0,-10 0 384 0 0,-1 1 64 0 0,11-1 8 0 0,-10 0 8 0 0,10 1-120 0 0,-10-1-24 0 0,-1 1-8 0 0,11 9 0 0 0,0 11-72 0 0,0 0-16 0 0,-10-10 0 0 0,10 21 0 0 0,-11-11 24 0 0,11 10 0 0 0,0 1-1 0 0,-10 10 1 0 0,0-1 8 0 0,10 12 0 0 0,-11-1 0 0 0,1 0 0 0 0,0 0-104 0 0,10 11-24 0 0,-11-1 0 0 0,1-9 0 0 0,-11 9 0 0 0,11 1 0 0 0,-1-1 0 0 0,-9-10 0 0 0,9 1 128 0 0,1-1 32 0 0,-11-10 0 0 0,11 0 0 0 0,-1-1-64 0 0,1-9-16 0 0,0-1 0 0 0,10-10 0 0 0,-11 1-104 0 0,11-1-16 0 0,0-11-8 0 0,0-9 0 0 0,0 9-80 0 0,0-9 0 0 0,0-1 0 0 0,0 1 0 0 0,11-1 0 0 0,-11-10 0 0 0,0 10-72 0 0,10-10 72 0 0,-10 11 0 0 0,0-11-80 0 0,0 0 80 0 0,10 0-64 0 0,-10 0 64 0 0,0 0 0 0 0,0 0 0 0 0,0 0-64 0 0,11 0 0 0 0,-11 0 0 0 0,10 0 0 0 0,-10-11 0 0 0,11 11 64 0 0,-1-10 0 0 0,-10 10 0 0 0,21 0-64 0 0,-21-10 64 0 0,20 10 0 0 0,-9-11 0 0 0,10 11 0 0 0,-1-10 0 0 0,1 10 0 0 0,10 0 0 0 0,0-11 0 0 0,0 11 0 0 0,11 0 0 0 0,-1 0 0 0 0,1 0-64 0 0,10 0 64 0 0,-1 0 64 0 0,1 0-64 0 0,11 0 88 0 0,-1 0-88 0 0,0 0 0 0 0,11-10 0 0 0,-11 10 64 0 0,10-10-64 0 0,-9 10 0 0 0,9-11 0 0 0,1 1 64 0 0,-11 0-64 0 0,11 10 0 0 0,-11-11 0 0 0,0 1 64 0 0,11 0 16 0 0,-11 10 0 0 0,0-11 0 0 0,0 11 0 0 0,-10-10-80 0 0,0 10 96 0 0,0 0-96 0 0,-11 0 96 0 0,11 0 56 0 0,-10-11 8 0 0,-11 11 8 0 0,10 0 0 0 0,1 0-168 0 0,-22 0 0 0 0,11 0 0 0 0,-10 0 64 0 0,0-10-64 0 0,0 10 0 0 0,-1 0 0 0 0,-9-10 64 0 0,10 10 64 0 0,-11-11 8 0 0,0 11 8 0 0,1-10 0 0 0,-1 10 168 0 0,0-10 32 0 0,-10-1 8 0 0,11 1 0 0 0,-11 0-288 0 0,0-1-64 0 0,0-10 0 0 0,0 1 0 0 0,0-1 0 0 0,0-10 0 0 0,0 0 0 0 0,0 0 0 0 0,0-11 0 0 0,0-10 0 0 0,0 0 0 0 0,0 1 0 0 0,-11-12 0 0 0,11 1 0 0 0,0 0 0 0 0,0 0 0 0 0,0 0 0 0 0,0-1 0 0 0,0-9 0 0 0,0-1 0 0 0,0 11-160 0 0,0 0-56 0 0,-10 0-8 0 0,10 10 0 0 0,0 0 120 0 0,-10 0 16 0 0,10 11 8 0 0,-11-1 0 0 0,11 11 80 0 0,0 0 0 0 0,0 10 0 0 0,-10 11 0 0 0,0 0 0 0 0,10-11 112 0 0,-11 21-24 0 0,11-21-8 0 0,-10 21-80 0 0,-1-10 0 0 0,1 10 0 0 0,10-11-88 0 0,-10 11 280 0 0,-1-10 48 0 0,1 10 16 0 0,0 0 0 0 0,-1 0-256 0 0,1 0 0 0 0,-1-10 0 0 0,-9 10 0 0 0,9 0 0 0 0,1 0 0 0 0,0-11 0 0 0,-11 11 0 0 0,11 0 0 0 0,-11 0 0 0 0,0 0 0 0 0,0 0 0 0 0,1 0 0 0 0,-1-10 0 0 0,0 10 0 0 0,-10 0 0 0 0,10-10 0 0 0,-10 10 0 0 0,0 0 0 0 0,0 0 0 0 0,0 0 0 0 0,-11 0-64 0 0,1 0 64 0 0,-1 0 0 0 0,1 0 0 0 0,-1 0 0 0 0,1 0 64 0 0,-1 10-64 0 0,1-10 0 0 0,-11 10 0 0 0,0-10 0 0 0,0 0-80 0 0,1 11 80 0 0,-1-1 0 0 0,-10-10 0 0 0,10 10 0 0 0,-11 1 0 0 0,1-1 0 0 0,0-10 0 0 0,0 10 0 0 0,0 1 0 0 0,-1-1 64 0 0,1 1-64 0 0,10-11 64 0 0,0 10-64 0 0,1 0 64 0 0,-1-10-64 0 0,0 11 64 0 0,10-11 0 0 0,1 10 0 0 0,-1 0 0 0 0,11-10 0 0 0,0 11-64 0 0,0-11 0 0 0,0 10 0 0 0,10 0 0 0 0,1-10-88 0 0,-1 0 88 0 0,10 11-104 0 0,-9-11 40 0 0,9 10-792 0 0,11-10-152 0 0,0-10-32 0 0,0 10-7615 0 0</inkml:trace>
-  <inkml:trace contextRef="#ctx0" brushRef="#br0" timeOffset="65548.1475">3671 14173 7224 0 0,'0'0'160'0'0,"-10"0"32"0"0,10 0 0 0 0,-11-11 16 0 0,1 11-208 0 0,10 0 0 0 0,-11 0 0 0 0,11-10 0 0 0,0 0 0 0 0,-10-1 64 0 0,10 1-64 0 0,0 10 0 0 0,0-21 120 0 0,-11 21-24 0 0,11-10 0 0 0,0-1 0 0 0,0 1-8 0 0,0 10-8 0 0,0 0 0 0 0,0-10 0 0 0,0 10 192 0 0,0 0 40 0 0,0-11 8 0 0,0 11 0 0 0,0 0-128 0 0,0-10-32 0 0,0 10 0 0 0,0 0 0 0 0,0 0 120 0 0,0 0 16 0 0,0-11 8 0 0,0 11 0 0 0,0 0 112 0 0,0 11 32 0 0,0-1 0 0 0,0 11 0 0 0,0 0 64 0 0,11 10 8 0 0,-11 10 8 0 0,0 11 0 0 0,0 21-168 0 0,0-11-32 0 0,0 10-9 0 0,0 11 1 0 0,10 0-152 0 0,-10-10-32 0 0,0 10-8 0 0,0-11 0 0 0,0 11-128 0 0,-10-20 0 0 0,10-1 64 0 0,0-10-64 0 0,0-11 96 0 0,-11 1-16 0 0,11-11 0 0 0,0 0 0 0 0,0-11-80 0 0,0-9 0 0 0,0-1 0 0 0,0-10-4767 0 0,0 0-1001 0 0</inkml:trace>
+  <inkml:trace contextRef="#ctx0" brushRef="#br0" timeOffset="65548.1474">3671 14173 7224 0 0,'0'0'160'0'0,"-10"0"32"0"0,10 0 0 0 0,-11-11 16 0 0,1 11-208 0 0,10 0 0 0 0,-11 0 0 0 0,11-10 0 0 0,0 0 0 0 0,-10-1 64 0 0,10 1-64 0 0,0 10 0 0 0,0-21 120 0 0,-11 21-24 0 0,11-10 0 0 0,0-1 0 0 0,0 1-8 0 0,0 10-8 0 0,0 0 0 0 0,0-10 0 0 0,0 10 192 0 0,0 0 40 0 0,0-11 8 0 0,0 11 0 0 0,0 0-128 0 0,0-10-32 0 0,0 10 0 0 0,0 0 0 0 0,0 0 120 0 0,0 0 16 0 0,0-11 8 0 0,0 11 0 0 0,0 0 112 0 0,0 11 32 0 0,0-1 0 0 0,0 11 0 0 0,0 0 64 0 0,11 10 8 0 0,-11 10 8 0 0,0 11 0 0 0,0 21-168 0 0,0-11-32 0 0,0 10-9 0 0,0 11 1 0 0,10 0-152 0 0,-10-10-32 0 0,0 10-8 0 0,0-11 0 0 0,0 11-128 0 0,-10-20 0 0 0,10-1 64 0 0,0-10-64 0 0,0-11 96 0 0,-11 1-16 0 0,11-11 0 0 0,0 0 0 0 0,0-11-80 0 0,0-9 0 0 0,0-1 0 0 0,0-10-4767 0 0,0 0-1001 0 0</inkml:trace>
   <inkml:trace contextRef="#ctx0" brushRef="#br0" timeOffset="66105.2251">5360 13976 9648 0 0,'0'11'208'0'0,"0"-11"48"0"0,0-11 0 0 0,0 11 24 0 0,0 11-280 0 0,0-11 0 0 0,0 0 0 0 0,11 0 0 0 0,-11 0 560 0 0,0 10 56 0 0,0 0 16 0 0,0 11 0 0 0,0 0-64 0 0,10 10-16 0 0,-10 0 0 0 0,0 21 0 0 0,0 0-128 0 0,0 10-24 0 0,0 11-9 0 0,0-1 1 0 0,0 11-104 0 0,11-10-16 0 0,-11-1-8 0 0,0 11 0 0 0,0 0-152 0 0,10 0-32 0 0,-10-10-8 0 0,10-1 0 0 0,-10-9-72 0 0,11-1 0 0 0,-11-10 0 0 0,10-21 0 0 0,-10 0-288 0 0,10 0-64 0 0,1-10-24 0 0</inkml:trace>
-  <inkml:trace contextRef="#ctx0" brushRef="#br0" timeOffset="66596.0442">7455 13810 12440 0 0,'0'0'272'0'0,"0"0"56"0"0,0 0 16 0 0,0 0 8 0 0,0 0-288 0 0,0 0-64 0 0,-11 21 0 0 0,22-11 0 0 0,-11 11 328 0 0,0 10 56 0 0,10 11 0 0 0,-10-1 8 0 0,0 21-32 0 0,0-10-8 0 0,0 10 0 0 0,0 1-1 0 0,0 20-63 0 0,0-11-24 0 0,0-10 0 0 0,0 11 0 0 0,0-11-200 0 0,-10 0-64 0 0,10 0 0 0 0,0 1 0 0 0,0-11-192 0 0,0-11-88 0 0,0 0-16 0 0,0 1-8 0 0</inkml:trace>
-  <inkml:trace contextRef="#ctx0" brushRef="#br0" timeOffset="67704.0069">4521 17086 12240 0 0,'0'0'264'0'0,"0"11"56"0"0,-11-11 16 0 0,11 0 16 0 0,0 0-288 0 0,0 0-64 0 0,0 0 0 0 0,0 0 0 0 0,-10 10 624 0 0,0-10 112 0 0,10 10 16 0 0,-11 1 7 0 0,11 10-263 0 0,-10-11-48 0 0,10 11-16 0 0,-10-1 0 0 0,10 1-8 0 0,-11 10 0 0 0,1-10 0 0 0,-1 10 0 0 0,1 0-184 0 0,0 0-40 0 0,-1 11-8 0 0,-9-11 0 0 0,9 11 24 0 0,-10-1 0 0 0,11-10 0 0 0,-11 11 0 0 0,11-11-128 0 0,-11 0-24 0 0,11-10-64 0 0,0-1 96 0 0,-1 1-224 0 0,11-10-56 0 0,0-11-8 0 0,0 0-5535 0 0,0-11-1105 0 0</inkml:trace>
+  <inkml:trace contextRef="#ctx0" brushRef="#br0" timeOffset="66596.0441">7455 13810 12440 0 0,'0'0'272'0'0,"0"0"56"0"0,0 0 16 0 0,0 0 8 0 0,0 0-288 0 0,0 0-64 0 0,-11 21 0 0 0,22-11 0 0 0,-11 11 328 0 0,0 10 56 0 0,10 11 0 0 0,-10-1 8 0 0,0 21-32 0 0,0-10-8 0 0,0 10 0 0 0,0 1-1 0 0,0 20-63 0 0,0-11-24 0 0,0-10 0 0 0,0 11 0 0 0,0-11-200 0 0,-10 0-64 0 0,10 0 0 0 0,0 1 0 0 0,0-11-192 0 0,0-11-88 0 0,0 0-16 0 0,0 1-8 0 0</inkml:trace>
+  <inkml:trace contextRef="#ctx0" brushRef="#br0" timeOffset="67704.0068">4521 17086 12240 0 0,'0'0'264'0'0,"0"11"56"0"0,-11-11 16 0 0,11 0 16 0 0,0 0-288 0 0,0 0-64 0 0,0 0 0 0 0,0 0 0 0 0,-10 10 624 0 0,0-10 112 0 0,10 10 16 0 0,-11 1 7 0 0,11 10-263 0 0,-10-11-48 0 0,10 11-16 0 0,-10-1 0 0 0,10 1-8 0 0,-11 10 0 0 0,1-10 0 0 0,-1 10 0 0 0,1 0-184 0 0,0 0-40 0 0,-1 11-8 0 0,-9-11 0 0 0,9 11 24 0 0,-10-1 0 0 0,11-10 0 0 0,-11 11 0 0 0,11-11-128 0 0,-11 0-24 0 0,11-10-64 0 0,0-1 96 0 0,-1 1-224 0 0,11-10-56 0 0,0-11-8 0 0,0 0-5535 0 0,0-11-1105 0 0</inkml:trace>
   <inkml:trace contextRef="#ctx0" brushRef="#br0" timeOffset="67899.0051">4490 17075 17135 0 0,'0'0'376'0'0,"0"0"72"0"0,-11 21 24 0 0,11 0 8 0 0,11 0-384 0 0,-11 10-96 0 0,10 10 0 0 0,-10 1 0 0 0,11-1 288 0 0,-1 1 40 0 0,0-1 8 0 0,1 1 0 0 0,-11-1-264 0 0,10 1-72 0 0,-10-1 0 0 0,0 1 0 0 0,11-1 0 0 0,-11-10 0 0 0,0 1 0 0 0,0-12 0 0 0,0 11 0 0 0,0-20 0 0 0,0-1 0 0 0,0 1 64 0 0,-11-1-312 0 0,11-10-56 0 0,0 0-16 0 0,0 0-4935 0 0,0-10-993 0 0</inkml:trace>
   <inkml:trace contextRef="#ctx0" brushRef="#br0" timeOffset="68090.0624">4417 17459 15552 0 0,'0'0'440'0'0,"-11"0"103"0"0,11 0-439 0 0,0 0-104 0 0,0 0 0 0 0,11 10 0 0 0,-1 1 496 0 0,0-11 80 0 0,1 10 8 0 0,-1-10 8 0 0,11 11-400 0 0,-11-11-88 0 0,11-11-8 0 0,0 11-8 0 0,0-10-888 0 0,-1 10-184 0 0,-9-11-32 0 0,10 1-7 0 0</inkml:trace>
   <inkml:trace contextRef="#ctx0" brushRef="#br0" timeOffset="68431.0312">4832 17418 16328 0 0,'0'10'351'0'0,"-11"-10"81"0"0,1 0 16 0 0,0 11 16 0 0,10-11-368 0 0,-11 0-96 0 0,1 0 0 0 0,10 0 0 0 0,-11 10 64 0 0,11-10-64 0 0,-10 0 96 0 0,0 0-32 0 0,-1 0-64 0 0,1 0 0 0 0,-1 11 0 0 0,1-1 0 0 0,0 0 0 0 0,-1 11 0 0 0,-10 0 0 0 0,21 0 0 0 0,-20-1 128 0 0,20 1 0 0 0,-11 0 8 0 0,11 0 0 0 0,0-11 112 0 0,0 11 16 0 0,0-11 8 0 0,0 1 0 0 0,11-11-272 0 0,-11 10 0 0 0,10-10 0 0 0,0 0 0 0 0,1 0-64 0 0,-1-10-24 0 0,1-1 0 0 0,9 1 0 0 0,-20-1-136 0 0,11 1-32 0 0,-1-11-8 0 0,1 11 0 0 0,-1-11-48 0 0,0 11-8 0 0,-10-11 0 0 0,11 11 0 0 0,-11-1 72 0 0,0 1 16 0 0,0 10 0 0 0,0 0 1 0 0,0 0 159 0 0,0 0 72 0 0,0 0-64 0 0,0 0 64 0 0,0 10 0 0 0,-11 1 72 0 0,11 9 0 0 0,-10 1-1 0 0,10 0 9 0 0,-10 0 0 0 0,-1 10 0 0 0,11-10 0 0 0,-10 10 104 0 0,-1-11 16 0 0,1 12 8 0 0,0-12 0 0 0,-1 1-32 0 0,1 0-8 0 0,10 0 0 0 0,-11-1 0 0 0,11 11-168 0 0,0-20-80 0 0,-10 10 8 0 0,0-1 0 0 0,10 1-352 0 0,0-11-72 0 0,-11 11-16 0 0,11-10-6175 0 0</inkml:trace>
@@ -514,52 +515,52 @@
   <inkml:trace contextRef="#ctx0" brushRef="#br0" timeOffset="69541.0083">4946 17501 14000 0 0,'0'0'392'0'0,"0"0"96"0"0,0 10-392 0 0,0-10-96 0 0,0 11 0 0 0,0 10 0 0 0,0-11 496 0 0,0 11 80 0 0,0-11 7 0 0,0 11 9 0 0,0-1-336 0 0,0 1-64 0 0,0 0-8 0 0,0 0-8 0 0,0-1 16 0 0,-11 1 8 0 0,11 0 0 0 0,0-11 0 0 0,0 11 120 0 0,0-11 16 0 0,-10 1 8 0 0,10-11 0 0 0,0 0-248 0 0,0 0-96 0 0,0 0 88 0 0,0 0-88 0 0,0 0 0 0 0,0 0 0 0 0,10 0-104 0 0,-10-11 32 0 0,11 1-88 0 0,-11 0-8 0 0,10-1-8 0 0,-10-10 0 0 0,11 1-16 0 0,-11-1-8 0 0,10 0 0 0 0,0 1 0 0 0,1-1 56 0 0,-1 0 16 0 0,-10 11 0 0 0,10-11 0 0 0,1 11 128 0 0,-1-1 0 0 0,-10 11 0 0 0,10-10 0 0 0,-10 10 0 0 0,11 0 0 0 0,-11 0 0 0 0,10 0 0 0 0,-10 0 0 0 0,0 0-80 0 0,0 0 80 0 0,11 10-4855 0 0,-11-10-929 0 0</inkml:trace>
   <inkml:trace contextRef="#ctx0" brushRef="#br0" timeOffset="69859.0958">5122 17563 15176 0 0,'0'0'328'0'0,"0"0"72"0"0,0 0 16 0 0,0 0 15 0 0,0 0-343 0 0,0 0-88 0 0,0 0 0 0 0,0 0 0 0 0,0 0 136 0 0,10 0 16 0 0,-10 0 0 0 0,10-10 0 0 0,-10 10-152 0 0,11-10 64 0 0,-11 10-64 0 0,10-11 0 0 0,0 1 144 0 0,-10 10-24 0 0,11-11-8 0 0,-11 1 0 0 0,10 0-112 0 0,-10 10-128 0 0,0-11 24 0 0,0 1 8 0 0,10 0 96 0 0,-10 10 0 0 0,0 0 0 0 0,-10-11 0 0 0,10 11-96 0 0,0 0 0 0 0,0 0 0 0 0,0 0 0 0 0,-10 11-64 0 0,-1-11 0 0 0,11 20-8 0 0,-10-9 0 0 0,0 9 72 0 0,-1 12 8 0 0,11-12 9 0 0,-10 11-1 0 0,10-10 176 0 0,-10 10 31 0 0,10 0 1 0 0,-11-10 8 0 0,11 0 104 0 0,0-1 16 0 0,0-9 8 0 0,11-1 0 0 0,-1 1-264 0 0,0-11 0 0 0,1 0 0 0 0,-1 0 0 0 0,11-11-1064 0 0,-11 11-215 0 0,0-21-49 0 0</inkml:trace>
   <inkml:trace contextRef="#ctx0" brushRef="#br0" timeOffset="70206.0067">5371 17459 12960 0 0,'0'0'288'0'0,"0"0"56"0"0,0 0 8 0 0,0 10 8 0 0,-10 1-288 0 0,10-11-72 0 0,0 10 0 0 0,-11 1 0 0 0,11-1 280 0 0,-10 0 40 0 0,0-10 0 0 0,10 21 8 0 0,-11-11-232 0 0,11 1-96 0 0,-10 10 88 0 0,-1-11-88 0 0,1 11 64 0 0,10-11-64 0 0,-10 1 0 0 0,10-1 0 0 0,-11 0 208 0 0,11 1-8 0 0,0-11-1 0 0,0 10 1 0 0,0 0-112 0 0,0-10-24 0 0,11 0-64 0 0,-1-10 96 0 0,-10 10-96 0 0,10 0-128 0 0,1-10 24 0 0,-1-1 8 0 0,1-9-343 0 0,-11 9-65 0 0,10-10-8 0 0,0 11-8 0 0,1-11-240 0 0,-1 11-40 0 0,1-1-16 0 0,-1 1 0 0 0,0 0 368 0 0,-10-1 64 0 0,11 11 24 0 0,-1 0 0 0 0,-10 0 360 0 0,0 11 64 0 0,11 9 24 0 0,-11 1 0 0 0,0 0 360 0 0,0 0 64 0 0,-11 0 24 0 0,11 10 0 0 0,0-11 48 0 0,-10 12 16 0 0,10-12 0 0 0,-11 11 0 0 0,1-10-24 0 0,10 0-8 0 0,-10 0 0 0 0,-1 10-1 0 0,11-21-191 0 0,-10 11-40 0 0,-1-11-8 0 0,11 11 0 0 0,-10-21-208 0 0,10 10-48 0 0,0-10-8 0 0,0 0-4967 0 0,0-10-1001 0 0</inkml:trace>
-  <inkml:trace contextRef="#ctx0" brushRef="#br0" timeOffset="70551.0169">5547 17490 14368 0 0,'0'0'320'0'0,"0"0"64"0"0,0 0 8 0 0,0 0 8 0 0,0 0-320 0 0,0 0-80 0 0,0 0 0 0 0,-10 11 0 0 0,-1-11 240 0 0,11 10 31 0 0,-10 0 9 0 0,0 11 0 0 0,-1-10 88 0 0,1-1 16 0 0,0 11 8 0 0,10-1 0 0 0,-11 1-72 0 0,1 0-8 0 0,10 0-8 0 0,-11-11 0 0 0,11 11-16 0 0,0-11 0 0 0,0 1 0 0 0,0-11 0 0 0,0 0-200 0 0,0 0-88 0 0,11 0 64 0 0,-1 0-64 0 0,1 0 0 0 0,-11-11 0 0 0,10 1-112 0 0,0 0 40 0 0,1-11-104 0 0,-1 0-16 0 0,-10 0-8 0 0,10 11 0 0 0,1-11-24 0 0,-1 0-8 0 0,-10 1 0 0 0,10 9 0 0 0,1-10 80 0 0,-11 11 24 0 0,10 0 0 0 0,-10 10 0 0 0,0 0 128 0 0,0 0-80 0 0,0 0 80 0 0,0 10-64 0 0,0 0 64 0 0,0 11 0 0 0,0 0 64 0 0,0 0-64 0 0,0-1 80 0 0,0 1-16 0 0,0 10-64 0 0,11-10 96 0 0,-11 0-16 0 0,0-11-8 0 0,10 11 0 0 0,-10-11 0 0 0,10-10-8 0 0,1 0-64 0 0,-1 0 96 0 0,-10 0-32 0 0,10-10-232 0 0,1-11-56 0 0,-1 1 0 0 0,1-12-4807 0 0,-1 1-961 0 0</inkml:trace>
-  <inkml:trace contextRef="#ctx0" brushRef="#br0" timeOffset="70778.0127">5755 17034 15176 0 0,'-11'21'328'0'0,"11"-1"72"0"0,0 1 16 0 0,-10 10 15 0 0,10 11-343 0 0,-11-1-88 0 0,11 1 0 0 0,0-1 0 0 0,0 1 640 0 0,0-1 120 0 0,0-10 16 0 0,0 11 8 0 0,0-1-512 0 0,0-10-104 0 0,0 0-16 0 0,0 0-8 0 0,0-10-336 0 0,11 0-72 0 0,-11-11-16 0 0,0-10-5031 0 0,0 11-1017 0 0</inkml:trace>
+  <inkml:trace contextRef="#ctx0" brushRef="#br0" timeOffset="70551.0168">5547 17490 14368 0 0,'0'0'320'0'0,"0"0"64"0"0,0 0 8 0 0,0 0 8 0 0,0 0-320 0 0,0 0-80 0 0,0 0 0 0 0,-10 11 0 0 0,-1-11 240 0 0,11 10 31 0 0,-10 0 9 0 0,0 11 0 0 0,-1-10 88 0 0,1-1 16 0 0,0 11 8 0 0,10-1 0 0 0,-11 1-72 0 0,1 0-8 0 0,10 0-8 0 0,-11-11 0 0 0,11 11-16 0 0,0-11 0 0 0,0 1 0 0 0,0-11 0 0 0,0 0-200 0 0,0 0-88 0 0,11 0 64 0 0,-1 0-64 0 0,1 0 0 0 0,-11-11 0 0 0,10 1-112 0 0,0 0 40 0 0,1-11-104 0 0,-1 0-16 0 0,-10 0-8 0 0,10 11 0 0 0,1-11-24 0 0,-1 0-8 0 0,-10 1 0 0 0,10 9 0 0 0,1-10 80 0 0,-11 11 24 0 0,10 0 0 0 0,-10 10 0 0 0,0 0 128 0 0,0 0-80 0 0,0 0 80 0 0,0 10-64 0 0,0 0 64 0 0,0 11 0 0 0,0 0 64 0 0,0 0-64 0 0,0-1 80 0 0,0 1-16 0 0,0 10-64 0 0,11-10 96 0 0,-11 0-16 0 0,0-11-8 0 0,10 11 0 0 0,-10-11 0 0 0,10-10-8 0 0,1 0-64 0 0,-1 0 96 0 0,-10 0-32 0 0,10-10-232 0 0,1-11-56 0 0,-1 1 0 0 0,1-12-4807 0 0,-1 1-961 0 0</inkml:trace>
+  <inkml:trace contextRef="#ctx0" brushRef="#br0" timeOffset="70778.0126">5755 17034 15176 0 0,'-11'21'328'0'0,"11"-1"72"0"0,0 1 16 0 0,-10 10 15 0 0,10 11-343 0 0,-11-1-88 0 0,11 1 0 0 0,0-1 0 0 0,0 1 640 0 0,0-1 120 0 0,0-10 16 0 0,0 11 8 0 0,0-1-512 0 0,0-10-104 0 0,0 0-16 0 0,0 0-8 0 0,0-10-336 0 0,11 0-72 0 0,-11-11-16 0 0,0-10-5031 0 0,0 11-1017 0 0</inkml:trace>
   <inkml:trace contextRef="#ctx0" brushRef="#br0" timeOffset="70956.0152">5650 17490 17407 0 0,'0'21'496'0'0,"0"-10"104"0"0,0-11-480 0 0,0 10-120 0 0,11 0 0 0 0,-1-10 0 0 0,0 11 208 0 0,11-11 16 0 0,-11 0 8 0 0,11 0 0 0 0,-10-11-320 0 0,9 11-64 0 0,1-10-8 0 0,-11 0-8 0 0,11 10-440 0 0,-10-11-96 0 0,-1 1-8 0 0,11 10-6135 0 0</inkml:trace>
-  <inkml:trace contextRef="#ctx0" brushRef="#br0" timeOffset="71507.0669">5900 17501 13736 0 0,'0'0'296'0'0,"0"10"64"0"0,-11 1 16 0 0,11-11 16 0 0,0 0-312 0 0,0 0-80 0 0,0 10 0 0 0,0-10 0 0 0,0 0 864 0 0,0 10 159 0 0,0 1 33 0 0,11-11 8 0 0,-11 10-512 0 0,0-10-104 0 0,10 0-16 0 0,-10 0-8 0 0,0 0-296 0 0,10 0-56 0 0,-10-10-8 0 0,0 10-64 0 0,11-11 0 0 0,-11 1 0 0 0,10 10-80 0 0,-10-10 80 0 0,0-1-256 0 0,0 11 16 0 0,0 0 0 0 0,0-10 0 0 0,0 10-16 0 0,0 0 0 0 0,0 0 0 0 0,0-11 0 0 0,0 11 40 0 0,0 0 8 0 0,0 0 0 0 0,0 0 0 0 0,0 0 88 0 0,-10 11 24 0 0,10-11 0 0 0,-11 0 0 0 0,11 10-64 0 0,-10 1-16 0 0,0-1 0 0 0,10 0 0 0 0,-11 1 176 0 0,11 9 0 0 0,-10 1-72 0 0,10 0 72 0 0,-11 0 0 0 0,11-11 0 0 0,-10 11 0 0 0,10 0 0 0 0,0-1 64 0 0,0 1 32 0 0,0-11 16 0 0,0 11 0 0 0,0-11 64 0 0,0 1 16 0 0,0-11 0 0 0,0 10 0 0 0,0-10-192 0 0,10 0 64 0 0,1 0-64 0 0,-1-10 0 0 0,-10 10-88 0 0,11-11-48 0 0,-1 1-16 0 0,0-11 0 0 0,1 1-72 0 0,-1-1-8 0 0,0 0-8 0 0,1 0 0 0 0,-1 1-24 0 0,1-1-8 0 0,-1 0 1 0 0,-10 0-1 0 0,10 1-112 0 0,-10 9-16 0 0,11 1-8 0 0,-1-11 0 0 0,-10 11 216 0 0,0-11 32 0 0,0 11 16 0 0,0-1 0 0 0,0-9 144 0 0,10-1 72 0 0,-10 10-8 0 0,-10-9 0 0 0,20-1-64 0 0,-10 0 0 0 0,0 0 0 0 0,0 1 0 0 0,0-11 0 0 0,0 10 0 0 0,0-10 0 0 0,-10 10 0 0 0,10 0 0 0 0,0 0 0 0 0,0 1 0 0 0,0 9 0 0 0,0-9 144 0 0,0 9 16 0 0,0 1 0 0 0,0-1 0 0 0,0 1 328 0 0,0 10 72 0 0,0 0 16 0 0,0 0-1 0 0,0 0-79 0 0,0 0-16 0 0,0 10 0 0 0,0 1 0 0 0,0-1-232 0 0,10 21-56 0 0,-10 0 0 0 0,0 11-8 0 0,11-1-80 0 0,-11 11-8 0 0,0 0-8 0 0,0 10 0 0 0,0 1 80 0 0,0-1 24 0 0,0 0 0 0 0,10 0 0 0 0,-10 1 64 0 0,10-12 24 0 0,-10 1 0 0 0,0-10 0 0 0,11-11-160 0 0,-1 0-32 0 0,1-10-8 0 0,-1-11-5935 0 0,11 1-1185 0 0</inkml:trace>
+  <inkml:trace contextRef="#ctx0" brushRef="#br0" timeOffset="71507.0668">5900 17501 13736 0 0,'0'0'296'0'0,"0"10"64"0"0,-11 1 16 0 0,11-11 16 0 0,0 0-312 0 0,0 0-80 0 0,0 10 0 0 0,0-10 0 0 0,0 0 864 0 0,0 10 159 0 0,0 1 33 0 0,11-11 8 0 0,-11 10-512 0 0,0-10-104 0 0,10 0-16 0 0,-10 0-8 0 0,0 0-296 0 0,10 0-56 0 0,-10-10-8 0 0,0 10-64 0 0,11-11 0 0 0,-11 1 0 0 0,10 10-80 0 0,-10-10 80 0 0,0-1-256 0 0,0 11 16 0 0,0 0 0 0 0,0-10 0 0 0,0 10-16 0 0,0 0 0 0 0,0 0 0 0 0,0-11 0 0 0,0 11 40 0 0,0 0 8 0 0,0 0 0 0 0,0 0 0 0 0,0 0 88 0 0,-10 11 24 0 0,10-11 0 0 0,-11 0 0 0 0,11 10-64 0 0,-10 1-16 0 0,0-1 0 0 0,10 0 0 0 0,-11 1 176 0 0,11 9 0 0 0,-10 1-72 0 0,10 0 72 0 0,-11 0 0 0 0,11-11 0 0 0,-10 11 0 0 0,10 0 0 0 0,0-1 64 0 0,0 1 32 0 0,0-11 16 0 0,0 11 0 0 0,0-11 64 0 0,0 1 16 0 0,0-11 0 0 0,0 10 0 0 0,0-10-192 0 0,10 0 64 0 0,1 0-64 0 0,-1-10 0 0 0,-10 10-88 0 0,11-11-48 0 0,-1 1-16 0 0,0-11 0 0 0,1 1-72 0 0,-1-1-8 0 0,0 0-8 0 0,1 0 0 0 0,-1 1-24 0 0,1-1-8 0 0,-1 0 1 0 0,-10 0-1 0 0,10 1-112 0 0,-10 9-16 0 0,11 1-8 0 0,-1-11 0 0 0,-10 11 216 0 0,0-11 32 0 0,0 11 16 0 0,0-1 0 0 0,0-9 144 0 0,10-1 72 0 0,-10 10-8 0 0,-10-9 0 0 0,20-1-64 0 0,-10 0 0 0 0,0 0 0 0 0,0 1 0 0 0,0-11 0 0 0,0 10 0 0 0,0-10 0 0 0,-10 10 0 0 0,10 0 0 0 0,0 0 0 0 0,0 1 0 0 0,0 9 0 0 0,0-9 144 0 0,0 9 16 0 0,0 1 0 0 0,0-1 0 0 0,0 1 328 0 0,0 10 72 0 0,0 0 16 0 0,0 0-1 0 0,0 0-79 0 0,0 0-16 0 0,0 10 0 0 0,0 1 0 0 0,0-1-232 0 0,10 21-56 0 0,-10 0 0 0 0,0 11-8 0 0,11-1-80 0 0,-11 11-8 0 0,0 0-8 0 0,0 10 0 0 0,0 1 80 0 0,0-1 24 0 0,0 0 0 0 0,10 0 0 0 0,-10 1 64 0 0,10-12 24 0 0,-10 1 0 0 0,0-10 0 0 0,11-11-160 0 0,-1 0-32 0 0,1-10-8 0 0,-1-11-5935 0 0,11 1-1185 0 0</inkml:trace>
   <inkml:trace contextRef="#ctx0" brushRef="#br0" timeOffset="72824.0086">4396 18590 15520 0 0,'0'0'344'0'0,"0"0"72"0"0,0 0 7 0 0,0 0 9 0 0,0 0-344 0 0,0 0-88 0 0,0 0 0 0 0,0 0 0 0 0,0 0 152 0 0,0 0 8 0 0,0 0 8 0 0,0 0 0 0 0,0 0 32 0 0,11-11 8 0 0,-1 11 0 0 0,-10-10 0 0 0,10 0-40 0 0,1 10-8 0 0,-1-11 0 0 0,1-10 0 0 0,-1 11 8 0 0,0 0 0 0 0,1-11 0 0 0,-1 0 0 0 0,0 11-168 0 0,1-11-64 0 0,-1 0 0 0 0,-10 1 0 0 0,11-1 64 0 0,-1 0 0 0 0,0 11 64 0 0,1-11-64 0 0,-11 11 64 0 0,10-11-64 0 0,-10 11 64 0 0,10-1-64 0 0,-10 1 0 0 0,0-1 0 0 0,11 1-80 0 0,-11 10 80 0 0,0-10 0 0 0,10-1 0 0 0,-10 11 0 0 0,0 0 0 0 0,0 0 0 0 0,0 0 0 0 0,0 0 0 0 0,0 0 0 0 0,0 0 224 0 0,0 11 0 0 0,11-11 0 0 0,-11 20 0 0 0,0-9-136 0 0,0 10-88 0 0,0-11 96 0 0,0 11-96 0 0,0-1 128 0 0,0 1-32 0 0,0 0-8 0 0,10 0 0 0 0,-10-11-24 0 0,0 0 0 0 0,0 11 0 0 0,0-11 0 0 0,0 1 24 0 0,0-11 0 0 0,10 0 0 0 0,-10 0 0 0 0,11 0-88 0 0,-1 0 0 0 0,-10-21 0 0 0,21 11 0 0 0,-11-11-120 0 0,1 0-64 0 0,-1 1-8 0 0,0-1-8 0 0,1 0 32 0 0,9 0 8 0 0,-9 1 0 0 0,-1-1 0 0 0,1 0 56 0 0,-11 11 8 0 0,10-1 8 0 0,0 1 0 0 0,-10 10 88 0 0,11 0-96 0 0,-1 0 96 0 0,-10 10-96 0 0,0 1 288 0 0,0-1 64 0 0,10 11 0 0 0,-10 0 8 0 0,-10-1 56 0 0,10 1 16 0 0,0 10 0 0 0,0 0 0 0 0,-10 0 48 0 0,10-10 0 0 0,0 0 8 0 0,0 10 0 0 0,0-10-152 0 0,0-1-32 0 0,0-9-8 0 0,0-1 0 0 0,0 1-200 0 0,10-1 0 0 0,-10-10 0 0 0,10 0-88 0 0,1-10-392 0 0,-11-1-72 0 0,10 1-24 0 0,1-11 0 0 0,-1 11-384 0 0,0-11-88 0 0,1 0-8 0 0,-1 11-8 0 0,-10-11-408 0 0,10 0-87 0 0,1 11-9 0 0,-1 0-8 0 0,1-11 200 0 0,-11 21 48 0 0,10-10 8 0 0,-10-1 0 0 0,10 11 1168 0 0,-10 0 240 0 0,0 0 40 0 0,0 0 16 0 0,0 0 1280 0 0,0 0 256 0 0,0 0 48 0 0,0 11 16 0 0,0-11-432 0 0,11 10-80 0 0,-11 0-17 0 0,0 1-7 0 0,0 9-312 0 0,0-9-64 0 0,10-1-16 0 0,-10 0 0 0 0,0 1-280 0 0,10-1-56 0 0,-10 1-16 0 0,11-1 0 0 0,-11-10-224 0 0,0 0-48 0 0,0 0 0 0 0,10 0-8 0 0,1-10-184 0 0,-11 10 0 0 0,10-11 0 0 0,0 1-64 0 0,-10-11 64 0 0,11 11-64 0 0,-11-1 64 0 0,10-9-64 0 0,-10-1-32 0 0,0 11 0 0 0,0-1 0 0 0,-10 1 0 0 0,10-1-176 0 0,0 1-40 0 0,-11 0-8 0 0,11 10 0 0 0,0 0 184 0 0,0 0 32 0 0,-10-11 8 0 0,10 11 0 0 0,0 0-48 0 0,-10 11-8 0 0,10-11 0 0 0,0 0 0 0 0,0 20-48 0 0,0-9-16 0 0,10-1 0 0 0,0-10-5487 0 0,-10 11-1105 0 0</inkml:trace>
   <inkml:trace contextRef="#ctx0" brushRef="#br0" timeOffset="73169.0061">5339 18195 13472 0 0,'-10'0'296'0'0,"0"0"64"0"0,10 0 16 0 0,-11 0 0 0 0,1 0-304 0 0,0 11-72 0 0,10-11 0 0 0,-11 0 0 0 0,1 10 368 0 0,10 1 56 0 0,-11-1 16 0 0,1 0-1 0 0,10 11-207 0 0,-10-11-40 0 0,-1 11 0 0 0,11 0-8 0 0,0-11 104 0 0,0 11 32 0 0,0-11 0 0 0,0 1 0 0 0,0-1 64 0 0,11 1 8 0 0,-11-1 8 0 0,10-10 0 0 0,0-10-248 0 0,1 10-56 0 0,-1-11 0 0 0,1-10-8 0 0,9 11-88 0 0,-9-21 0 0 0,-1 0 0 0 0,0 0 0 0 0,1 0-192 0 0,-1-1-48 0 0,1-9-16 0 0,-1 10 0 0 0,0-11-280 0 0,1 11-56 0 0,-11 0-16 0 0,10 0 0 0 0,-10 10 56 0 0,0 0 9 0 0,0 1-1 0 0,0-1 0 0 0,0 11 328 0 0,-10-11 72 0 0,10 10 16 0 0,0 11 0 0 0,0 0 296 0 0,0 0 64 0 0,0 0 16 0 0,0 11 0 0 0,-11-1 216 0 0,11 11 47 0 0,0 10 1 0 0,0 0 8 0 0,0 11-160 0 0,0-1-32 0 0,0 1-8 0 0,0-1 0 0 0,0-10-64 0 0,0 11-8 0 0,11-11-8 0 0,-11 10 0 0 0,10-9-152 0 0,-10-1-88 0 0,11-11 96 0 0,-11 1-96 0 0,10 0-304 0 0,0-11-112 0 0,-10 1-32 0 0,11-11-7127 0 0</inkml:trace>
-  <inkml:trace contextRef="#ctx0" brushRef="#br0" timeOffset="73468.0068">5578 18278 18431 0 0,'0'0'408'0'0,"0"0"80"0"0,0 0 24 0 0,0 0 0 0 0,0 0-416 0 0,0 0-96 0 0,11 0 0 0 0,-1 0 0 0 0,0 0 200 0 0,1-10 24 0 0,-1 10 0 0 0,1 0 0 0 0,-1-10-224 0 0,0-1 64 0 0,-10 1-64 0 0,11 10 0 0 0,-11-11 0 0 0,10 1 0 0 0,-10 0-96 0 0,0 10 96 0 0,0-11-72 0 0,0 1 72 0 0,-10-1 0 0 0,10 11 0 0 0,-11-10-80 0 0,1 10 80 0 0,10 0-64 0 0,0 0 64 0 0,0 0 0 0 0,-21 10-64 0 0,11 1 64 0 0,-1-1 0 0 0,1 11-96 0 0,0 0 32 0 0,-1 0 0 0 0,11-1 0 0 0,-10 11 136 0 0,-1-10 32 0 0,11 10 8 0 0,11-10 0 0 0,-11 0 256 0 0,10 0 48 0 0,1-11 16 0 0,-1 11 0 0 0,11-21-216 0 0,0 10-48 0 0,10 1-8 0 0,-11-11 0 0 0,12-11-360 0 0,-12 1-80 0 0,12-11-8 0 0,-12 0-5808 0 0,1 1-1159 0 0</inkml:trace>
-  <inkml:trace contextRef="#ctx0" brushRef="#br0" timeOffset="73671.0063">6045 17698 22783 0 0,'-21'21'648'0'0,"11"-1"136"0"0,-11 12-624 0 0,11-1-160 0 0,-1 10 0 0 0,1-10 0 0 0,10 21 480 0 0,-11-10 64 0 0,11 9 8 0 0,0 1 8 0 0,0 0-376 0 0,0 0-80 0 0,0 10-8 0 0,0-10-8 0 0,0 0-224 0 0,11-11-48 0 0,-11 11-8 0 0,10-21-6888 0 0,-10 0-1383 0 0</inkml:trace>
+  <inkml:trace contextRef="#ctx0" brushRef="#br0" timeOffset="73468.0067">5578 18278 18431 0 0,'0'0'408'0'0,"0"0"80"0"0,0 0 24 0 0,0 0 0 0 0,0 0-416 0 0,0 0-96 0 0,11 0 0 0 0,-1 0 0 0 0,0 0 200 0 0,1-10 24 0 0,-1 10 0 0 0,1 0 0 0 0,-1-10-224 0 0,0-1 64 0 0,-10 1-64 0 0,11 10 0 0 0,-11-11 0 0 0,10 1 0 0 0,-10 0-96 0 0,0 10 96 0 0,0-11-72 0 0,0 1 72 0 0,-10-1 0 0 0,10 11 0 0 0,-11-10-80 0 0,1 10 80 0 0,10 0-64 0 0,0 0 64 0 0,0 0 0 0 0,-21 10-64 0 0,11 1 64 0 0,-1-1 0 0 0,1 11-96 0 0,0 0 32 0 0,-1 0 0 0 0,11-1 0 0 0,-10 11 136 0 0,-1-10 32 0 0,11 10 8 0 0,11-10 0 0 0,-11 0 256 0 0,10 0 48 0 0,1-11 16 0 0,-1 11 0 0 0,11-21-216 0 0,0 10-48 0 0,10 1-8 0 0,-11-11 0 0 0,12-11-360 0 0,-12 1-80 0 0,12-11-8 0 0,-12 0-5808 0 0,1 1-1159 0 0</inkml:trace>
+  <inkml:trace contextRef="#ctx0" brushRef="#br0" timeOffset="73671.0062">6045 17698 22783 0 0,'-21'21'648'0'0,"11"-1"136"0"0,-11 12-624 0 0,11-1-160 0 0,-1 10 0 0 0,1-10 0 0 0,10 21 480 0 0,-11-10 64 0 0,11 9 8 0 0,0 1 8 0 0,0 0-376 0 0,0 0-80 0 0,0 10-8 0 0,0-10-8 0 0,0 0-224 0 0,11-11-48 0 0,-11 11-8 0 0,10-21-6888 0 0,-10 0-1383 0 0</inkml:trace>
   <inkml:trace contextRef="#ctx0" brushRef="#br0" timeOffset="89106.0116">12575 11239 10568 0 0,'0'0'224'0'0,"0"0"56"0"0,0-11 8 0 0,0 1 16 0 0,0 0-240 0 0,0 10-64 0 0,0-11 0 0 0,0 11 0 0 0,0-10 656 0 0,0 0 120 0 0,0-1 24 0 0,0 11 8 0 0,0 0-168 0 0,0 0-40 0 0,0 0-9 0 0,0 0 1 0 0,0 0-64 0 0,0 11-16 0 0,0-1 0 0 0,0 11 0 0 0,0 10-144 0 0,0 0-32 0 0,0 10-8 0 0,0 1 0 0 0,-10-1-112 0 0,10 11-24 0 0,0 0-8 0 0,0 0 0 0 0,-10 0 40 0 0,10-1 16 0 0,0 1 0 0 0,-11 0 0 0 0,11-10-144 0 0,0-1-32 0 0,-10-20-64 0 0,10 10 96 0 0,0-10-96 0 0,0-11 0 0 0,0 11 0 0 0,0-21-6016 0 0,0 0-1215 0 0</inkml:trace>
   <inkml:trace contextRef="#ctx0" brushRef="#br0" timeOffset="89360.0088">12410 11229 18055 0 0,'0'0'392'0'0,"-11"0"88"0"0,1 0 8 0 0,0 0 24 0 0,10 0-408 0 0,-11 0-104 0 0,11 0 0 0 0,0 0 0 0 0,0 0 336 0 0,11 0 48 0 0,-11-11 0 0 0,10 1 8 0 0,0 10-160 0 0,1 0-32 0 0,-1 0-8 0 0,11 0 0 0 0,-11-11 80 0 0,11 11 16 0 0,10 0 0 0 0,-10 0 0 0 0,10 11 8 0 0,0-11 8 0 0,0 0 0 0 0,0 0 0 0 0,0 10-192 0 0,0-10-40 0 0,11 0-8 0 0,-22 0 0 0 0,12 0-144 0 0,-1 0-32 0 0,-11 0-8 0 0,1 0 0 0 0,0-10-384 0 0,-11 10-72 0 0,1 0-24 0 0,-11 0-5584 0 0,0 0-1119 0 0</inkml:trace>
   <inkml:trace contextRef="#ctx0" brushRef="#br0" timeOffset="89615.0243">12358 11923 22231 0 0,'0'0'488'0'0,"0"0"104"0"0,0 0 16 0 0,11 0 16 0 0,-1 0-496 0 0,0 0-128 0 0,11 0 0 0 0,0-11 0 0 0,10 11 0 0 0,0-10 0 0 0,-10-1 0 0 0,20 1 0 0 0,-10 0-208 0 0,0-1-64 0 0,11-9-16 0 0,-11 9 0 0 0,0 1-392 0 0,0-1-88 0 0,0-9-8 0 0,-10 9-5031 0 0,0 1-1009 0 0</inkml:trace>
-  <inkml:trace contextRef="#ctx0" brushRef="#br0" timeOffset="89876.0102">12825 11684 19351 0 0,'0'0'424'0'0,"0"0"88"0"0,0 0 24 0 0,-11 10 8 0 0,11 1-440 0 0,0-11-104 0 0,0 10 0 0 0,0 1 0 0 0,0-11 256 0 0,0 10 32 0 0,0 0 8 0 0,11 1 0 0 0,-11-1-296 0 0,0-10-160 0 0,10 11 24 0 0,-10-11 0 0 0,0 10-88 0 0,0-10-24 0 0,0 0 0 0 0,0 0 0 0 0,11 0 136 0 0,-11 0 24 0 0,0 0 8 0 0,0 0 0 0 0,10 0 80 0 0,-10 0-64 0 0,10 0 64 0 0,1-10-64 0 0,-1-1 64 0 0,0 1 0 0 0,-10-1 0 0 0,21 11 0 0 0,-21-10 0 0 0,10 0 0 0 0,1 10 0 0 0,-1-11 0 0 0,1 11 0 0 0,-11-10 64 0 0,10 10-64 0 0,-10 0 88 0 0,10 0 8 0 0,-10 10 0 0 0,11-10 0 0 0,-11 11 0 0 0,10 9 0 0 0,-10-9 8 0 0,0-1 0 0 0,0 1 0 0 0,0-1-104 0 0,0 11 0 0 0,0-11 0 0 0,0 1-80 0 0,0-11-72 0 0,0 0-8 0 0,0 0-8 0 0,0 0 0 0 0,0 0-472 0 0,0 0-96 0 0,0 0-24 0 0</inkml:trace>
+  <inkml:trace contextRef="#ctx0" brushRef="#br0" timeOffset="89876.0101">12825 11684 19351 0 0,'0'0'424'0'0,"0"0"88"0"0,0 0 24 0 0,-11 10 8 0 0,11 1-440 0 0,0-11-104 0 0,0 10 0 0 0,0 1 0 0 0,0-11 256 0 0,0 10 32 0 0,0 0 8 0 0,11 1 0 0 0,-11-1-296 0 0,0-10-160 0 0,10 11 24 0 0,-10-11 0 0 0,0 10-88 0 0,0-10-24 0 0,0 0 0 0 0,0 0 0 0 0,11 0 136 0 0,-11 0 24 0 0,0 0 8 0 0,0 0 0 0 0,10 0 80 0 0,-10 0-64 0 0,10 0 64 0 0,1-10-64 0 0,-1-1 64 0 0,0 1 0 0 0,-10-1 0 0 0,21 11 0 0 0,-21-10 0 0 0,10 0 0 0 0,1 10 0 0 0,-1-11 0 0 0,1 11 0 0 0,-11-10 64 0 0,10 10-64 0 0,-10 0 88 0 0,10 0 8 0 0,-10 10 0 0 0,11-10 0 0 0,-11 11 0 0 0,10 9 0 0 0,-10-9 8 0 0,0-1 0 0 0,0 1 0 0 0,0-1-104 0 0,0 11 0 0 0,0-11 0 0 0,0 1-80 0 0,0-11-72 0 0,0 0-8 0 0,0 0-8 0 0,0 0 0 0 0,0 0-472 0 0,0 0-96 0 0,0 0-24 0 0</inkml:trace>
   <inkml:trace contextRef="#ctx0" brushRef="#br0" timeOffset="90285.0114">13135 11653 17191 0 0,'0'21'376'0'0,"0"-11"72"0"0,0 0 24 0 0,0 1 16 0 0,11 10-392 0 0,-11-11-96 0 0,0 11 0 0 0,0-11 0 0 0,10 11 480 0 0,-10-1 64 0 0,0-9 24 0 0,10 10 0 0 0,-10-11-344 0 0,0 0-64 0 0,0 11-8 0 0,0-11-8 0 0,0 1-144 0 0,0-1 80 0 0,0 1-80 0 0,-10-1 64 0 0,10 0 8 0 0,0-10 0 0 0,0 11 0 0 0,-10-1 0 0 0,10-10-72 0 0,0 0 64 0 0,0 0-64 0 0,0 0 64 0 0,0 0-64 0 0,0 0 0 0 0,0 0 0 0 0,0 0-88 0 0,0 0 24 0 0,0 0 0 0 0,0 0 0 0 0,0-21 0 0 0,0 11 64 0 0,10 0 0 0 0,-10-11 0 0 0,10 0 0 0 0,-10 0 0 0 0,11-10 0 0 0,-1 10-72 0 0,-10-10 72 0 0,11 0-136 0 0,-1 0 8 0 0,0 0 0 0 0,1 10 0 0 0,-11-10 216 0 0,10 0 40 0 0,0 10 16 0 0,1 1 0 0 0,-1 9-144 0 0,11-9 0 0 0,-21 9 0 0 0,10 1 0 0 0,1 10 0 0 0,-1-11 0 0 0,0 11 0 0 0,-10 0-72 0 0,11 11 136 0 0,-11-1 32 0 0,10-10 8 0 0,-10 21 0 0 0,0-11-104 0 0,-10 11 0 0 0,10 0 0 0 0,-11-1 0 0 0,1 1 0 0 0,0 0 0 0 0,-1 0 0 0 0,1-11 0 0 0,-11 11 0 0 0,11-11 0 0 0,-1 11 0 0 0,1-11 0 0 0,-11 1-264 0 0,11-11 0 0 0,10 0 0 0 0,-10 0 0 0 0,-1 0-888 0 0,1-11-184 0 0,10 1-32 0 0,0 0-7 0 0</inkml:trace>
   <inkml:trace contextRef="#ctx0" brushRef="#br0" timeOffset="90574.7884">13416 11560 17879 0 0,'0'21'392'0'0,"0"-21"88"0"0,-11 10 8 0 0,11 1 16 0 0,0 10-408 0 0,-10-11-96 0 0,10 11 0 0 0,0-11 0 0 0,10 11 264 0 0,-10 0 32 0 0,0-11 8 0 0,0 0 0 0 0,11 1-232 0 0,-11-1-72 0 0,0 1 0 0 0,10-11 0 0 0,-10 10 0 0 0,0-10 0 0 0,10 0-96 0 0,-10-10 24 0 0,11-1-8 0 0,-11 1 0 0 0,0-1 0 0 0,10 1 0 0 0,-10-11 8 0 0,0 0 0 0 0,11 1 0 0 0,-11-1 0 0 0,0 11-192 0 0,10-11-40 0 0,-10 0-8 0 0,0 11 0 0 0,10-1 88 0 0,-10 1 24 0 0,0-1 0 0 0,11 11 0 0 0,-11 0 200 0 0,0 0 0 0 0,0 0 0 0 0,0 11 0 0 0,0 10 136 0 0,0-11 24 0 0,0 11 0 0 0,0 0 0 0 0,0-1-88 0 0,0 11-8 0 0,0-20-64 0 0,10 10 96 0 0,-10-1-16 0 0,10 1-8 0 0,1-10 0 0 0,-11-1 0 0 0,10-10-72 0 0,1 0-72 0 0,-1 0 72 0 0,0-10-5207 0 0,1-1-977 0 0</inkml:trace>
   <inkml:trace contextRef="#ctx0" brushRef="#br0" timeOffset="90826.0094">13644 10969 19295 0 0,'0'0'424'0'0,"0"11"88"0"0,-11-1 24 0 0,11 11 0 0 0,0-1-432 0 0,0 12-104 0 0,0 9 0 0 0,11 0 0 0 0,-11 11 200 0 0,10 0 24 0 0,-10 10 0 0 0,11-10 0 0 0,-11 10-224 0 0,10-10 0 0 0,0 0 64 0 0,-10-10-64 0 0,11-1 0 0 0,-1 0-96 0 0,-10-9 16 0 0,10-12 8 0 0,-10 1-288 0 0,11 0-56 0 0,-11-11-16 0 0,0 1-5199 0 0,0-11-1033 0 0</inkml:trace>
   <inkml:trace contextRef="#ctx0" brushRef="#br0" timeOffset="90989.0101">13457 11332 22607 0 0,'0'0'496'0'0,"0"0"104"0"0,11 0 16 0 0,-11 0 24 0 0,20 11-512 0 0,-9-11-128 0 0,10 0 0 0 0,-1 0 0 0 0,11 0 216 0 0,-10 0 16 0 0,10-11 8 0 0,0 11 0 0 0,1-10-560 0 0,-1 10-104 0 0,0 0-24 0 0,-10-11-6240 0 0,-1 11-1239 0 0</inkml:trace>
-  <inkml:trace contextRef="#ctx0" brushRef="#br0" timeOffset="91776.0123">12513 12545 6120 0 0,'0'0'168'0'0,"0"0"48"0"0,0 0-216 0 0,0 0 0 0 0,0-11 0 0 0,0 11 0 0 0,0 0 160 0 0,0-10-16 0 0,0 0 0 0 0,0 10 0 0 0,0-11 96 0 0,0 1 16 0 0,0 10 8 0 0,0-11 0 0 0,11 1 344 0 0,-11 10 72 0 0,0-10 16 0 0,0-1 0 0 0,10 1 96 0 0,-10 10 16 0 0,0 0 8 0 0,0-10 0 0 0,11-1-152 0 0,-11 11-32 0 0,0 0-8 0 0,0 0-1 0 0,0 0-95 0 0,0 11-16 0 0,10-1-8 0 0,-10 0 0 0 0,10 11-64 0 0,-10 0-16 0 0,0 10 0 0 0,11 10 0 0 0,-11-9-224 0 0,10 9-40 0 0,-10 1-16 0 0,0-1 0 0 0,0 1-16 0 0,11-11-8 0 0,-11 0 0 0 0,0 0 0 0 0,0 0-32 0 0,-11-10-8 0 0,11 0 0 0 0,0-11 0 0 0,0 11-240 0 0,0-21-40 0 0,0 0-16 0 0,11-11-5471 0 0,-11 1-1097 0 0</inkml:trace>
+  <inkml:trace contextRef="#ctx0" brushRef="#br0" timeOffset="91776.0122">12513 12545 6120 0 0,'0'0'168'0'0,"0"0"48"0"0,0 0-216 0 0,0 0 0 0 0,0-11 0 0 0,0 11 0 0 0,0 0 160 0 0,0-10-16 0 0,0 0 0 0 0,0 10 0 0 0,0-11 96 0 0,0 1 16 0 0,0 10 8 0 0,0-11 0 0 0,11 1 344 0 0,-11 10 72 0 0,0-10 16 0 0,0-1 0 0 0,10 1 96 0 0,-10 10 16 0 0,0 0 8 0 0,0-10 0 0 0,11-1-152 0 0,-11 11-32 0 0,0 0-8 0 0,0 0-1 0 0,0 0-95 0 0,0 11-16 0 0,10-1-8 0 0,-10 0 0 0 0,10 11-64 0 0,-10 0-16 0 0,0 10 0 0 0,11 10 0 0 0,-11-9-224 0 0,10 9-40 0 0,-10 1-16 0 0,0-1 0 0 0,0 1-16 0 0,11-11-8 0 0,-11 0 0 0 0,0 0 0 0 0,0 0-32 0 0,-11-10-8 0 0,11 0 0 0 0,0-11 0 0 0,0 11-240 0 0,0-21-40 0 0,0 0-16 0 0,11-11-5471 0 0,-11 1-1097 0 0</inkml:trace>
   <inkml:trace contextRef="#ctx0" brushRef="#br0" timeOffset="91991.223">12575 12390 20183 0 0,'0'0'448'0'0,"0"0"88"0"0,0 0 16 0 0,0 0 16 0 0,0 0-456 0 0,11 0-112 0 0,-11 0 0 0 0,10-11 0 0 0,11 11 280 0 0,-11 0 32 0 0,11 0 8 0 0,0 0 0 0 0,0 0-120 0 0,-1-10-16 0 0,12 10-8 0 0,-12 0 0 0 0,1-11-176 0 0,0 11 0 0 0,0 0-80 0 0,-1 0 80 0 0,1-10-88 0 0,-10 10 88 0 0,9 0-80 0 0,-9 0 80 0 0,-1 10-312 0 0,0-10-8 0 0,1 0-8 0 0,-11 0-5896 0 0,0 11-1175 0 0</inkml:trace>
-  <inkml:trace contextRef="#ctx0" brushRef="#br0" timeOffset="92165.0118">12596 12659 20423 0 0,'0'0'576'0'0,"0"0"128"0"0,0 0-560 0 0,0 11-144 0 0,11-1 0 0 0,-1-10 0 0 0,0 11 416 0 0,1-11 64 0 0,9 10 0 0 0,1-10 8 0 0,10 0-328 0 0,0 0-72 0 0,0 0-16 0 0,-10-10 0 0 0,10-1-608 0 0,0 1-120 0 0,-10-11-24 0 0,0 10-8279 0 0</inkml:trace>
-  <inkml:trace contextRef="#ctx0" brushRef="#br0" timeOffset="92325.0102">12970 12710 21079 0 0,'0'0'464'0'0,"-10"11"96"0"0,10-1 16 0 0,-11 1 16 0 0,11-1-472 0 0,0 0-120 0 0,0 1 0 0 0,11-1 0 0 0,-11 0 72 0 0,10-10-8 0 0,0 11 0 0 0,1-1 0 0 0,-1 0-328 0 0,0-10-72 0 0,-10 11-16 0 0,11-11 0 0 0,-1 0-40 0 0,-10 0-16 0 0,11-11 0 0 0,-11 1 0 0 0,0 10-288 0 0,0-21-56 0 0,0 11-16 0 0</inkml:trace>
+  <inkml:trace contextRef="#ctx0" brushRef="#br0" timeOffset="92165.0117">12596 12659 20423 0 0,'0'0'576'0'0,"0"0"128"0"0,0 0-560 0 0,0 11-144 0 0,11-1 0 0 0,-1-10 0 0 0,0 11 416 0 0,1-11 64 0 0,9 10 0 0 0,1-10 8 0 0,10 0-328 0 0,0 0-72 0 0,0 0-16 0 0,-10-10 0 0 0,10-1-608 0 0,0 1-120 0 0,-10-11-24 0 0,0 10-8279 0 0</inkml:trace>
+  <inkml:trace contextRef="#ctx0" brushRef="#br0" timeOffset="92325.0101">12970 12710 21079 0 0,'0'0'464'0'0,"-10"11"96"0"0,10-1 16 0 0,-11 1 16 0 0,11-1-472 0 0,0 0-120 0 0,0 1 0 0 0,11-1 0 0 0,-11 0 72 0 0,10-10-8 0 0,0 11 0 0 0,1-1 0 0 0,-1 0-328 0 0,0-10-72 0 0,-10 11-16 0 0,11-11 0 0 0,-1 0-40 0 0,-10 0-16 0 0,11-11 0 0 0,-11 1 0 0 0,0 10-288 0 0,0-21-56 0 0,0 11-16 0 0</inkml:trace>
   <inkml:trace contextRef="#ctx0" brushRef="#br0" timeOffset="92458.0093">12991 12316 16096 0 0,'0'0'455'0'0,"0"0"97"0"0,0 21-440 0 0,-11-10-112 0 0,11-1 0 0 0,0 0 0 0 0,0 11 288 0 0,11-11 40 0 0,-11 11 8 0 0,10-10-5135 0 0,-10-1-1033 0 0</inkml:trace>
-  <inkml:trace contextRef="#ctx0" brushRef="#br0" timeOffset="92812.0127">13219 12680 18031 0 0,'0'0'512'0'0,"0"0"112"0"0,-11 10-496 0 0,11-10-128 0 0,0 0 0 0 0,0 0 0 0 0,11 0 376 0 0,-11 0 48 0 0,0 0 16 0 0,0 11 0 0 0,0-11-344 0 0,0 0-96 0 0,0 10 0 0 0,10-10 64 0 0,-10 0-64 0 0,0 10 0 0 0,11-10 0 0 0,-11 11 0 0 0,0-11 0 0 0,0 0 64 0 0,0 0-64 0 0,0 10 64 0 0,0-10-64 0 0,0 0 0 0 0,10 0-64 0 0,-10 0 64 0 0,10 0-160 0 0,-10-10 16 0 0,11 10 0 0 0,-11-11 0 0 0,10 1 0 0 0,-10 0 0 0 0,10 10 0 0 0,-10-11 0 0 0,11 1-8 0 0,-11 10 0 0 0,10-11 0 0 0,-10 11 0 0 0,10 0 152 0 0,-10 0 0 0 0,0 0 0 0 0,11 11 0 0 0,-1-1 96 0 0,-10 11 56 0 0,11-11 8 0 0,-1 11 0 0 0,-10-11-160 0 0,0 11 0 0 0,10-10 0 0 0,-10 9 0 0 0,11-9-168 0 0,-11 9-64 0 0,0-20-16 0 0,10 21-4943 0 0,-10-21-993 0 0</inkml:trace>
-  <inkml:trace contextRef="#ctx0" brushRef="#br0" timeOffset="93173.0118">13561 12669 18543 0 0,'0'11'528'0'0,"0"-11"112"0"0,0 0-512 0 0,-10 10-128 0 0,10 1 0 0 0,0-11 0 0 0,0 0 304 0 0,0 0 40 0 0,0 0 8 0 0,0 0 0 0 0,0 0-352 0 0,0 0 0 0 0,-11 0-128 0 0,1 0 40 0 0,10 0 88 0 0,-10 0 0 0 0,-1 10 0 0 0,1 0 0 0 0,10-10 0 0 0,-11 11 64 0 0,1-1-64 0 0,10 0 88 0 0,-10 1-88 0 0,10-11 0 0 0,-11 10 0 0 0,11 1 0 0 0,0-1 0 0 0,0-10 0 0 0,0 10-72 0 0,0-10 72 0 0,11 0 0 0 0,-11 11-80 0 0,10-11 80 0 0,-10 0-64 0 0,10 0 0 0 0,1-11 0 0 0,-11 1 0 0 0,0 10 0 0 0,10-10-64 0 0,1-1 0 0 0,-1 1-8 0 0,-10-1 0 0 0,10 1-88 0 0,-10 0-24 0 0,11-1 0 0 0,-11 1 0 0 0,10 0 56 0 0,-10-1 0 0 0,0 11 8 0 0,0 0 0 0 0,0 0 184 0 0,0 11 0 0 0,11-11 0 0 0,-11 20 0 0 0,0-9 72 0 0,0-1 24 0 0,0 11 8 0 0,0 0 0 0 0,10-11-104 0 0,-10 0 0 0 0,0 11 0 0 0,0-11 0 0 0,0 1-64 0 0,10-1-40 0 0,-10 0-8 0 0,11-10-4839 0 0,-11 11-969 0 0</inkml:trace>
+  <inkml:trace contextRef="#ctx0" brushRef="#br0" timeOffset="92812.0126">13219 12680 18031 0 0,'0'0'512'0'0,"0"0"112"0"0,-11 10-496 0 0,11-10-128 0 0,0 0 0 0 0,0 0 0 0 0,11 0 376 0 0,-11 0 48 0 0,0 0 16 0 0,0 11 0 0 0,0-11-344 0 0,0 0-96 0 0,0 10 0 0 0,10-10 64 0 0,-10 0-64 0 0,0 10 0 0 0,11-10 0 0 0,-11 11 0 0 0,0-11 0 0 0,0 0 64 0 0,0 0-64 0 0,0 10 64 0 0,0-10-64 0 0,0 0 0 0 0,10 0-64 0 0,-10 0 64 0 0,10 0-160 0 0,-10-10 16 0 0,11 10 0 0 0,-11-11 0 0 0,10 1 0 0 0,-10 0 0 0 0,10 10 0 0 0,-10-11 0 0 0,11 1-8 0 0,-11 10 0 0 0,10-11 0 0 0,-10 11 0 0 0,10 0 152 0 0,-10 0 0 0 0,0 0 0 0 0,11 11 0 0 0,-1-1 96 0 0,-10 11 56 0 0,11-11 8 0 0,-1 11 0 0 0,-10-11-160 0 0,0 11 0 0 0,10-10 0 0 0,-10 9 0 0 0,11-9-168 0 0,-11 9-64 0 0,0-20-16 0 0,10 21-4943 0 0,-10-21-993 0 0</inkml:trace>
+  <inkml:trace contextRef="#ctx0" brushRef="#br0" timeOffset="93173.0117">13561 12669 18543 0 0,'0'11'528'0'0,"0"-11"112"0"0,0 0-512 0 0,-10 10-128 0 0,10 1 0 0 0,0-11 0 0 0,0 0 304 0 0,0 0 40 0 0,0 0 8 0 0,0 0 0 0 0,0 0-352 0 0,0 0 0 0 0,-11 0-128 0 0,1 0 40 0 0,10 0 88 0 0,-10 0 0 0 0,-1 10 0 0 0,1 0 0 0 0,10-10 0 0 0,-11 11 64 0 0,1-1-64 0 0,10 0 88 0 0,-10 1-88 0 0,10-11 0 0 0,-11 10 0 0 0,11 1 0 0 0,0-1 0 0 0,0-10 0 0 0,0 10-72 0 0,0-10 72 0 0,11 0 0 0 0,-11 11-80 0 0,10-11 80 0 0,-10 0-64 0 0,10 0 0 0 0,1-11 0 0 0,-11 1 0 0 0,0 10 0 0 0,10-10-64 0 0,1-1 0 0 0,-1 1-8 0 0,-10-1 0 0 0,10 1-88 0 0,-10 0-24 0 0,11-1 0 0 0,-11 1 0 0 0,10 0 56 0 0,-10-1 0 0 0,0 11 8 0 0,0 0 0 0 0,0 0 184 0 0,0 11 0 0 0,11-11 0 0 0,-11 20 0 0 0,0-9 72 0 0,0-1 24 0 0,0 11 8 0 0,0 0 0 0 0,10-11-104 0 0,-10 0 0 0 0,0 11 0 0 0,0-11 0 0 0,0 1-64 0 0,10-1-40 0 0,-10 0-8 0 0,11-10-4839 0 0,-11 11-969 0 0</inkml:trace>
   <inkml:trace contextRef="#ctx0" brushRef="#br0" timeOffset="93520.0171">13726 12669 16783 0 0,'-10'11'368'0'0,"10"-11"80"0"0,-10 21 8 0 0,10-21 24 0 0,0 10-384 0 0,0 0-96 0 0,0 11 0 0 0,0-10 0 0 0,0-1 480 0 0,0 0 72 0 0,-11 1 24 0 0,11-1 0 0 0,0 1-368 0 0,0-1-72 0 0,0 0-8 0 0,0-10-8 0 0,0 11 40 0 0,0-1 0 0 0,0-10 8 0 0,0 0 0 0 0,0 0-280 0 0,0 0-56 0 0,0 0-16 0 0,11 0 0 0 0,-11-10 0 0 0,0 10 0 0 0,0-11 0 0 0,10 1 0 0 0,0 0-40 0 0,-10-1-16 0 0,11 1 0 0 0,-11-1 0 0 0,10 1 64 0 0,0 0 16 0 0,-10-1 0 0 0,11 1 0 0 0,-11 10 160 0 0,10 0-72 0 0,-10-11 72 0 0,0 11 0 0 0,0 11 64 0 0,10-11 64 0 0,-10 10 8 0 0,11-10 8 0 0,-11 11 40 0 0,0-1 8 0 0,0 11 0 0 0,0-11 0 0 0,10 1-192 0 0,-10-1 64 0 0,0 0-64 0 0,0 1 0 0 0,11-1 0 0 0,-11-10-128 0 0,0 11 16 0 0,10-11 8 0 0,-10 10-304 0 0,10-10-56 0 0,-10 0-16 0 0,11-10-7007 0 0</inkml:trace>
   <inkml:trace contextRef="#ctx0" brushRef="#br0" timeOffset="93729.0141">14007 12700 17447 0 0,'-11'10'384'0'0,"11"-10"72"0"0,0 0 24 0 0,0 11 16 0 0,0-11-400 0 0,0 0-96 0 0,-10 0 0 0 0,10 10 0 0 0,0-10 352 0 0,0 0 40 0 0,0 0 16 0 0,0 0 0 0 0,-10 0-344 0 0,-1 11-64 0 0,11-11 0 0 0,-10 10 0 0 0,10 0 0 0 0,-11 1 0 0 0,11-1 0 0 0,-10 0 0 0 0,10 1 0 0 0,0 9 0 0 0,0-9 0 0 0,0-1 80 0 0,0 1-80 0 0,0-1 0 0 0,0-10 0 0 0,0 10 0 0 0,10-10-160 0 0,-10 11-40 0 0,0-11-16 0 0,0 0 0 0 0,11-11-512 0 0,-1 1-104 0 0,-10 0-16 0 0</inkml:trace>
   <inkml:trace contextRef="#ctx0" brushRef="#br0" timeOffset="93875.2833">14089 12762 18055 0 0,'0'0'392'0'0,"0"11"88"0"0,0-1 8 0 0,0 0 24 0 0,0 1-408 0 0,0 10-104 0 0,0-11 0 0 0,0 1 0 0 0,0-1 384 0 0,0 11 64 0 0,0-21 0 0 0,0 10 8 0 0,0 1-312 0 0,0-11-64 0 0,0 0-16 0 0,11-11 0 0 0,-1 1-1152 0 0,-10-11-224 0 0,11 0-56 0 0</inkml:trace>
-  <inkml:trace contextRef="#ctx0" brushRef="#br0" timeOffset="94012.0123">14152 12244 20991 0 0,'-11'21'600'0'0,"11"-10"120"0"0,-10-1-576 0 0,10 0-144 0 0,-11 11 0 0 0,11 0 0 0 0,0-11 440 0 0,0 11 56 0 0,0 0 16 0 0,0-11 0 0 0,0 11-896 0 0,0-11-184 0 0,0 11-32 0 0,0-11-8607 0 0</inkml:trace>
-  <inkml:trace contextRef="#ctx0" brushRef="#br0" timeOffset="94616.0163">14224 12711 16671 0 0,'0'0'368'0'0,"0"0"80"0"0,0 0 8 0 0,0 0 8 0 0,0 0-368 0 0,0 0-96 0 0,0 0 0 0 0,0 0 0 0 0,0 0 176 0 0,0 0 16 0 0,0 0 8 0 0,0 0 0 0 0,0 0-120 0 0,-10 10-80 0 0,10-10 96 0 0,-11 11-96 0 0,11-1 192 0 0,0 11-8 0 0,-10-11-8 0 0,10 1 0 0 0,-11 9 144 0 0,11-9 24 0 0,0 9 8 0 0,0-9 0 0 0,0-1-112 0 0,0 0-16 0 0,0 1-8 0 0,0-1 0 0 0,0-10-216 0 0,0 0 0 0 0,0 0 0 0 0,0 0 0 0 0,0 0-320 0 0,11 0-96 0 0,-1-10-32 0 0,1-1 0 0 0,-11 1-160 0 0,10 0-40 0 0,0-1-8 0 0,-10 1 0 0 0,11 0-80 0 0,-11-1-8 0 0,10 1-7 0 0,-10 0-1 0 0,11-11-48 0 0,-11 10 0 0 0,0 1-8 0 0,10 10 0 0 0,-10-10 648 0 0,0-1 160 0 0,0 11 0 0 0,0-10 0 0 0,0 0 0 0 0,0 10 0 0 0,0-11 96 0 0,0 11-32 0 0,0 0 224 0 0,0-10 32 0 0,10-1 16 0 0,-10 11 0 0 0,0 0 112 0 0,0 0 32 0 0,0 0 0 0 0,0 0 0 0 0,0 0 120 0 0,0 11 23 0 0,0-1 9 0 0,0 1 0 0 0,0-1-144 0 0,0 11-24 0 0,0-11-8 0 0,0 11 0 0 0,0 0-216 0 0,0-1-48 0 0,0-9 0 0 0,0 9-8 0 0,0-9-120 0 0,11-1-64 0 0,-11 0 80 0 0,0 1-80 0 0,0-1 0 0 0,10-10-160 0 0,-10 0 32 0 0,0 0-5279 0 0,11 0-1057 0 0</inkml:trace>
-  <inkml:trace contextRef="#ctx0" brushRef="#br0" timeOffset="94827.0125">14421 12161 18863 0 0,'0'0'416'0'0,"0"0"80"0"0,0 0 16 0 0,0 0 24 0 0,0 0-432 0 0,0 0-104 0 0,0 11 0 0 0,0-1 0 0 0,0 11 584 0 0,11 0 96 0 0,-11 10 24 0 0,0 10 0 0 0,0 1-440 0 0,0 10-80 0 0,10-1-24 0 0,-10 1 0 0 0,0 10-96 0 0,-10 1-64 0 0,10-12 80 0 0,0 1-80 0 0,0 0 0 0 0,0-10-96 0 0,0-11 8 0 0,0 0-6408 0 0,0 0-1287 0 0</inkml:trace>
-  <inkml:trace contextRef="#ctx0" brushRef="#br0" timeOffset="95342.0121">12762 13167 13760 0 0,'0'0'304'0'0,"0"0"64"0"0,0 0 16 0 0,0 0 0 0 0,0 0-312 0 0,0 0-72 0 0,0 0 0 0 0,0 0 0 0 0,11 10 688 0 0,-11 1 119 0 0,10-1 25 0 0,-10 11 8 0 0,10 0-312 0 0,-10 0-64 0 0,0 10-16 0 0,11-11 0 0 0,-11 12-256 0 0,0-1-48 0 0,0 10-16 0 0,0-10 0 0 0,0-10 0 0 0,10 10 0 0 0,-10-10 0 0 0,0 0 0 0 0,0 0-128 0 0,0-11 0 0 0,0 0 0 0 0,0-10 0 0 0,11 11-480 0 0,-11-11-120 0 0,0-11-24 0 0,0 1-7335 0 0</inkml:trace>
+  <inkml:trace contextRef="#ctx0" brushRef="#br0" timeOffset="94012.0122">14152 12244 20991 0 0,'-11'21'600'0'0,"11"-10"120"0"0,-10-1-576 0 0,10 0-144 0 0,-11 11 0 0 0,11 0 0 0 0,0-11 440 0 0,0 11 56 0 0,0 0 16 0 0,0-11 0 0 0,0 11-896 0 0,0-11-184 0 0,0 11-32 0 0,0-11-8607 0 0</inkml:trace>
+  <inkml:trace contextRef="#ctx0" brushRef="#br0" timeOffset="94616.0162">14224 12711 16671 0 0,'0'0'368'0'0,"0"0"80"0"0,0 0 8 0 0,0 0 8 0 0,0 0-368 0 0,0 0-96 0 0,0 0 0 0 0,0 0 0 0 0,0 0 176 0 0,0 0 16 0 0,0 0 8 0 0,0 0 0 0 0,0 0-120 0 0,-10 10-80 0 0,10-10 96 0 0,-11 11-96 0 0,11-1 192 0 0,0 11-8 0 0,-10-11-8 0 0,10 1 0 0 0,-11 9 144 0 0,11-9 24 0 0,0 9 8 0 0,0-9 0 0 0,0-1-112 0 0,0 0-16 0 0,0 1-8 0 0,0-1 0 0 0,0-10-216 0 0,0 0 0 0 0,0 0 0 0 0,0 0 0 0 0,0 0-320 0 0,11 0-96 0 0,-1-10-32 0 0,1-1 0 0 0,-11 1-160 0 0,10 0-40 0 0,0-1-8 0 0,-10 1 0 0 0,11 0-80 0 0,-11-1-8 0 0,10 1-7 0 0,-10 0-1 0 0,11-11-48 0 0,-11 10 0 0 0,0 1-8 0 0,10 10 0 0 0,-10-10 648 0 0,0-1 160 0 0,0 11 0 0 0,0-10 0 0 0,0 0 0 0 0,0 10 0 0 0,0-11 96 0 0,0 11-32 0 0,0 0 224 0 0,0-10 32 0 0,10-1 16 0 0,-10 11 0 0 0,0 0 112 0 0,0 0 32 0 0,0 0 0 0 0,0 0 0 0 0,0 0 120 0 0,0 11 23 0 0,0-1 9 0 0,0 1 0 0 0,0-1-144 0 0,0 11-24 0 0,0-11-8 0 0,0 11 0 0 0,0 0-216 0 0,0-1-48 0 0,0-9 0 0 0,0 9-8 0 0,0-9-120 0 0,11-1-64 0 0,-11 0 80 0 0,0 1-80 0 0,0-1 0 0 0,10-10-160 0 0,-10 0 32 0 0,0 0-5279 0 0,11 0-1057 0 0</inkml:trace>
+  <inkml:trace contextRef="#ctx0" brushRef="#br0" timeOffset="94827.0124">14421 12161 18863 0 0,'0'0'416'0'0,"0"0"80"0"0,0 0 16 0 0,0 0 24 0 0,0 0-432 0 0,0 0-104 0 0,0 11 0 0 0,0-1 0 0 0,0 11 584 0 0,11 0 96 0 0,-11 10 24 0 0,0 10 0 0 0,0 1-440 0 0,0 10-80 0 0,10-1-24 0 0,-10 1 0 0 0,0 10-96 0 0,-10 1-64 0 0,10-12 80 0 0,0 1-80 0 0,0 0 0 0 0,0-10-96 0 0,0-11 8 0 0,0 0-6408 0 0,0 0-1287 0 0</inkml:trace>
+  <inkml:trace contextRef="#ctx0" brushRef="#br0" timeOffset="95342.012">12762 13167 13760 0 0,'0'0'304'0'0,"0"0"64"0"0,0 0 16 0 0,0 0 0 0 0,0 0-312 0 0,0 0-72 0 0,0 0 0 0 0,0 0 0 0 0,11 10 688 0 0,-11 1 119 0 0,10-1 25 0 0,-10 11 8 0 0,10 0-312 0 0,-10 0-64 0 0,0 10-16 0 0,11-11 0 0 0,-11 12-256 0 0,0-1-48 0 0,0 10-16 0 0,0-10 0 0 0,0-10 0 0 0,10 10 0 0 0,-10-10 0 0 0,0 0 0 0 0,0 0-128 0 0,0-11 0 0 0,0 0 0 0 0,0-10 0 0 0,11 11-480 0 0,-11-11-120 0 0,0-11-24 0 0,0 1-7335 0 0</inkml:trace>
   <inkml:trace contextRef="#ctx0" brushRef="#br0" timeOffset="95626.0721">12628 13239 17135 0 0,'0'0'376'0'0,"0"0"72"0"0,0 0 24 0 0,-11 0 8 0 0,11 0-384 0 0,0 0-96 0 0,0 0 0 0 0,0 0 0 0 0,11 11 608 0 0,-1-11 96 0 0,1 0 16 0 0,9 10 8 0 0,1-10-360 0 0,0 11-72 0 0,10-11-8 0 0,0 0-8 0 0,0 0-184 0 0,0 0-32 0 0,0 0 0 0 0,0 0-64 0 0,0 0-96 0 0,1 0-64 0 0,-12-11-24 0 0,1 11-5920 0 0,10-10-1183 0 0</inkml:trace>
   <inkml:trace contextRef="#ctx0" brushRef="#br0" timeOffset="95791.0088">12763 13779 20759 0 0,'0'0'456'0'0,"0"0"96"0"0,-11 10 24 0 0,11-10 0 0 0,0 0-456 0 0,11 10-120 0 0,-1-10 0 0 0,0 0 0 0 0,11-10 0 0 0,0 10 0 0 0,0-10 0 0 0,10-1-80 0 0,-10 1-112 0 0,10-1-16 0 0,0 1-8 0 0,-10 0 0 0 0,10-1-24 0 0,-10 1-8 0 0,-1-1 0 0 0,-9 11 0 0 0,9-10-32 0 0,1 0-8 0 0,-10 10 0 0 0,-1 0-5159 0 0,-10-11-1041 0 0</inkml:trace>
   <inkml:trace contextRef="#ctx0" brushRef="#br0" timeOffset="95942.0517">13218 13467 17135 0 0,'0'0'376'0'0,"0"0"72"0"0,0 0 24 0 0,0 11 8 0 0,0-11-384 0 0,0 0-96 0 0,11 10 0 0 0,-11 0 0 0 0,10 1 80 0 0,-10-1-8 0 0,10 1 0 0 0,-10 9 0 0 0,0-9-72 0 0,11 10 64 0 0,-11-11-64 0 0,0 11 64 0 0,0-1 144 0 0,0 1 24 0 0,-11-10 8 0 0,11 9 0 0 0,0-9 80 0 0,0-1 8 0 0,0 1 8 0 0,-10-11 0 0 0,10 0-336 0 0,0 0-128 0 0,0-11 8 0 0,0 1-5607 0 0,10-1-1129 0 0</inkml:trace>
-  <inkml:trace contextRef="#ctx0" brushRef="#br0" timeOffset="96125.0118">13395 13467 17247 0 0,'0'21'384'0'0,"0"-11"72"0"0,0 11 24 0 0,10 0 0 0 0,-10-11-384 0 0,0 11-96 0 0,0 0 0 0 0,11-1 0 0 0,-11 1 600 0 0,10 0 104 0 0,-10-11 16 0 0,0 1 8 0 0,10 9-472 0 0,-10-20-96 0 0,0 11-24 0 0,0-11 0 0 0,0 0-136 0 0,0 0-88 0 0,0 0 16 0 0,11 0 0 0 0,-11-11-680 0 0,0 1-136 0 0,10 0-24 0 0,-10-11-4495 0 0,11 10-897 0 0</inkml:trace>
+  <inkml:trace contextRef="#ctx0" brushRef="#br0" timeOffset="96125.0117">13395 13467 17247 0 0,'0'21'384'0'0,"0"-11"72"0"0,0 11 24 0 0,10 0 0 0 0,-10-11-384 0 0,0 11-96 0 0,0 0 0 0 0,11-1 0 0 0,-11 1 600 0 0,10 0 104 0 0,-10-11 16 0 0,0 1 8 0 0,10 9-472 0 0,-10-20-96 0 0,0 11-24 0 0,0-11 0 0 0,0 0-136 0 0,0 0-88 0 0,0 0 16 0 0,11 0 0 0 0,-11-11-680 0 0,0 1-136 0 0,10 0-24 0 0,-10-11-4495 0 0,11 10-897 0 0</inkml:trace>
   <inkml:trace contextRef="#ctx0" brushRef="#br0" timeOffset="96243.0266">13550 13582 7848 0 0,'0'0'224'0'0,"0"0"48"0"0</inkml:trace>
-  <inkml:trace contextRef="#ctx0" brushRef="#br0" timeOffset="96718.0126">13727 13519 14896 0 0,'0'11'416'0'0,"0"-11"104"0"0,-11 0-416 0 0,11 10-104 0 0,-10-10 0 0 0,10 0 0 0 0,0 10 535 0 0,-11-10 81 0 0,11 0 24 0 0,0 0 0 0 0,0 0-384 0 0,-10 0-80 0 0,10 0-16 0 0,-10 11 0 0 0,-1-11 56 0 0,11 10 8 0 0,-10-10 0 0 0,-1 11 0 0 0,1-11-96 0 0,0 10-24 0 0,-1 11 0 0 0,1-11 0 0 0,10 1-40 0 0,-10 9 0 0 0,-1-9-64 0 0,11-1 96 0 0,0 11 0 0 0,0-11 0 0 0,0 1 0 0 0,0-1 0 0 0,11 0-96 0 0,-11 1 72 0 0,10-11-72 0 0,-10 0 64 0 0,10 0-64 0 0,1 0 0 0 0,-1-11-96 0 0,0 1 96 0 0,11 0 0 0 0,-10-11 0 0 0,9 0 0 0 0,-9-10 0 0 0,10 10 0 0 0,-11-10 0 0 0,0 0 0 0 0,11 0 0 0 0,-11 0-160 0 0,1-1-16 0 0,-1 12-8 0 0,1-11 0 0 0,-11 10-136 0 0,10 0-24 0 0,-10 0-8 0 0,0 1 0 0 0,10-1 200 0 0,-10 10 40 0 0,0 1 8 0 0,0 0 0 0 0,-10-1 224 0 0,10 11 40 0 0,0 0 16 0 0,0 0 0 0 0,0 0 240 0 0,0 11 56 0 0,0-1 8 0 0,0 11 0 0 0,-10 0-304 0 0,10-1-56 0 0,0 11-16 0 0,0 1 0 0 0,0 9-328 0 0,-11-10-64 0 0,11 11-8 0 0,0-11-8 0 0,0 0-344 0 0,0 11-72 0 0,11-22-16 0 0,-11 1 0 0 0,0 0 264 0 0,10 0 56 0 0,-10-11 1 0 0,10 0-3977 0 0,1-10-800 0 0</inkml:trace>
-  <inkml:trace contextRef="#ctx0" brushRef="#br0" timeOffset="96910.0222">13975 13675 18815 0 0,'0'10'536'0'0,"-10"1"104"0"0,10-1-512 0 0,0 1-128 0 0,0-1 0 0 0,-11 0 0 0 0,11-10 704 0 0,0 11 120 0 0,0-11 16 0 0,0 0 8 0 0,0 0-632 0 0,0 0-128 0 0,0 0-24 0 0,0 0-64 0 0,0-11-336 0 0,0 1-120 0 0,0 0-24 0 0,0-11-5567 0 0,0 0-1121 0 0</inkml:trace>
+  <inkml:trace contextRef="#ctx0" brushRef="#br0" timeOffset="96718.0125">13727 13519 14896 0 0,'0'11'416'0'0,"0"-11"104"0"0,-11 0-416 0 0,11 10-104 0 0,-10-10 0 0 0,10 0 0 0 0,0 10 535 0 0,-11-10 81 0 0,11 0 24 0 0,0 0 0 0 0,0 0-384 0 0,-10 0-80 0 0,10 0-16 0 0,-10 11 0 0 0,-1-11 56 0 0,11 10 8 0 0,-10-10 0 0 0,-1 11 0 0 0,1-11-96 0 0,0 10-24 0 0,-1 11 0 0 0,1-11 0 0 0,10 1-40 0 0,-10 9 0 0 0,-1-9-64 0 0,11-1 96 0 0,0 11 0 0 0,0-11 0 0 0,0 1 0 0 0,0-1 0 0 0,11 0-96 0 0,-11 1 72 0 0,10-11-72 0 0,-10 0 64 0 0,10 0-64 0 0,1 0 0 0 0,-1-11-96 0 0,0 1 96 0 0,11 0 0 0 0,-10-11 0 0 0,9 0 0 0 0,-9-10 0 0 0,10 10 0 0 0,-11-10 0 0 0,0 0 0 0 0,11 0 0 0 0,-11 0-160 0 0,1-1-16 0 0,-1 12-8 0 0,1-11 0 0 0,-11 10-136 0 0,10 0-24 0 0,-10 0-8 0 0,0 1 0 0 0,10-1 200 0 0,-10 10 40 0 0,0 1 8 0 0,0 0 0 0 0,-10-1 224 0 0,10 11 40 0 0,0 0 16 0 0,0 0 0 0 0,0 0 240 0 0,0 11 56 0 0,0-1 8 0 0,0 11 0 0 0,-10 0-304 0 0,10-1-56 0 0,0 11-16 0 0,0 1 0 0 0,0 9-328 0 0,-11-10-64 0 0,11 11-8 0 0,0-11-8 0 0,0 0-344 0 0,0 11-72 0 0,11-22-16 0 0,-11 1 0 0 0,0 0 264 0 0,10 0 56 0 0,-10-11 1 0 0,10 0-3977 0 0,1-10-800 0 0</inkml:trace>
+  <inkml:trace contextRef="#ctx0" brushRef="#br0" timeOffset="96910.0221">13975 13675 18815 0 0,'0'10'536'0'0,"-10"1"104"0"0,10-1-512 0 0,0 1-128 0 0,0-1 0 0 0,-11 0 0 0 0,11-10 704 0 0,0 11 120 0 0,0-11 16 0 0,0 0 8 0 0,0 0-632 0 0,0 0-128 0 0,0 0-24 0 0,0 0-64 0 0,0-11-336 0 0,0 1-120 0 0,0 0-24 0 0,0-11-5567 0 0,0 0-1121 0 0</inkml:trace>
   <inkml:trace contextRef="#ctx0" brushRef="#br0" timeOffset="97045.0093">14017 13177 17471 0 0,'-11'32'496'0'0,"11"-12"104"0"0,-10-9-480 0 0,10 10-120 0 0,-11-1 0 0 0,11 1 0 0 0,0 0 704 0 0,-10 0 112 0 0,10-1 24 0 0,0 1 8 0 0,0-10-760 0 0,0-1-152 0 0,10 0-32 0 0,-10 1-5735 0 0,0-11-1145 0 0</inkml:trace>
   <inkml:trace contextRef="#ctx0" brushRef="#br0" timeOffset="97291.011">14173 13571 17191 0 0,'0'0'376'0'0,"0"0"72"0"0,0 0 24 0 0,0 0 16 0 0,0 0-392 0 0,0 0-96 0 0,-11 0 0 0 0,11 0 0 0 0,-10-10 72 0 0,10-1-8 0 0,-11 11 0 0 0,1-10 0 0 0,10-1-64 0 0,-10 11 0 0 0,10 0 0 0 0,-11 0 0 0 0,1 11 344 0 0,0-1 72 0 0,10 1 24 0 0,-11 9 0 0 0,1-9 40 0 0,10 10 16 0 0,-10-1 0 0 0,10 1 0 0 0,-11 10-152 0 0,11-10-32 0 0,0 0-8 0 0,0 0 0 0 0,0-11-160 0 0,0 11-32 0 0,11-11-8 0 0,-11 0 0 0 0,10-10-184 0 0,-10 11-40 0 0,21-11-8 0 0,-21-11 0 0 0,20 11-456 0 0,-9-10-96 0 0,-1-11-24 0 0,11 11-5319 0 0,-11-11-1073 0 0</inkml:trace>
-  <inkml:trace contextRef="#ctx0" brushRef="#br0" timeOffset="101422.0158">14308 13519 16439 0 0,'0'0'360'0'0,"-11"11"80"0"0,11-11 8 0 0,0 10 16 0 0,0 1-368 0 0,-10-1-96 0 0,10 0 0 0 0,-10 1 0 0 0,10-1 648 0 0,0 11 120 0 0,-11 0 16 0 0,11-1 8 0 0,0-9-384 0 0,-10 9-80 0 0,10 1-8 0 0,0 0-8 0 0,0-11-224 0 0,0 11-88 0 0,0-11 64 0 0,0 1-64 0 0,0-11-104 0 0,0 10-64 0 0,10-10-16 0 0,-10 0 0 0 0,0 0-520 0 0,11-10-96 0 0,-11-1-32 0 0,10 1-4551 0 0,0 0-921 0 0</inkml:trace>
-  <inkml:trace contextRef="#ctx0" brushRef="#br0" timeOffset="101423.0158">14380 13582 15608 0 0,'0'0'344'0'0,"0"10"72"0"0,0 0 7 0 0,0 1 17 0 0,-10-1-352 0 0,10 11-88 0 0,0-11 0 0 0,0 1 0 0 0,0-1 208 0 0,0 11 24 0 0,10-11 8 0 0,-10 0 0 0 0,0 1-648 0 0,0-1-128 0 0,0-10-24 0 0</inkml:trace>
-  <inkml:trace contextRef="#ctx0" brushRef="#br0" timeOffset="101424.0158">14494 13260 18431 0 0,'0'0'408'0'0,"-10"0"80"0"0,10-10 24 0 0,0-1 0 0 0,0 11-416 0 0,0-10-96 0 0,0 10 0 0 0,0 0 0 0 0,0 0 424 0 0,0 0 64 0 0,0 0 16 0 0,0 0 0 0 0,0 10-416 0 0,0 11-88 0 0,0 0 0 0 0,0 0 0 0 0,0 10 0 0 0,-10 10 0 0 0,10 1-80 0 0,-11-1 80 0 0,11 11 0 0 0,-10-10 0 0 0,0 9 0 0 0,10-9 0 0 0,-11 10 0 0 0,11-21 0 0 0,-10 10 0 0 0,10-10 0 0 0,0-10 0 0 0,-11 0-128 0 0,11 0 24 0 0,0-11-5815 0 0,0-10-1169 0 0</inkml:trace>
-  <inkml:trace contextRef="#ctx0" brushRef="#br0" timeOffset="101425.0158">14443 13447 20095 0 0,'0'21'448'0'0,"-11"-11"88"0"0,11 0 16 0 0,11 1 8 0 0,-11-1-448 0 0,0 11-112 0 0,0-11 0 0 0,0 1 0 0 0,10-11 344 0 0,0 10 40 0 0,-10 0 16 0 0,11-10 0 0 0,-1 0-400 0 0,-10 0 0 0 0,10 0-112 0 0,-10 0 24 0 0,11 0-456 0 0,-11 0-96 0 0,0 0-24 0 0,10 0 0 0 0,-10-10-424 0 0,0 10-80 0 0,0 0-16 0 0,0 0-8 0 0,0-10-295 0 0,0 10-57 0 0,0 0-16 0 0,0 0 0 0 0,0 0-8 0 0,10 10 0 0 0,-10 0 0 0 0,0-10 0 0 0,11 21 1440 0 0,-11-11 288 0 0,0 11 64 0 0,0 0 0 0 0,0 0 1128 0 0,0-11 224 0 0,0 11 48 0 0,10-1 8 0 0,-10-9-40 0 0,11-1-8 0 0,-11 11 0 0 0,10-11-1 0 0,0 1-647 0 0,-10-11-128 0 0,11 10-24 0 0,-1-10-8 0 0,-10 0-608 0 0,10 0-168 0 0,1 0 64 0 0,-11-10-64 0 0,10 10-120 0 0,1-11-40 0 0,-11 1-16 0 0,10-11 0 0 0,-10 11-144 0 0,0-1-24 0 0,0 1-8 0 0,10 0 0 0 0,-10-1 120 0 0,0-9 16 0 0,0 9 8 0 0,0 1 0 0 0,0 0 208 0 0,0-1-64 0 0,-10 1 64 0 0,10 10 0 0 0,-10-11 0 0 0,10 1 72 0 0,0 10 0 0 0,0 0 0 0 0,0 0 64 0 0,0 0 16 0 0,0 0 0 0 0,0 0 0 0 0,0 0-152 0 0,0 0 0 0 0,0 0 0 0 0</inkml:trace>
-  <inkml:trace contextRef="#ctx0" brushRef="#br0" timeOffset="101426.0158">14712 13716 18919 0 0,'0'21'416'0'0,"-10"-10"80"0"0,10-1 16 0 0,0-10 32 0 0,0 10-440 0 0,0 1-104 0 0,0-1 0 0 0,10-10 0 0 0,-10 0 120 0 0,0 0 0 0 0,10-10 0 0 0,-10 10 0 0 0,11-11-792 0 0,-1 1-160 0 0,1-11-32 0 0,-11 0-8 0 0,10 11-256 0 0,0-11-55 0 0,1 1-1 0 0,-1 9-8 0 0,-10-9 496 0 0,10-1 104 0 0,1 10 16 0 0,-11 1 8 0 0,10 0 568 0 0,-10-1 0 0 0,0 11 136 0 0,0 0-24 0 0,11 0 400 0 0,-11 0 72 0 0,0 21 24 0 0,0-11 0 0 0,0 1 104 0 0,0 10 24 0 0,0-11 8 0 0,0 11-1 0 0,0-11-295 0 0,0 11-64 0 0,-11-11-16 0 0,11 11 0 0 0,0-11-256 0 0,0 1-48 0 0,0-1-64 0 0</inkml:trace>
-  <inkml:trace contextRef="#ctx0" brushRef="#br0" timeOffset="101427.0158">12286 10990 5696 0 0,'0'0'128'0'0,"0"0"24"0"0,-11 0 8 0 0,1 0 0 0 0,10-11-160 0 0,-10 11 0 0 0,10 0 0 0 0,-11 0 0 0 0,11 0-536 0 0,-10 0-136 0 0,0-10-24 0 0,10 10-8 0 0,-11 0 816 0 0,1 0 160 0 0,-1-11 32 0 0,1 11 8 0 0,10 0 784 0 0,-10 0 160 0 0,-1-10 32 0 0,11 10 8 0 0,-10 0-296 0 0,0-10-56 0 0,10 10-16 0 0,-11-11 0 0 0,11 11-176 0 0,-10 0-40 0 0,10 0-8 0 0,0 0 0 0 0,0 0-185 0 0,0 0-39 0 0,0 0 0 0 0,0 0-8 0 0,0 11-248 0 0,0-1-40 0 0,-11 11-16 0 0,22 0 0 0 0,-11-1-72 0 0,0 22-24 0 0,0 10 0 0 0,10 10 0 0 0,1 10 88 0 0,-11 11 24 0 0,10 0 0 0 0,0 21 0 0 0,-10 10-120 0 0,11 0-64 0 0,-11 0 80 0 0,10 11-80 0 0,0 9 0 0 0,-10-9 0 0 0,11-1 0 0 0,-11 1 0 0 0,0-11 0 0 0,10 10-64 0 0,-10-20-8 0 0,0 10 0 0 0,0-11 72 0 0,0-9 0 0 0,11-1 0 0 0,-11-10-64 0 0,10 10 64 0 0,-10-20 0 0 0,10 0 0 0 0,1-1-64 0 0,9-10-80 0 0,-9 11-16 0 0,9 0 0 0 0,12-1 0 0 0,-12-10-160 0 0,11 11-40 0 0,1-11-8 0 0,-1 0 0 0 0,-11 11 128 0 0,12-21 24 0 0,-12 0 8 0 0,11-1 0 0 0,-10 1 112 0 0,0-10 16 0 0,0-11 8 0 0,-1 0 0 0 0,1 0 144 0 0,10-10 32 0 0,0 0 8 0 0,-10-11 0 0 0,10 0-48 0 0,0 1 0 0 0,0-1-64 0 0,0-10 96 0 0,1-10 0 0 0,-1 10 0 0 0,10-11 0 0 0,-10 11 0 0 0,11-10 96 0 0,-1 0 8 0 0,1-1 8 0 0,9 1 0 0 0,1-1-24 0 0,0 1-8 0 0,0-11 0 0 0,10 21 0 0 0,-10 0-56 0 0,10-10-16 0 0,1 0 0 0 0,-1-1 0 0 0,10 22-104 0 0,-9-11 0 0 0,-12-11 0 0 0,12 1 0 0 0,-1 10 0 0 0,0-11 0 0 0,0 11 0 0 0,-10-10 0 0 0,0 0 0 0 0,0-1-64 0 0,0 11 64 0 0,-1 0 0 0 0,-9-10-64 0 0,-1 0 64 0 0,11 10 0 0 0,-10 0 0 0 0,-1-11 0 0 0,1 11-64 0 0,-11-20 64 0 0,10 20 0 0 0,-10-11 80 0 0,11 1 48 0 0,-21-1 0 0 0,10 1 8 0 0,0-11-48 0 0,-10 1-16 0 0,-1-1 0 0 0,1 0 0 0 0,0 0-8 0 0,-1 1 0 0 0,1-1 0 0 0,0 0 0 0 0,0-10 112 0 0,-1 10 16 0 0,1 1 8 0 0,0-12 0 0 0,0 1 64 0 0,-1-10 16 0 0,1-11 0 0 0,-11 11 0 0 0,11-1-192 0 0,-21 1-88 0 0,11-1 80 0 0,-1 1-80 0 0,-10-22 64 0 0,0 12-64 0 0,0-1 0 0 0,0 0 0 0 0,-10 0 0 0 0,10 0 0 0 0,-11-10 0 0 0,11 10 0 0 0,-10-10 0 0 0,-1 0-80 0 0,1 0 80 0 0,0-1-96 0 0,-1 1 96 0 0,1 0-96 0 0,-11 0 96 0 0,11 20-96 0 0,0-10 0 0 0,-11 1-8 0 0,10-1 0 0 0,-9-11 0 0 0,-1 12 104 0 0,11-12 0 0 0,-11 12 0 0 0,-10-43 0 0 0,10 11-88 0 0,0 11 8 0 0,-10-1 0 0 0,10 1 0 0 0,-10-1-96 0 0,11 0-16 0 0,-12 11-8 0 0,1 0 0 0 0,11 0 72 0 0,-11 10 24 0 0,10-10 0 0 0,-10 0 0 0 0,0-1 104 0 0,10 11 0 0 0,-10-10 0 0 0,10 10 0 0 0,0 1 0 0 0,-10-1 0 0 0,10 0 96 0 0,1 10-96 0 0,-1 1 224 0 0,0-11 0 0 0,0 11-8 0 0,1-1 0 0 0,-1 1 8 0 0,0-1 8 0 0,0 1 0 0 0,1-1 0 0 0,-1 11-104 0 0,0-10-16 0 0,1 10-8 0 0,-1-1 0 0 0,10 1-16 0 0,-9 0-8 0 0,-1 11 0 0 0,0-1 0 0 0,0 0-16 0 0,1 0-64 0 0,-11 1 96 0 0,10 9-32 0 0,-10 1 160 0 0,10-1 32 0 0,-20 1 8 0 0,9 0 0 0 0,1 10-160 0 0,-10 0-32 0 0,-11 0-8 0 0,11-11 0 0 0,-11 11-64 0 0,0 0 0 0 0,0 11-96 0 0,-10-11 96 0 0,0 0 0 0 0,-1 10 64 0 0,1-10 16 0 0,0 10 0 0 0,0-10 64 0 0,0 0 16 0 0,-11 11 0 0 0,11-11 0 0 0,0 10 64 0 0,-1-10 24 0 0,1 11 0 0 0,0-11 0 0 0,0 0-248 0 0,10 10-96 0 0,0-10 8 0 0,0 0 0 0 0,0 10 184 0 0,11-10 32 0 0,10 0 0 0 0,0 0 8 0 0,10 0-344 0 0,0 0-72 0 0,0 0-8 0 0,11-10-8 0 0,10 10-1144 0 0,-10-10-232 0 0,20 10-48 0 0,-10-11-8 0 0</inkml:trace>
-  <inkml:trace contextRef="#ctx0" brushRef="#br0" timeOffset="101428.0158">12068 11373 10656 0 0,'0'0'232'0'0,"0"0"56"0"0,0 0 0 0 0,0 0 8 0 0,0 0-232 0 0,0 0-64 0 0,0 0 0 0 0,0 0 0 0 0,0 0 272 0 0,0-10 48 0 0,10 10 0 0 0,-10 0 8 0 0,0 0-24 0 0,0 0-8 0 0,0-11 0 0 0,0 11 0 0 0,0 0 104 0 0,0 0 16 0 0,-10 0 8 0 0,10 0 0 0 0,0 0 24 0 0,0 0 7 0 0,0 0 1 0 0,0 0 0 0 0,-10 0-112 0 0,10 0-24 0 0,0 0-8 0 0,0 0 0 0 0,0 0-152 0 0,0-10-32 0 0,0 10-8 0 0,0 0 0 0 0,0 0-120 0 0,0 0 88 0 0,-11 0-88 0 0,11 0 80 0 0,0 0-80 0 0,0 0 64 0 0,-10-10-64 0 0,10 10 64 0 0,0 0 32 0 0,0 0 8 0 0,-10 0 0 0 0,10 0 0 0 0,0 0 64 0 0,0 0 16 0 0,0 0 0 0 0,-11-11 0 0 0,11 11-80 0 0,0 0-8 0 0,0 0-8 0 0,0 0 0 0 0,0 0-88 0 0,0 0 0 0 0,-10 0 0 0 0,-1 0 64 0 0,11 0-64 0 0,0 0-96 0 0,-10 0 16 0 0,10 0 8 0 0,-10 11-80 0 0,10-11-8 0 0,0 0-8 0 0,-11 0 0 0 0,1 0-152 0 0,10 0-32 0 0,0 0-8 0 0,-10 0-4887 0 0,-1 10-969 0 0</inkml:trace>
+  <inkml:trace contextRef="#ctx0" brushRef="#br0" timeOffset="101422.0157">14308 13519 16439 0 0,'0'0'360'0'0,"-11"11"80"0"0,11-11 8 0 0,0 10 16 0 0,0 1-368 0 0,-10-1-96 0 0,10 0 0 0 0,-10 1 0 0 0,10-1 648 0 0,0 11 120 0 0,-11 0 16 0 0,11-1 8 0 0,0-9-384 0 0,-10 9-80 0 0,10 1-8 0 0,0 0-8 0 0,0-11-224 0 0,0 11-88 0 0,0-11 64 0 0,0 1-64 0 0,0-11-104 0 0,0 10-64 0 0,10-10-16 0 0,-10 0 0 0 0,0 0-520 0 0,11-10-96 0 0,-11-1-32 0 0,10 1-4551 0 0,0 0-921 0 0</inkml:trace>
+  <inkml:trace contextRef="#ctx0" brushRef="#br0" timeOffset="101423.0157">14380 13582 15608 0 0,'0'0'344'0'0,"0"10"72"0"0,0 0 7 0 0,0 1 17 0 0,-10-1-352 0 0,10 11-88 0 0,0-11 0 0 0,0 1 0 0 0,0-1 208 0 0,0 11 24 0 0,10-11 8 0 0,-10 0 0 0 0,0 1-648 0 0,0-1-128 0 0,0-10-24 0 0</inkml:trace>
+  <inkml:trace contextRef="#ctx0" brushRef="#br0" timeOffset="101424.0157">14494 13260 18431 0 0,'0'0'408'0'0,"-10"0"80"0"0,10-10 24 0 0,0-1 0 0 0,0 11-416 0 0,0-10-96 0 0,0 10 0 0 0,0 0 0 0 0,0 0 424 0 0,0 0 64 0 0,0 0 16 0 0,0 0 0 0 0,0 10-416 0 0,0 11-88 0 0,0 0 0 0 0,0 0 0 0 0,0 10 0 0 0,-10 10 0 0 0,10 1-80 0 0,-11-1 80 0 0,11 11 0 0 0,-10-10 0 0 0,0 9 0 0 0,10-9 0 0 0,-11 10 0 0 0,11-21 0 0 0,-10 10 0 0 0,10-10 0 0 0,0-10 0 0 0,-11 0-128 0 0,11 0 24 0 0,0-11-5815 0 0,0-10-1169 0 0</inkml:trace>
+  <inkml:trace contextRef="#ctx0" brushRef="#br0" timeOffset="101425.0157">14443 13447 20095 0 0,'0'21'448'0'0,"-11"-11"88"0"0,11 0 16 0 0,11 1 8 0 0,-11-1-448 0 0,0 11-112 0 0,0-11 0 0 0,0 1 0 0 0,10-11 344 0 0,0 10 40 0 0,-10 0 16 0 0,11-10 0 0 0,-1 0-400 0 0,-10 0 0 0 0,10 0-112 0 0,-10 0 24 0 0,11 0-456 0 0,-11 0-96 0 0,0 0-24 0 0,10 0 0 0 0,-10-10-424 0 0,0 10-80 0 0,0 0-16 0 0,0 0-8 0 0,0-10-295 0 0,0 10-57 0 0,0 0-16 0 0,0 0 0 0 0,0 0-8 0 0,10 10 0 0 0,-10 0 0 0 0,0-10 0 0 0,11 21 1440 0 0,-11-11 288 0 0,0 11 64 0 0,0 0 0 0 0,0 0 1128 0 0,0-11 224 0 0,0 11 48 0 0,10-1 8 0 0,-10-9-40 0 0,11-1-8 0 0,-11 11 0 0 0,10-11-1 0 0,0 1-647 0 0,-10-11-128 0 0,11 10-24 0 0,-1-10-8 0 0,-10 0-608 0 0,10 0-168 0 0,1 0 64 0 0,-11-10-64 0 0,10 10-120 0 0,1-11-40 0 0,-11 1-16 0 0,10-11 0 0 0,-10 11-144 0 0,0-1-24 0 0,0 1-8 0 0,10 0 0 0 0,-10-1 120 0 0,0-9 16 0 0,0 9 8 0 0,0 1 0 0 0,0 0 208 0 0,0-1-64 0 0,-10 1 64 0 0,10 10 0 0 0,-10-11 0 0 0,10 1 72 0 0,0 10 0 0 0,0 0 0 0 0,0 0 64 0 0,0 0 16 0 0,0 0 0 0 0,0 0 0 0 0,0 0-152 0 0,0 0 0 0 0,0 0 0 0 0</inkml:trace>
+  <inkml:trace contextRef="#ctx0" brushRef="#br0" timeOffset="101426.0157">14712 13716 18919 0 0,'0'21'416'0'0,"-10"-10"80"0"0,10-1 16 0 0,0-10 32 0 0,0 10-440 0 0,0 1-104 0 0,0-1 0 0 0,10-10 0 0 0,-10 0 120 0 0,0 0 0 0 0,10-10 0 0 0,-10 10 0 0 0,11-11-792 0 0,-1 1-160 0 0,1-11-32 0 0,-11 0-8 0 0,10 11-256 0 0,0-11-55 0 0,1 1-1 0 0,-1 9-8 0 0,-10-9 496 0 0,10-1 104 0 0,1 10 16 0 0,-11 1 8 0 0,10 0 568 0 0,-10-1 0 0 0,0 11 136 0 0,0 0-24 0 0,11 0 400 0 0,-11 0 72 0 0,0 21 24 0 0,0-11 0 0 0,0 1 104 0 0,0 10 24 0 0,0-11 8 0 0,0 11-1 0 0,0-11-295 0 0,0 11-64 0 0,-11-11-16 0 0,11 11 0 0 0,0-11-256 0 0,0 1-48 0 0,0-1-64 0 0</inkml:trace>
+  <inkml:trace contextRef="#ctx0" brushRef="#br0" timeOffset="101427.0157">12286 10990 5696 0 0,'0'0'128'0'0,"0"0"24"0"0,-11 0 8 0 0,1 0 0 0 0,10-11-160 0 0,-10 11 0 0 0,10 0 0 0 0,-11 0 0 0 0,11 0-536 0 0,-10 0-136 0 0,0-10-24 0 0,10 10-8 0 0,-11 0 816 0 0,1 0 160 0 0,-1-11 32 0 0,1 11 8 0 0,10 0 784 0 0,-10 0 160 0 0,-1-10 32 0 0,11 10 8 0 0,-10 0-296 0 0,0-10-56 0 0,10 10-16 0 0,-11-11 0 0 0,11 11-176 0 0,-10 0-40 0 0,10 0-8 0 0,0 0 0 0 0,0 0-185 0 0,0 0-39 0 0,0 0 0 0 0,0 0-8 0 0,0 11-248 0 0,0-1-40 0 0,-11 11-16 0 0,22 0 0 0 0,-11-1-72 0 0,0 22-24 0 0,0 10 0 0 0,10 10 0 0 0,1 10 88 0 0,-11 11 24 0 0,10 0 0 0 0,0 21 0 0 0,-10 10-120 0 0,11 0-64 0 0,-11 0 80 0 0,10 11-80 0 0,0 9 0 0 0,-10-9 0 0 0,11-1 0 0 0,-11 1 0 0 0,0-11 0 0 0,10 10-64 0 0,-10-20-8 0 0,0 10 0 0 0,0-11 72 0 0,0-9 0 0 0,11-1 0 0 0,-11-10-64 0 0,10 10 64 0 0,-10-20 0 0 0,10 0 0 0 0,1-1-64 0 0,9-10-80 0 0,-9 11-16 0 0,9 0 0 0 0,12-1 0 0 0,-12-10-160 0 0,11 11-40 0 0,1-11-8 0 0,-1 0 0 0 0,-11 11 128 0 0,12-21 24 0 0,-12 0 8 0 0,11-1 0 0 0,-10 1 112 0 0,0-10 16 0 0,0-11 8 0 0,-1 0 0 0 0,1 0 144 0 0,10-10 32 0 0,0 0 8 0 0,-10-11 0 0 0,10 0-48 0 0,0 1 0 0 0,0-1-64 0 0,0-10 96 0 0,1-10 0 0 0,-1 10 0 0 0,10-11 0 0 0,-10 11 0 0 0,11-10 96 0 0,-1 0 8 0 0,1-1 8 0 0,9 1 0 0 0,1-1-24 0 0,0 1-8 0 0,0-11 0 0 0,10 21 0 0 0,-10 0-56 0 0,10-10-16 0 0,1 0 0 0 0,-1-1 0 0 0,10 22-104 0 0,-9-11 0 0 0,-12-11 0 0 0,12 1 0 0 0,-1 10 0 0 0,0-11 0 0 0,0 11 0 0 0,-10-10 0 0 0,0 0 0 0 0,0-1-64 0 0,0 11 64 0 0,-1 0 0 0 0,-9-10-64 0 0,-1 0 64 0 0,11 10 0 0 0,-10 0 0 0 0,-1-11 0 0 0,1 11-64 0 0,-11-20 64 0 0,10 20 0 0 0,-10-11 80 0 0,11 1 48 0 0,-21-1 0 0 0,10 1 8 0 0,0-11-48 0 0,-10 1-16 0 0,-1-1 0 0 0,1 0 0 0 0,0 0-8 0 0,-1 1 0 0 0,1-1 0 0 0,0 0 0 0 0,0-10 112 0 0,-1 10 16 0 0,1 1 8 0 0,0-12 0 0 0,0 1 64 0 0,-1-10 16 0 0,1-11 0 0 0,-11 11 0 0 0,11-1-192 0 0,-21 1-88 0 0,11-1 80 0 0,-1 1-80 0 0,-10-22 64 0 0,0 12-64 0 0,0-1 0 0 0,0 0 0 0 0,-10 0 0 0 0,10 0 0 0 0,-11-10 0 0 0,11 10 0 0 0,-10-10 0 0 0,-1 0-80 0 0,1 0 80 0 0,0-1-96 0 0,-1 1 96 0 0,1 0-96 0 0,-11 0 96 0 0,11 20-96 0 0,0-10 0 0 0,-11 1-8 0 0,10-1 0 0 0,-9-11 0 0 0,-1 12 104 0 0,11-12 0 0 0,-11 12 0 0 0,-10-43 0 0 0,10 11-88 0 0,0 11 8 0 0,-10-1 0 0 0,10 1 0 0 0,-10-1-96 0 0,11 0-16 0 0,-12 11-8 0 0,1 0 0 0 0,11 0 72 0 0,-11 10 24 0 0,10-10 0 0 0,-10 0 0 0 0,0-1 104 0 0,10 11 0 0 0,-10-10 0 0 0,10 10 0 0 0,0 1 0 0 0,-10-1 0 0 0,10 0 96 0 0,1 10-96 0 0,-1 1 224 0 0,0-11 0 0 0,0 11-8 0 0,1-1 0 0 0,-1 1 8 0 0,0-1 8 0 0,0 1 0 0 0,1-1 0 0 0,-1 11-104 0 0,0-10-16 0 0,1 10-8 0 0,-1-1 0 0 0,10 1-16 0 0,-9 0-8 0 0,-1 11 0 0 0,0-1 0 0 0,0 0-16 0 0,1 0-64 0 0,-11 1 96 0 0,10 9-32 0 0,-10 1 160 0 0,10-1 32 0 0,-20 1 8 0 0,9 0 0 0 0,1 10-160 0 0,-10 0-32 0 0,-11 0-8 0 0,11-11 0 0 0,-11 11-64 0 0,0 0 0 0 0,0 11-96 0 0,-10-11 96 0 0,0 0 0 0 0,-1 10 64 0 0,1-10 16 0 0,0 10 0 0 0,0-10 64 0 0,0 0 16 0 0,-11 11 0 0 0,11-11 0 0 0,0 10 64 0 0,-1-10 24 0 0,1 11 0 0 0,0-11 0 0 0,0 0-248 0 0,10 10-96 0 0,0-10 8 0 0,0 0 0 0 0,0 10 184 0 0,11-10 32 0 0,10 0 0 0 0,0 0 8 0 0,10 0-344 0 0,0 0-72 0 0,0 0-8 0 0,11-10-8 0 0,10 10-1144 0 0,-10-10-232 0 0,20 10-48 0 0,-10-11-8 0 0</inkml:trace>
+  <inkml:trace contextRef="#ctx0" brushRef="#br0" timeOffset="101428.0157">12068 11373 10656 0 0,'0'0'232'0'0,"0"0"56"0"0,0 0 0 0 0,0 0 8 0 0,0 0-232 0 0,0 0-64 0 0,0 0 0 0 0,0 0 0 0 0,0 0 272 0 0,0-10 48 0 0,10 10 0 0 0,-10 0 8 0 0,0 0-24 0 0,0 0-8 0 0,0-11 0 0 0,0 11 0 0 0,0 0 104 0 0,0 0 16 0 0,-10 0 8 0 0,10 0 0 0 0,0 0 24 0 0,0 0 7 0 0,0 0 1 0 0,0 0 0 0 0,-10 0-112 0 0,10 0-24 0 0,0 0-8 0 0,0 0 0 0 0,0 0-152 0 0,0-10-32 0 0,0 10-8 0 0,0 0 0 0 0,0 0-120 0 0,0 0 88 0 0,-11 0-88 0 0,11 0 80 0 0,0 0-80 0 0,0 0 64 0 0,-10-10-64 0 0,10 10 64 0 0,0 0 32 0 0,0 0 8 0 0,-10 0 0 0 0,10 0 0 0 0,0 0 64 0 0,0 0 16 0 0,0 0 0 0 0,-11-11 0 0 0,11 11-80 0 0,0 0-8 0 0,0 0-8 0 0,0 0 0 0 0,0 0-88 0 0,0 0 0 0 0,-10 0 0 0 0,-1 0 64 0 0,11 0-64 0 0,0 0-96 0 0,-10 0 16 0 0,10 0 8 0 0,-10 11-80 0 0,10-11-8 0 0,0 0-8 0 0,-11 0 0 0 0,1 0-152 0 0,10 0-32 0 0,0 0-8 0 0,-10 0-4887 0 0,-1 10-969 0 0</inkml:trace>
   <inkml:trace contextRef="#ctx0" brushRef="#br0" timeOffset="127569.0161">10461 12151 7432 0 0,'0'0'208'0'0,"0"0"48"0"0,0 0-256 0 0,0 0 0 0 0,0 0 0 0 0,-11 0 0 0 0,11-11 0 0 0,0 11 0 0 0,-10-10 0 0 0,10 0 0 0 0,0 10 120 0 0,0-11 16 0 0,0 1 8 0 0,0 10 0 0 0,0-11 288 0 0,0 1 56 0 0,0 10 16 0 0,0-10 0 0 0,0-1 328 0 0,0 11 72 0 0,0 0 16 0 0,0 0 0 0 0,0 0-288 0 0,0 0-56 0 0,0 0-16 0 0,0 0 0 0 0,0 0-25 0 0,0 0-7 0 0,0 0 0 0 0,0 0 0 0 0,0 0-56 0 0,0 11-16 0 0,0-1 0 0 0,0 0 0 0 0,0 11-200 0 0,-10 0-48 0 0,10 10-8 0 0,0 0 0 0 0,0 0-40 0 0,0 11 0 0 0,-11-11-8 0 0,11 10 0 0 0,-10 11 8 0 0,10 0 8 0 0,-11 0 0 0 0,11 0 0 0 0,-10 10-56 0 0,10 0-16 0 0,-10 0 0 0 0,10-10 0 0 0,-11 10-24 0 0,1 1-8 0 0,0-1 0 0 0,-1 0 0 0 0,11-10 168 0 0,-10 0 32 0 0,0-11 8 0 0,-1 11 0 0 0,11-11-272 0 0,-10 1 0 0 0,10-11 0 0 0,-11 10-72 0 0,11-9 72 0 0,0-12 88 0 0,0 11-24 0 0,0-20 0 0 0,0 9-64 0 0,0-9-88 0 0,0 10 24 0 0,11-11 0 0 0,-11-10 64 0 0,0 10 0 0 0,0 1-72 0 0,0-11 72 0 0,10 10 0 0 0,-10-10 64 0 0,11 0 0 0 0,-11 10 0 0 0,0-10-64 0 0,10 0 0 0 0,-10 0 0 0 0,10 0 0 0 0,1 0 0 0 0,-11 0 0 0 0,10 0 0 0 0,11 11 0 0 0,-11-11-96 0 0,0 0-32 0 0,11 0 0 0 0,-10 0-8 0 0,9 0 136 0 0,1 0 0 0 0,0 0-64 0 0,10 0 64 0 0,-10-11 0 0 0,10 11 0 0 0,-11-10 0 0 0,12 0 0 0 0,-1-1 72 0 0,-11 1 48 0 0,11 10 8 0 0,1-10 0 0 0,-12-1-232 0 0,1-10-48 0 0,0 11-8 0 0,0 0 0 0 0,-11-11 64 0 0,11 11 0 0 0,-11-1 8 0 0,0 1 0 0 0,1 0 88 0 0,-1-1 0 0 0,-10 1 0 0 0,10-1 0 0 0,1-9 0 0 0,-11 20 0 0 0,10-11 0 0 0,-10 1 0 0 0,11 0 0 0 0,-11 10 0 0 0,0-11 0 0 0,0 1 64 0 0,10-1-64 0 0,-10 11 0 0 0,0-10 0 0 0,0 0 0 0 0,0-1 0 0 0,0 1 0 0 0,0 0 0 0 0,0-1 64 0 0,0-9-64 0 0,0 9 0 0 0,0-10 0 0 0,-10 1 0 0 0,10-1 0 0 0,0-10 0 0 0,0 0 0 0 0,0 0 0 0 0,0-11 0 0 0,0 11 0 0 0,0-10 0 0 0,0-1 0 0 0,0-10-96 0 0,0 11 16 0 0,0-1 8 0 0,0-9 0 0 0,0-1-24 0 0,-11 0 0 0 0,11 10 0 0 0,0-9 0 0 0,-10 9 96 0 0,10 1 0 0 0,-11-1 0 0 0,11 11-64 0 0,-10-10 64 0 0,10 9 0 0 0,-10 1 0 0 0,10 0 0 0 0,-11 0 0 0 0,1 10 112 0 0,10-10-24 0 0,-10 11-8 0 0,-1-1 0 0 0,1 0 0 0 0,0 11 0 0 0,-1-11 0 0 0,-10 11-80 0 0,11-1 0 0 0,-11 1 0 0 0,11 0 0 0 0,-11-1 64 0 0,-10 11 32 0 0,10 0 0 0 0,-10 0 0 0 0,0 0 64 0 0,0 11 24 0 0,0-1 0 0 0,0 11 0 0 0,0-1-248 0 0,0 1-56 0 0,0 0-8 0 0,10 10 0 0 0,-10 0 200 0 0,10-10 40 0 0,11 0 8 0 0,-1-1 0 0 0,1 1-120 0 0,0-11-120 0 0,20 1 24 0 0,0-1-6280 0 0,1 0-1263 0 0</inkml:trace>
   <inkml:trace contextRef="#ctx0" brushRef="#br0" timeOffset="128558.0154">11301 12234 7376 0 0,'0'0'208'0'0,"0"0"48"0"0,0 0-256 0 0,0 0 0 0 0,0 0 0 0 0,-10 0 0 0 0,-1 10 1048 0 0,11-10 160 0 0,0 0 32 0 0,-10 0 8 0 0,10 0-192 0 0,0 0-32 0 0,-11 10 0 0 0,11-10-9 0 0,-10 11-383 0 0,10-1-80 0 0,0 1-8 0 0,0 9-8 0 0,0-9-232 0 0,0 9-48 0 0,0 12 0 0 0,0-1-8 0 0,0 10-80 0 0,0 1-8 0 0,0 9-8 0 0,0 1 0 0 0,0 0-152 0 0,0 0 80 0 0,0 0-80 0 0,-10 10 64 0 0,10-10 88 0 0,0 10 8 0 0,-11 0 8 0 0,11-10 0 0 0,0 0 56 0 0,0 0 0 0 0,0 0 8 0 0,0-11 0 0 0,0 1-144 0 0,0-1-88 0 0,11-10 96 0 0,-11 0-96 0 0,10 1 0 0 0,-10-12-112 0 0,10 1 8 0 0,-10 0 0 0 0,11-11-48 0 0,-11 11-8 0 0,10-11 0 0 0,1 1 0 0 0,-11-11 32 0 0,10 10 8 0 0,0 0 0 0 0,1-10 0 0 0,-11 11 120 0 0,20-1-72 0 0,-9-10 72 0 0,-1 11-64 0 0,0-1 64 0 0,11 0-64 0 0,-10 1 64 0 0,9-11-64 0 0,1 0 0 0 0,0 10 0 0 0,0-10 0 0 0,10 0 0 0 0,-11 0 64 0 0,11 0-104 0 0,-10 0 40 0 0,10 0 64 0 0,0 0-96 0 0,-10-10 96 0 0,10 10-96 0 0,0 0 96 0 0,-10-11-104 0 0,10 11 40 0 0,0-10 64 0 0,-10 10-104 0 0,10 0 104 0 0,-10 0-72 0 0,10-10 72 0 0,-10 10-64 0 0,10 0 64 0 0,-10 10-104 0 0,-1-10 40 0 0,1 0 64 0 0,0 0 0 0 0,-1 0 0 0 0,-9 0 0 0 0,10 0 0 0 0,-11 0 0 0 0,0 0 0 0 0,1 0 0 0 0,-1-10 0 0 0,-10 10 0 0 0,10-11 0 0 0,-10 1 0 0 0,0 10 64 0 0,11-11-64 0 0,-11-9 0 0 0,0-1-80 0 0,0 0 80 0 0,0 0 0 0 0,0 1-72 0 0,-11-11 72 0 0,11 10 0 0 0,0-10-64 0 0,-10 0 64 0 0,10 0-64 0 0,0-1 64 0 0,-10-9-160 0 0,-1-1 16 0 0,11 1 0 0 0,-10-1 0 0 0,10 1 16 0 0,-10 0 0 0 0,-1-1 0 0 0,11 1 0 0 0,-10-1-32 0 0,10 1-8 0 0,-11-1 0 0 0,1 1 0 0 0,10-1 8 0 0,-10 1 8 0 0,10-1 0 0 0,-11 1 0 0 0,11-1 48 0 0,-10 1 8 0 0,10 10 0 0 0,-10 0 0 0 0,10-11 96 0 0,-11 21 0 0 0,11-20 0 0 0,-10 10-72 0 0,10 0 72 0 0,0 10 0 0 0,-10-10 0 0 0,10 0 0 0 0,0 10 0 0 0,-11 0 96 0 0,11 0-16 0 0,-10 1-8 0 0,-1-1 176 0 0,11 0 32 0 0,-10 11 8 0 0,10-11 0 0 0,-10 11-176 0 0,-1-11-32 0 0,1 11-8 0 0,10-1 0 0 0,-21 1 0 0 0,11-1 0 0 0,10 1 0 0 0,-21 0 0 0 0,21-1 32 0 0,-10 1 8 0 0,-11 10 0 0 0,11-10 0 0 0,-1-1 48 0 0,1 11 16 0 0,-11 0 0 0 0,0 0 0 0 0,1 0-72 0 0,-1 11-8 0 0,-10-11-8 0 0,10 10 0 0 0,-10 0-88 0 0,-10 1 0 0 0,-1 9 0 0 0,1 1 0 0 0,-1 0 0 0 0,1 10-72 0 0,-1 0 72 0 0,1 0-104 0 0,-1 0 104 0 0,1 11 96 0 0,-1-11-24 0 0,11 0 0 0 0,0-10 328 0 0,0 0 64 0 0,10-1 16 0 0,1 1 0 0 0,9-11-256 0 0,1 1-40 0 0,-1-11-16 0 0,1 0-6152 0 0,10-11-1239 0 0</inkml:trace>
   <inkml:trace contextRef="#ctx0" brushRef="#br0" timeOffset="129679.0194">10440 8606 12296 0 0,'0'0'264'0'0,"0"0"56"0"0,0 0 16 0 0,-10-11 16 0 0,10 11-280 0 0,0-10-72 0 0,0 10 0 0 0,0-11 0 0 0,0 1 104 0 0,0 0 8 0 0,0-1 0 0 0,0 1 0 0 0,10 10-48 0 0,-10-10 0 0 0,0 10-64 0 0,0-11 96 0 0,0 11 104 0 0,0 0 24 0 0,0 0 0 0 0,0 0 0 0 0,0 0 336 0 0,0 0 72 0 0,0 0 7 0 0,0 0 9 0 0,0 0-136 0 0,0 11-24 0 0,0 9-8 0 0,0 1 0 0 0,0 10-272 0 0,0 0-56 0 0,11 11-16 0 0,-11-1 0 0 0,0 11 0 0 0,0 0 0 0 0,10 10 0 0 0,-10 11 0 0 0,0-1 16 0 0,0 11 0 0 0,0 0 0 0 0,0 0 0 0 0,0 10-152 0 0,0 1 80 0 0,0-11-80 0 0,0 10 64 0 0,0 0 40 0 0,0 1 8 0 0,11-22 0 0 0,-11 11 0 0 0,0-10 56 0 0,0 10 16 0 0,0-21 0 0 0,10 10 0 0 0,0 1-24 0 0,-10-11-8 0 0,11-10 0 0 0,-11 10 0 0 0,21-10-88 0 0,-21 10-64 0 0,10-10 96 0 0,11 0-96 0 0,-11 0 0 0 0,1 0 0 0 0,-11-1 0 0 0,10-9 0 0 0,0 10 176 0 0,1-11-16 0 0,-1 1-8 0 0,-10-1 0 0 0,0 1-152 0 0,11-1 0 0 0,-11 1 0 0 0,0-1 0 0 0,-11 0-240 0 0,11 1 0 0 0,-10-1 0 0 0,-1-10 0 0 0,1 11 240 0 0,0-11 104 0 0,-1 0-8 0 0,1 11 0 0 0,-1-22-96 0 0,1 11 0 0 0,0 1 0 0 0,10-12 0 0 0,-11 1 0 0 0,1 0 0 0 0,10 0 72 0 0,-11-1-72 0 0,11-9 0 0 0,0-1 0 0 0,0 11 64 0 0,0-11-64 0 0,0 0 0 0 0,0 1 0 0 0,0-1 0 0 0,0 1 0 0 0,0-1-72 0 0,0-10 72 0 0,0 0-96 0 0,0 0 96 0 0,0 0-216 0 0,0 0 16 0 0,0 0 0 0 0,0 0 0 0 0,0 0 24 0 0,0 0 8 0 0,0 0 0 0 0,0 0 0 0 0,0 0-16 0 0,0 0 0 0 0,0 0 0 0 0,0 0 0 0 0,-10 0 32 0 0,10 0 8 0 0,-10-10 0 0 0,10 10 0 0 0,-11-21-240 0 0,11 10-40 0 0,0 1-16 0 0,0-11-7351 0 0</inkml:trace>
@@ -579,16 +580,16 @@
   <inkml:trace contextRef="#ctx0" brushRef="#br0" timeOffset="183718.0286">4987 22705 2040 0 0,'0'0'0'0'0,"0"0"88"0"0,0 0-24 0 0,0 0 0 0 0,0 0-64 0 0,0 0 0 0 0,0 0 0 0 0,0 0 0 0 0,0 0 448 0 0,0 0 72 0 0,0 0 24 0 0,0 0 0 0 0,0 0 32 0 0,0 0 16 0 0,0 0 0 0 0,0 0 0 0 0,0 0-336 0 0,0 0-64 0 0,0 0-8 0 0,0 0-8 0 0,0 0-64 0 0,0 0-16 0 0,0 0 0 0 0,0 0 0 0 0,0 0-96 0 0,0 0 72 0 0,0 0-72 0 0,0 0 64 0 0,0 0-64 0 0,0 0 0 0 0,0 0 0 0 0,0 0 64 0 0,0 0-64 0 0,0 0 0 0 0,0 0 0 0 0,0 21-2176 0 0,0-21-400 0 0</inkml:trace>
   <inkml:trace contextRef="#ctx0" brushRef="#br0" timeOffset="186240.0231">4790 22716 4984 0 0,'0'0'136'0'0,"0"0"40"0"0,0 0-176 0 0,0 0 0 0 0,0 0 0 0 0,0 0 0 0 0,0 0 0 0 0,-10 0 0 0 0,10 0 0 0 0,0 0 0 0 0,0 0 112 0 0,0 0-16 0 0,0 0 0 0 0,0 0 0 0 0,0 0-96 0 0,0 0 0 0 0,-11-11 64 0 0,11 11-64 0 0,0 0 472 0 0,0 0 72 0 0,0 0 8 0 0,-10-10 8 0 0,10 10-64 0 0,0 0-16 0 0,0 0 0 0 0,0 0 0 0 0,0 0-128 0 0,0 0-24 0 0,0 0-8 0 0,0 0 0 0 0,0 0-72 0 0,0 0-24 0 0,0 0 0 0 0,0 0 0 0 0,0 0-72 0 0,0 0-24 0 0,0 0 0 0 0,0 0 0 0 0,0 0 0 0 0,0 0-8 0 0,-10-11 0 0 0,10 11 0 0 0,0 0 48 0 0,0 0 16 0 0,0 0 0 0 0,0 0 0 0 0,0 0-112 0 0,0 0-72 0 0,0 0 96 0 0,0 0-96 0 0,0 0 96 0 0,0 0-96 0 0,0 0 96 0 0,0 0-96 0 0,0 0 120 0 0,0 0-32 0 0,0 0-8 0 0,0 0 0 0 0,0 0-80 0 0,0 0 80 0 0,0 0-80 0 0,0 0 80 0 0,0 0-80 0 0,0 0 0 0 0,0 0 72 0 0,0 0-72 0 0,0 0 0 0 0,0 0 0 0 0,0 0 0 0 0,0 0 0 0 0,0 0 0 0 0,0 0-96 0 0,0 0 96 0 0,0 0-96 0 0,0 0 16 0 0,0 0 0 0 0,0 0 0 0 0,0-10 0 0 0,0 10 80 0 0,0 0 0 0 0,0 0 0 0 0,0 0 0 0 0,0 0 0 0 0,0 0 0 0 0,0 0 0 0 0,0 0 0 0 0,0 0 0 0 0,0 0 0 0 0,0 0 0 0 0,0 0 0 0 0,0 0 0 0 0,0 0 0 0 0,0 0 0 0 0,0 0 0 0 0,0 0 0 0 0,0 0 0 0 0,0 0 0 0 0,0 0 0 0 0,0 0 80 0 0,0 0-16 0 0,0 0-64 0 0,0 0 96 0 0,0 0-24 0 0,0 0-8 0 0,0 0 0 0 0,0 0 0 0 0,0 0 0 0 0,0 0 0 0 0,0 0 0 0 0,0 0 0 0 0,0 0 88 0 0,0 0 8 0 0,0 0 8 0 0,0 0 0 0 0,0 0-40 0 0,0 0 0 0 0,0 0-8 0 0,0 0 0 0 0,0 0-120 0 0,0 0 0 0 0,0 0 64 0 0,0 0-64 0 0,0 0 0 0 0,0 0 0 0 0,0 0 0 0 0,-11 0 0 0 0,11 0 0 0 0,0 0 64 0 0,0 0-64 0 0,0 0 0 0 0,0 0 0 0 0,0 0 0 0 0,0 0 0 0 0,0 0 0 0 0,0 0 0 0 0,0 0 0 0 0,0 0 0 0 0,-10 0 0 0 0,10 0 0 0 0,0 0 0 0 0,0 0 0 0 0,0 0 0 0 0,0 0 0 0 0,0 0 0 0 0,0 0 0 0 0,0 0 0 0 0,0 0 0 0 0,0 0 0 0 0,0 0 0 0 0,0 0 0 0 0,0 0 0 0 0,0 0 0 0 0,0 0 0 0 0,0 0 0 0 0,0 0 0 0 0,0 0 0 0 0,0 0 0 0 0,-11 0 0 0 0,11 0 0 0 0,0 0-64 0 0,0 0 64 0 0,0 0 0 0 0,0 0 0 0 0,0 0 0 0 0,0 0 0 0 0,0 0 0 0 0,0 0 0 0 0,0 0 0 0 0,0 0 0 0 0,0 0 0 0 0,0 0 0 0 0,0 0-128 0 0,0 0 24 0 0,0 0 8 0 0,0 0-144 0 0,0 0-24 0 0,0 0-8 0 0,0 0 0 0 0,0 0-136 0 0,0 0-24 0 0,0 0-8 0 0,0 0 0 0 0,0 0-56 0 0,0 0-16 0 0,0 0 0 0 0,0 0 0 0 0,0 0 184 0 0,0 0 32 0 0,0 0 8 0 0,0 0 0 0 0,0 0 288 0 0,0 0 0 0 0,0 0 0 0 0,0 0 0 0 0,0 0 0 0 0,0 0 0 0 0,0 0 0 0 0,0 0 0 0 0,0 0-112 0 0,0 0 40 0 0,0 0 8 0 0,0 0 0 0 0,0 0 128 0 0,0 0 24 0 0,0 0 8 0 0,0 0 0 0 0,0 0 24 0 0,0 0 8 0 0,0 0 0 0 0,0 0 0 0 0,0 0 0 0 0,0 0 0 0 0,0 0 0 0 0,0 0 0 0 0,0 0-128 0 0,0 0 88 0 0,0 0-88 0 0,0 0 80 0 0,0 0 24 0 0,0 0 8 0 0,-10 0 0 0 0,10 0 0 0 0,0 0 32 0 0,0 0 8 0 0,0 0 0 0 0,0 0 0 0 0,0 0 48 0 0,0 0 16 0 0,0 0 0 0 0,0 0 0 0 0,0 0-40 0 0,0 0-8 0 0,0 0 0 0 0,0 0 0 0 0,0 0-48 0 0,0 0-16 0 0,0 0 0 0 0,0 0 0 0 0,0 0 48 0 0,0 10 8 0 0,0 1 0 0 0,0-11 0 0 0,-10 0-160 0 0,10 10 80 0 0,-11 11-80 0 0,11-11 64 0 0,-10 11 232 0 0,10 0 48 0 0,0-1 8 0 0,-11 12 0 0 0,1-12-57 0 0,10 11-7 0 0,-10 11 0 0 0,-1-1 0 0 0,1-10-64 0 0,-1 11-8 0 0,1-11-8 0 0,0 0 0 0 0,10 11-56 0 0,-11-22-16 0 0,1 11 0 0 0,10-10 0 0 0,0 0-136 0 0,-11-11 0 0 0,11 11 0 0 0,0-21 0 0 0,11 10-424 0 0,-11-10-40 0 0,0 0-8 0 0,10 0-4239 0 0,1-10-857 0 0</inkml:trace>
   <inkml:trace contextRef="#ctx0" brushRef="#br0" timeOffset="186527.0238">4717 22487 15176 0 0,'0'0'328'0'0,"0"0"72"0"0,0 0 16 0 0,0 0 15 0 0,0 0-343 0 0,0 0-88 0 0,11 0 0 0 0,-1 11 0 0 0,1-1 400 0 0,-1 11 64 0 0,0 0 16 0 0,11 10 0 0 0,0 0-256 0 0,0 10-40 0 0,10 1-16 0 0,-11-1 0 0 0,1 11-168 0 0,-11 0 0 0 0,11 0 0 0 0,-10 0 0 0 0,9 0-136 0 0,-9-11-64 0 0,-11 11-16 0 0,10-21 0 0 0,-10 11 216 0 0,0-11-64 0 0,0 0 64 0 0,0-10 0 0 0,-10-1 0 0 0,10 1 0 0 0,0 0 0 0 0,-11-11 64 0 0,11 1-64 0 0,-10-1-128 0 0,10-10 32 0 0,-10 0-4831 0 0,10 0-961 0 0</inkml:trace>
-  <inkml:trace contextRef="#ctx0" brushRef="#br0" timeOffset="186773.0215">4655 22995 17167 0 0,'-11'11'480'0'0,"11"-1"120"0"0,0 1-480 0 0,11-1-120 0 0,-11 0 0 0 0,10 1 0 0 0,1-1 224 0 0,9 0 32 0 0,1 1 0 0 0,0-11 0 0 0,0 0-160 0 0,20-11-32 0 0,-10 1-64 0 0,1 0-5167 0 0,9-1-1089 0 0</inkml:trace>
+  <inkml:trace contextRef="#ctx0" brushRef="#br0" timeOffset="186773.0214">4655 22995 17167 0 0,'-11'11'480'0'0,"11"-1"120"0"0,0 1-480 0 0,11-1-120 0 0,-11 0 0 0 0,10 1 0 0 0,1-1 224 0 0,9 0 32 0 0,1 1 0 0 0,0-11 0 0 0,0 0-160 0 0,20-11-32 0 0,-10 1-64 0 0,1 0-5167 0 0,9-1-1089 0 0</inkml:trace>
   <inkml:trace contextRef="#ctx0" brushRef="#br0" timeOffset="187108.0226">6023 22767 11488 0 0,'-20'11'256'0'0,"20"-11"48"0"0,-11 0 16 0 0,1 0 0 0 0,-1 0-256 0 0,1 0-64 0 0,-11 0 0 0 0,11 10 0 0 0,0-10 848 0 0,-1 0 160 0 0,11 10 32 0 0,0-10 7 0 0,0 0-423 0 0,0 0-80 0 0,0 0-24 0 0,0 0 0 0 0,0 0-360 0 0,0 0-64 0 0,0-10-24 0 0,21 10 0 0 0,-11 0-72 0 0,1-10 64 0 0,9 10-64 0 0,1-11 64 0 0,0 11 80 0 0,10-10 16 0 0,-10 0 0 0 0,10-1 0 0 0,0 11-24 0 0,0-10 0 0 0,0-1 0 0 0,0 1 0 0 0,11 10-8 0 0,-1-10 0 0 0,-10-1 0 0 0,11 1 0 0 0,-11-1-32 0 0,10 1 0 0 0,-10 10-8 0 0,11-21 0 0 0,-11 11-88 0 0,0 0 0 0 0,11-1 72 0 0,-11 1-72 0 0,0-1 0 0 0,10 1 0 0 0,-10 0 0 0 0,0-1 64 0 0,-10 1-64 0 0,10-1 0 0 0,-10-9 0 0 0,0 20 64 0 0,0-21-152 0 0,-11 21-24 0 0,11-10-8 0 0,-21-1-5591 0 0,10 11-1121 0 0</inkml:trace>
   <inkml:trace contextRef="#ctx0" brushRef="#br0" timeOffset="187390.0601">6625 22280 18023 0 0,'0'0'392'0'0,"0"0"88"0"0,0 0 8 0 0,0 0 24 0 0,0 0-408 0 0,0 0-104 0 0,0 0 0 0 0,0 0 0 0 0,10 0 0 0 0,1 10 0 0 0,10-10 0 0 0,-1 0 0 0 0,1 11 0 0 0,10-1 0 0 0,-10-10 0 0 0,10 11 0 0 0,0-11 0 0 0,-10 10 0 0 0,10 0 0 0 0,-10 1 0 0 0,0-1 0 0 0,0 0 0 0 0,-11 1 0 0 0,11 10 0 0 0,-11-11 0 0 0,0 0 0 0 0,-10 11 0 0 0,0 10 0 0 0,0-10 280 0 0,0 0 8 0 0,-10 10 0 0 0,0-10 0 0 0,-1 10-56 0 0,1-10-8 0 0,0 10 0 0 0,-11-11 0 0 0,10 1-128 0 0,-9 0-24 0 0,9-11-8 0 0,-10 11 0 0 0,11-11-352 0 0,0 1-80 0 0,10-1-16 0 0,0 1 0 0 0</inkml:trace>
   <inkml:trace contextRef="#ctx0" brushRef="#br0" timeOffset="188119.022">11145 23265 9640 0 0,'0'0'272'0'0,"0"0"64"0"0,0-10-272 0 0,0 10-64 0 0,0 0 0 0 0,0 0 0 0 0,0-11 304 0 0,0 11 48 0 0,0 0 0 0 0,0 0 8 0 0,0 0 16 0 0,0 0 0 0 0,0 0 0 0 0,0 0 0 0 0,0 0-48 0 0,0 0-8 0 0,0 11 0 0 0,0-1 0 0 0,0 0-104 0 0,0 1-24 0 0,0 9-8 0 0,0 12 0 0 0,11-1 8 0 0,-11 0 8 0 0,0 0 0 0 0,0 10 0 0 0,10 1 24 0 0,-10-1 7 0 0,0 1 1 0 0,10-11 0 0 0,-10 10-8 0 0,0 1 0 0 0,0-11 0 0 0,0 0 0 0 0,11 0-32 0 0,-11-10 0 0 0,0 0-8 0 0,0-1 0 0 0,0-9-24 0 0,0-1 0 0 0,0 0 0 0 0,0 1 0 0 0,0-11-312 0 0,0 0-64 0 0,0 0-8 0 0,0-11-7263 0 0</inkml:trace>
   <inkml:trace contextRef="#ctx0" brushRef="#br0" timeOffset="188549.0255">10896 23866 11200 0 0,'0'0'248'0'0,"-10"-10"48"0"0,10 10 16 0 0,0 0 0 0 0,0 0-248 0 0,0 0-64 0 0,0 0 0 0 0,0 0 0 0 0,0 10 400 0 0,10 0 72 0 0,-10 1 8 0 0,21-1 8 0 0,-10 11 24 0 0,-1-11 8 0 0,11 11 0 0 0,-1 0 0 0 0,1-1-57 0 0,0 1-15 0 0,0 0 0 0 0,-1 0 0 0 0,1 0-224 0 0,0-1-56 0 0,0-9-8 0 0,-1 9 0 0 0,1-9-88 0 0,-11-1-72 0 0,11 1 96 0 0,-11-1-96 0 0,11-10 240 0 0,-10 10-8 0 0,-1-10 0 0 0,0 11 0 0 0,1-11-232 0 0,-1 0 0 0 0,0-11 0 0 0,-10 11 0 0 0,11 0 80 0 0,-1-10-8 0 0,0 0 0 0 0,1-1 0 0 0,-1-10 24 0 0,1 11 8 0 0,-1-11 0 0 0,11-10 0 0 0,-11 0-104 0 0,0 0 0 0 0,11-11 0 0 0,-10 1 0 0 0,9-1 0 0 0,-9 1-80 0 0,9-1 16 0 0,-9-10-8159 0 0</inkml:trace>
   <inkml:trace contextRef="#ctx0" brushRef="#br0" timeOffset="190577.0255">11612 24509 9408 0 0,'0'10'264'0'0,"0"1"56"0"0,-11-1-256 0 0,11 1-64 0 0,0 9 0 0 0,0 1 0 0 0,-10 0 608 0 0,10 10 96 0 0,0-10 32 0 0,0-1 0 0 0,0 11-184 0 0,0-10-32 0 0,0 0-8 0 0,0 0 0 0 0,0-1-184 0 0,0-9-40 0 0,0 9 0 0 0,0-9-8 0 0,0-1-152 0 0,0-10-24 0 0,0 11-9 0 0,0-11 1 0 0,0 0-96 0 0,0 0 88 0 0,0 0-88 0 0,0-11 80 0 0,-10 1-272 0 0,10-11-47 0 0,0 0-17 0 0,0 1 0 0 0,0-1-448 0 0,0-10-88 0 0,0 10-16 0 0,0-10-8 0 0,0 0-240 0 0,0 10-40 0 0,0-10-16 0 0,0 10 0 0 0,0-10 312 0 0,0 0 56 0 0,-11 10 8 0 0,11-10 8 0 0,0 0 728 0 0,0 0 128 0 0,0 10 32 0 0,0-10 0 0 0,0 10 752 0 0,11 1 144 0 0,-11 9 32 0 0,10 1 8 0 0,-10 0-56 0 0,10-1-16 0 0,1 11 0 0 0,-1 0 0 0 0,-10 0-224 0 0,21 0-56 0 0,-11 0-8 0 0,1 11-1 0 0,10-1-7 0 0,-11 0-8 0 0,0 1 0 0 0,1-1 0 0 0,-1 0-544 0 0,0 1-112 0 0,-10-1-64 0 0,11 11 80 0 0,-11-21-80 0 0,10 21 64 0 0,-10-21-64 0 0,0 20 64 0 0,0-20-64 0 0,0 21 96 0 0,0-21-96 0 0,-10 10 96 0 0,10 1-168 0 0,-11-1-32 0 0,1 1-8 0 0,10-1 0 0 0,-10 0-168 0 0,-1 1-32 0 0,1-11-8 0 0,0 10 0 0 0,-1-10 64 0 0,1 10 16 0 0,10 1 0 0 0,-11-11 0 0 0,11 10 144 0 0,0 1 96 0 0,-10-1-104 0 0,10 0 40 0 0,10 1 152 0 0,-10 9 32 0 0,0-9 8 0 0,11-1 0 0 0,-11 11 64 0 0,10-11 24 0 0,1 11 0 0 0,-1-11 0 0 0,0 11 40 0 0,1-11 0 0 0,9 1 8 0 0,-9 10 0 0 0,-1-11-200 0 0,11 0-64 0 0,-11 1 0 0 0,11-1 0 0 0,-11-10 0 0 0,11 10 0 0 0,-10-10 0 0 0,9 0-96 0 0,-9 11-344 0 0,-1-11-64 0 0,11 0-8 0 0,-11 0-4495 0 0,1 0-897 0 0</inkml:trace>
-  <inkml:trace contextRef="#ctx0" brushRef="#br0" timeOffset="190888.023">12078 24665 11688 0 0,'0'0'256'0'0,"0"0"48"0"0,0-11 16 0 0,-11 11 16 0 0,1 0-272 0 0,10 0-64 0 0,0 0 0 0 0,0 0 0 0 0,0 0 712 0 0,0 0 128 0 0,0 0 24 0 0,0 0 8 0 0,0 0-513 0 0,0 0-103 0 0,0-10-16 0 0,10 10-8 0 0,1 0-232 0 0,-1 0 0 0 0,1 0 0 0 0,-1-10 0 0 0,-10 10 64 0 0,10 0-64 0 0,1-11 0 0 0,-1 11 0 0 0,-10 0 0 0 0,0 0 0 0 0,0 0-88 0 0,0 0 88 0 0,0-10-184 0 0,0-1 24 0 0,0 11 8 0 0,0 0 0 0 0,-10-10-111 0 0,-1 10-25 0 0,11 0-8 0 0,-10 0 0 0 0,-11 0-192 0 0,11 0-40 0 0,-11 0-8 0 0,11 10 0 0 0,-1-10 272 0 0,-9 11 48 0 0,9-1 16 0 0,-9 1 0 0 0,9 9 440 0 0,1 1 88 0 0,-1 0 24 0 0,1 0 0 0 0,0 10 224 0 0,10-10 56 0 0,-11-1 8 0 0,11-9 0 0 0,0 9-289 0 0,0-9-47 0 0,11 10-16 0 0,-1-21 0 0 0,0 10-200 0 0,1 0-88 0 0,10-10 64 0 0,-1 0-64 0 0,11-10-272 0 0,-10 0-96 0 0,0-11-16 0 0</inkml:trace>
-  <inkml:trace contextRef="#ctx0" brushRef="#br0" timeOffset="191176.0247">12348 24498 14976 0 0,'0'0'328'0'0,"0"11"72"0"0,-11-1 16 0 0,1 0-1 0 0,0 1-335 0 0,-1-1-80 0 0,11 0 0 0 0,-10 1 0 0 0,10-1 288 0 0,-10 1 32 0 0,10 9 16 0 0,-11-9 0 0 0,11-1-248 0 0,0 1-88 0 0,0-1 0 0 0,0 0 72 0 0,11-10-8 0 0,-11 11-64 0 0,0-11 96 0 0,10 0-32 0 0,0 10-64 0 0,-10-10 0 0 0,11 0 0 0 0,-1-10 0 0 0,0 10 0 0 0,1 0 0 0 0,-11 0 0 0 0,10-11 0 0 0,-10 11 0 0 0,0 0-112 0 0,0 0 40 0 0,0 0 8 0 0,0 0 64 0 0,11 11-80 0 0,-11-1 80 0 0,0 0-80 0 0,0 11 80 0 0,-11-10 0 0 0,11 9 0 0 0,-10 1 0 0 0,10 0 0 0 0,-11-11 0 0 0,11 1 64 0 0,-10 9-64 0 0,10-9-96 0 0,0-1-48 0 0,0 1-16 0 0,0-1-4535 0 0,0-10-905 0 0</inkml:trace>
+  <inkml:trace contextRef="#ctx0" brushRef="#br0" timeOffset="190888.0229">12078 24665 11688 0 0,'0'0'256'0'0,"0"0"48"0"0,0-11 16 0 0,-11 11 16 0 0,1 0-272 0 0,10 0-64 0 0,0 0 0 0 0,0 0 0 0 0,0 0 712 0 0,0 0 128 0 0,0 0 24 0 0,0 0 8 0 0,0 0-513 0 0,0 0-103 0 0,0-10-16 0 0,10 10-8 0 0,1 0-232 0 0,-1 0 0 0 0,1 0 0 0 0,-1-10 0 0 0,-10 10 64 0 0,10 0-64 0 0,1-11 0 0 0,-1 11 0 0 0,-10 0 0 0 0,0 0 0 0 0,0 0-88 0 0,0 0 88 0 0,0-10-184 0 0,0-1 24 0 0,0 11 8 0 0,0 0 0 0 0,-10-10-111 0 0,-1 10-25 0 0,11 0-8 0 0,-10 0 0 0 0,-11 0-192 0 0,11 0-40 0 0,-11 0-8 0 0,11 10 0 0 0,-1-10 272 0 0,-9 11 48 0 0,9-1 16 0 0,-9 1 0 0 0,9 9 440 0 0,1 1 88 0 0,-1 0 24 0 0,1 0 0 0 0,0 10 224 0 0,10-10 56 0 0,-11-1 8 0 0,11-9 0 0 0,0 9-289 0 0,0-9-47 0 0,11 10-16 0 0,-1-21 0 0 0,0 10-200 0 0,1 0-88 0 0,10-10 64 0 0,-1 0-64 0 0,11-10-272 0 0,-10 0-96 0 0,0-11-16 0 0</inkml:trace>
+  <inkml:trace contextRef="#ctx0" brushRef="#br0" timeOffset="191176.0246">12348 24498 14976 0 0,'0'0'328'0'0,"0"11"72"0"0,-11-1 16 0 0,1 0-1 0 0,0 1-335 0 0,-1-1-80 0 0,11 0 0 0 0,-10 1 0 0 0,10-1 288 0 0,-10 1 32 0 0,10 9 16 0 0,-11-9 0 0 0,11-1-248 0 0,0 1-88 0 0,0-1 0 0 0,0 0 72 0 0,11-10-8 0 0,-11 11-64 0 0,0-11 96 0 0,10 0-32 0 0,0 10-64 0 0,-10-10 0 0 0,11 0 0 0 0,-1-10 0 0 0,0 10 0 0 0,1 0 0 0 0,-11 0 0 0 0,10-11 0 0 0,-10 11 0 0 0,0 0-112 0 0,0 0 40 0 0,0 0 8 0 0,0 0 64 0 0,11 11-80 0 0,-11-1 80 0 0,0 0-80 0 0,0 11 80 0 0,-11-10 0 0 0,11 9 0 0 0,-10 1 0 0 0,10 0 0 0 0,-11-11 0 0 0,11 1 64 0 0,-10 9-64 0 0,10-9-96 0 0,0-1-48 0 0,0 1-16 0 0,0-1-4535 0 0,0-10-905 0 0</inkml:trace>
   <inkml:trace contextRef="#ctx0" brushRef="#br0" timeOffset="191438.0269">12638 24446 14624 0 0,'0'0'320'0'0,"0"0"72"0"0,0 0 16 0 0,0 11 0 0 0,0-1-328 0 0,-10-10-80 0 0,10 21 0 0 0,0-11 0 0 0,0 1 279 0 0,0 10 41 0 0,-11-11 0 0 0,11 11 8 0 0,0-11-128 0 0,0 11-24 0 0,11-11-8 0 0,-11 1 0 0 0,0-1-168 0 0,10-10 0 0 0,-10 10-96 0 0,11-10 32 0 0,-11 11 64 0 0,10-22 0 0 0,0 11 0 0 0,1-10 0 0 0,-1 10 0 0 0,-10-21 88 0 0,21 11-24 0 0,-10-1-4903 0 0,-1-9-985 0 0</inkml:trace>
-  <inkml:trace contextRef="#ctx0" brushRef="#br0" timeOffset="192406.0248">7682 17780 16559 0 0,'0'0'360'0'0,"0"0"80"0"0,-10 0 8 0 0,-1 0 24 0 0,11 0-376 0 0,0 0-96 0 0,0 0 0 0 0,0 0 0 0 0,11 0 144 0 0,-1 11 16 0 0,0-1 0 0 0,1 11 0 0 0,10-1-160 0 0,-11 11 80 0 0,11 1-80 0 0,0 9 64 0 0,-11 11-64 0 0,11 0-88 0 0,-11-11 24 0 0,11 1-5015 0 0,0 9-1001 0 0</inkml:trace>
+  <inkml:trace contextRef="#ctx0" brushRef="#br0" timeOffset="192406.0247">7682 17780 16559 0 0,'0'0'360'0'0,"0"0"80"0"0,-10 0 8 0 0,-1 0 24 0 0,11 0-376 0 0,0 0-96 0 0,0 0 0 0 0,0 0 0 0 0,11 0 144 0 0,-1 11 16 0 0,0-1 0 0 0,1 11 0 0 0,10-1-160 0 0,-11 11 80 0 0,11 1-80 0 0,0 9 64 0 0,-11 11-64 0 0,11 0-88 0 0,-11-11 24 0 0,11 1-5015 0 0,0 9-1001 0 0</inkml:trace>
 </inkml:ink>
 </file>
 
@@ -723,7 +724,7 @@
           <a:p>
             <a:fld id="{3A849D0F-AE7C-45EE-AA54-36F4080990D5}" type="datetimeFigureOut">
               <a:rPr lang="en-US" smtClean="0"/>
-              <a:t>2/8/2018</a:t>
+              <a:t>2/9/18</a:t>
             </a:fld>
             <a:endParaRPr lang="en-US"/>
           </a:p>
@@ -893,7 +894,7 @@
           <a:p>
             <a:fld id="{3A849D0F-AE7C-45EE-AA54-36F4080990D5}" type="datetimeFigureOut">
               <a:rPr lang="en-US" smtClean="0"/>
-              <a:t>2/8/2018</a:t>
+              <a:t>2/9/18</a:t>
             </a:fld>
             <a:endParaRPr lang="en-US"/>
           </a:p>
@@ -1073,7 +1074,7 @@
           <a:p>
             <a:fld id="{3A849D0F-AE7C-45EE-AA54-36F4080990D5}" type="datetimeFigureOut">
               <a:rPr lang="en-US" smtClean="0"/>
-              <a:t>2/8/2018</a:t>
+              <a:t>2/9/18</a:t>
             </a:fld>
             <a:endParaRPr lang="en-US"/>
           </a:p>
@@ -1243,7 +1244,7 @@
           <a:p>
             <a:fld id="{3A849D0F-AE7C-45EE-AA54-36F4080990D5}" type="datetimeFigureOut">
               <a:rPr lang="en-US" smtClean="0"/>
-              <a:t>2/8/2018</a:t>
+              <a:t>2/9/18</a:t>
             </a:fld>
             <a:endParaRPr lang="en-US"/>
           </a:p>
@@ -1487,7 +1488,7 @@
           <a:p>
             <a:fld id="{3A849D0F-AE7C-45EE-AA54-36F4080990D5}" type="datetimeFigureOut">
               <a:rPr lang="en-US" smtClean="0"/>
-              <a:t>2/8/2018</a:t>
+              <a:t>2/9/18</a:t>
             </a:fld>
             <a:endParaRPr lang="en-US"/>
           </a:p>
@@ -1719,7 +1720,7 @@
           <a:p>
             <a:fld id="{3A849D0F-AE7C-45EE-AA54-36F4080990D5}" type="datetimeFigureOut">
               <a:rPr lang="en-US" smtClean="0"/>
-              <a:t>2/8/2018</a:t>
+              <a:t>2/9/18</a:t>
             </a:fld>
             <a:endParaRPr lang="en-US"/>
           </a:p>
@@ -2086,7 +2087,7 @@
           <a:p>
             <a:fld id="{3A849D0F-AE7C-45EE-AA54-36F4080990D5}" type="datetimeFigureOut">
               <a:rPr lang="en-US" smtClean="0"/>
-              <a:t>2/8/2018</a:t>
+              <a:t>2/9/18</a:t>
             </a:fld>
             <a:endParaRPr lang="en-US"/>
           </a:p>
@@ -2204,7 +2205,7 @@
           <a:p>
             <a:fld id="{3A849D0F-AE7C-45EE-AA54-36F4080990D5}" type="datetimeFigureOut">
               <a:rPr lang="en-US" smtClean="0"/>
-              <a:t>2/8/2018</a:t>
+              <a:t>2/9/18</a:t>
             </a:fld>
             <a:endParaRPr lang="en-US"/>
           </a:p>
@@ -2299,7 +2300,7 @@
           <a:p>
             <a:fld id="{3A849D0F-AE7C-45EE-AA54-36F4080990D5}" type="datetimeFigureOut">
               <a:rPr lang="en-US" smtClean="0"/>
-              <a:t>2/8/2018</a:t>
+              <a:t>2/9/18</a:t>
             </a:fld>
             <a:endParaRPr lang="en-US"/>
           </a:p>
@@ -2576,7 +2577,7 @@
           <a:p>
             <a:fld id="{3A849D0F-AE7C-45EE-AA54-36F4080990D5}" type="datetimeFigureOut">
               <a:rPr lang="en-US" smtClean="0"/>
-              <a:t>2/8/2018</a:t>
+              <a:t>2/9/18</a:t>
             </a:fld>
             <a:endParaRPr lang="en-US"/>
           </a:p>
@@ -2833,7 +2834,7 @@
           <a:p>
             <a:fld id="{3A849D0F-AE7C-45EE-AA54-36F4080990D5}" type="datetimeFigureOut">
               <a:rPr lang="en-US" smtClean="0"/>
-              <a:t>2/8/2018</a:t>
+              <a:t>2/9/18</a:t>
             </a:fld>
             <a:endParaRPr lang="en-US"/>
           </a:p>
@@ -3046,7 +3047,7 @@
           <a:p>
             <a:fld id="{3A849D0F-AE7C-45EE-AA54-36F4080990D5}" type="datetimeFigureOut">
               <a:rPr lang="en-US" smtClean="0"/>
-              <a:t>2/8/2018</a:t>
+              <a:t>2/9/18</a:t>
             </a:fld>
             <a:endParaRPr lang="en-US"/>
           </a:p>
@@ -3451,8 +3452,8 @@
           <a:chExt cx="0" cy="0"/>
         </a:xfrm>
       </p:grpSpPr>
-      <mc:AlternateContent xmlns:mc="http://schemas.openxmlformats.org/markup-compatibility/2006">
-        <mc:Choice xmlns:p14="http://schemas.microsoft.com/office/powerpoint/2010/main" Requires="p14">
+      <mc:AlternateContent xmlns:mc="http://schemas.openxmlformats.org/markup-compatibility/2006" xmlns:p14="http://schemas.microsoft.com/office/powerpoint/2010/main">
+        <mc:Choice Requires="p14">
           <p:contentPart p14:bwMode="auto" r:id="rId2">
             <p14:nvContentPartPr>
               <p14:cNvPr id="296" name="Ink 295">
@@ -3471,7 +3472,7 @@
             </p14:xfrm>
           </p:contentPart>
         </mc:Choice>
-        <mc:Fallback>
+        <mc:Fallback xmlns="">
           <p:pic>
             <p:nvPicPr>
               <p:cNvPr id="296" name="Ink 295">
@@ -3502,8 +3503,8 @@
           </p:pic>
         </mc:Fallback>
       </mc:AlternateContent>
-      <mc:AlternateContent xmlns:mc="http://schemas.openxmlformats.org/markup-compatibility/2006">
-        <mc:Choice xmlns:p14="http://schemas.microsoft.com/office/powerpoint/2010/main" Requires="p14">
+      <mc:AlternateContent xmlns:mc="http://schemas.openxmlformats.org/markup-compatibility/2006" xmlns:p14="http://schemas.microsoft.com/office/powerpoint/2010/main">
+        <mc:Choice Requires="p14">
           <p:contentPart p14:bwMode="auto" r:id="rId4">
             <p14:nvContentPartPr>
               <p14:cNvPr id="893" name="Ink 892">
@@ -3522,7 +3523,7 @@
             </p14:xfrm>
           </p:contentPart>
         </mc:Choice>
-        <mc:Fallback>
+        <mc:Fallback xmlns="">
           <p:pic>
             <p:nvPicPr>
               <p:cNvPr id="893" name="Ink 892">
@@ -3553,8 +3554,8 @@
           </p:pic>
         </mc:Fallback>
       </mc:AlternateContent>
-      <mc:AlternateContent xmlns:mc="http://schemas.openxmlformats.org/markup-compatibility/2006">
-        <mc:Choice xmlns:p14="http://schemas.microsoft.com/office/powerpoint/2010/main" Requires="p14">
+      <mc:AlternateContent xmlns:mc="http://schemas.openxmlformats.org/markup-compatibility/2006" xmlns:p14="http://schemas.microsoft.com/office/powerpoint/2010/main">
+        <mc:Choice Requires="p14">
           <p:contentPart p14:bwMode="auto" r:id="rId5">
             <p14:nvContentPartPr>
               <p14:cNvPr id="1039" name="Ink 1038">
@@ -3573,7 +3574,7 @@
             </p14:xfrm>
           </p:contentPart>
         </mc:Choice>
-        <mc:Fallback>
+        <mc:Fallback xmlns="">
           <p:pic>
             <p:nvPicPr>
               <p:cNvPr id="1039" name="Ink 1038">
